--- a/doc/基于缓存同步的分布式事务服务器框架.pptx
+++ b/doc/基于缓存同步的分布式事务服务器框架.pptx
@@ -13814,68 +13814,6 @@
           </a:p>
         </p:txBody>
       </p:sp>
-      <p:sp>
-        <p:nvSpPr>
-          <p:cNvPr id="2" name="矩形 1">
-            <a:extLst>
-              <a:ext uri="{FF2B5EF4-FFF2-40B4-BE49-F238E27FC236}">
-                <a16:creationId xmlns:a16="http://schemas.microsoft.com/office/drawing/2014/main" id="{83B6C917-FBFA-461B-8CCC-F1AB3246EC76}"/>
-              </a:ext>
-            </a:extLst>
-          </p:cNvPr>
-          <p:cNvSpPr/>
-          <p:nvPr/>
-        </p:nvSpPr>
-        <p:spPr>
-          <a:xfrm>
-            <a:off x="395536" y="4299942"/>
-            <a:ext cx="7488832" cy="504056"/>
-          </a:xfrm>
-          <a:prstGeom prst="rect">
-            <a:avLst/>
-          </a:prstGeom>
-        </p:spPr>
-        <p:style>
-          <a:lnRef idx="2">
-            <a:schemeClr val="accent2">
-              <a:shade val="50000"/>
-            </a:schemeClr>
-          </a:lnRef>
-          <a:fillRef idx="1">
-            <a:schemeClr val="accent2"/>
-          </a:fillRef>
-          <a:effectRef idx="0">
-            <a:schemeClr val="accent2"/>
-          </a:effectRef>
-          <a:fontRef idx="minor">
-            <a:schemeClr val="lt1"/>
-          </a:fontRef>
-        </p:style>
-        <p:txBody>
-          <a:bodyPr rtlCol="0" anchor="ctr"/>
-          <a:lstStyle/>
-          <a:p>
-            <a:pPr algn="ctr"/>
-            <a:r>
-              <a:rPr lang="zh-CN" altLang="en-US" dirty="0">
-                <a:ln w="0"/>
-                <a:solidFill>
-                  <a:schemeClr val="tx1"/>
-                </a:solidFill>
-                <a:effectLst>
-                  <a:outerShdw blurRad="38100" dist="19050" dir="2700000" algn="tl" rotWithShape="0">
-                    <a:schemeClr val="dk1">
-                      <a:alpha val="40000"/>
-                    </a:schemeClr>
-                  </a:outerShdw>
-                </a:effectLst>
-              </a:rPr>
-              <a:t>致谢！乐观锁关键算法来自完美前员工黄强同学。</a:t>
-            </a:r>
-            <a:endParaRPr lang="zh-CN" altLang="en-US" dirty="0"/>
-          </a:p>
-        </p:txBody>
-      </p:sp>
     </p:spTree>
     <p:extLst>
       <p:ext uri="{BB962C8B-B14F-4D97-AF65-F5344CB8AC3E}">
@@ -15833,8 +15771,8 @@
         </p:nvSpPr>
         <p:spPr>
           <a:xfrm>
-            <a:off x="-19339" y="8174"/>
-            <a:ext cx="9144000" cy="3174810"/>
+            <a:off x="4997" y="0"/>
+            <a:ext cx="9144000" cy="2131528"/>
           </a:xfrm>
           <a:prstGeom prst="rect">
             <a:avLst/>
@@ -15914,50 +15852,6 @@
           </a:p>
         </p:txBody>
       </p:sp>
-      <p:cxnSp>
-        <p:nvCxnSpPr>
-          <p:cNvPr id="46" name="直接连接符 5"/>
-          <p:cNvCxnSpPr>
-            <a:cxnSpLocks noChangeShapeType="1"/>
-          </p:cNvCxnSpPr>
-          <p:nvPr/>
-        </p:nvCxnSpPr>
-        <p:spPr bwMode="auto">
-          <a:xfrm flipH="1">
-            <a:off x="3923928" y="2486603"/>
-            <a:ext cx="4617801" cy="0"/>
-          </a:xfrm>
-          <a:prstGeom prst="line">
-            <a:avLst/>
-          </a:prstGeom>
-          <a:noFill/>
-          <a:ln w="12700">
-            <a:solidFill>
-              <a:schemeClr val="accent1"/>
-            </a:solidFill>
-            <a:round/>
-            <a:headEnd/>
-            <a:tailEnd/>
-          </a:ln>
-          <a:effectLst/>
-          <a:extLst>
-            <a:ext uri="{909E8E84-426E-40DD-AFC4-6F175D3DCCD1}">
-              <a14:hiddenFill xmlns:a14="http://schemas.microsoft.com/office/drawing/2010/main">
-                <a:noFill/>
-              </a14:hiddenFill>
-            </a:ext>
-            <a:ext uri="{AF507438-7753-43E0-B8FC-AC1667EBCBE1}">
-              <a14:hiddenEffects xmlns:a14="http://schemas.microsoft.com/office/drawing/2010/main">
-                <a:effectLst>
-                  <a:outerShdw dist="35921" dir="2700000" algn="ctr" rotWithShape="0">
-                    <a:schemeClr val="bg2"/>
-                  </a:outerShdw>
-                </a:effectLst>
-              </a14:hiddenEffects>
-            </a:ext>
-          </a:extLst>
-        </p:spPr>
-      </p:cxnSp>
       <p:sp>
         <p:nvSpPr>
           <p:cNvPr id="48" name="矩形 47"/>
@@ -15966,7 +15860,7 @@
         </p:nvSpPr>
         <p:spPr>
           <a:xfrm>
-            <a:off x="3059832" y="1034802"/>
+            <a:off x="3059832" y="200529"/>
             <a:ext cx="2395509" cy="1423457"/>
           </a:xfrm>
           <a:prstGeom prst="rect">
@@ -19374,8 +19268,8 @@
         </p:nvSpPr>
         <p:spPr>
           <a:xfrm>
-            <a:off x="0" y="3291830"/>
-            <a:ext cx="9065418" cy="1008112"/>
+            <a:off x="0" y="3776085"/>
+            <a:ext cx="9065418" cy="648072"/>
           </a:xfrm>
           <a:prstGeom prst="rect">
             <a:avLst/>
@@ -19404,12 +19298,226 @@
             <a:pPr algn="ctr"/>
             <a:r>
               <a:rPr lang="zh-CN" altLang="en-US" dirty="0">
+                <a:ln w="0"/>
                 <a:solidFill>
-                  <a:srgbClr val="FF0000"/>
+                  <a:schemeClr val="tx1"/>
                 </a:solidFill>
+                <a:effectLst>
+                  <a:outerShdw blurRad="38100" dist="19050" dir="2700000" algn="tl" rotWithShape="0">
+                    <a:schemeClr val="dk1">
+                      <a:alpha val="40000"/>
+                    </a:schemeClr>
+                  </a:outerShdw>
+                </a:effectLst>
               </a:rPr>
               <a:t>完美元宇宙招聘：</a:t>
             </a:r>
+          </a:p>
+        </p:txBody>
+      </p:sp>
+      <p:sp>
+        <p:nvSpPr>
+          <p:cNvPr id="22" name="矩形 21">
+            <a:extLst>
+              <a:ext uri="{FF2B5EF4-FFF2-40B4-BE49-F238E27FC236}">
+                <a16:creationId xmlns:a16="http://schemas.microsoft.com/office/drawing/2014/main" id="{E7E2A642-C913-48EA-86BD-38D14F9B8B16}"/>
+              </a:ext>
+            </a:extLst>
+          </p:cNvPr>
+          <p:cNvSpPr/>
+          <p:nvPr/>
+        </p:nvSpPr>
+        <p:spPr>
+          <a:xfrm>
+            <a:off x="0" y="2366677"/>
+            <a:ext cx="9108504" cy="1213123"/>
+          </a:xfrm>
+          <a:prstGeom prst="rect">
+            <a:avLst/>
+          </a:prstGeom>
+        </p:spPr>
+        <p:style>
+          <a:lnRef idx="2">
+            <a:schemeClr val="accent2">
+              <a:shade val="50000"/>
+            </a:schemeClr>
+          </a:lnRef>
+          <a:fillRef idx="1">
+            <a:schemeClr val="accent2"/>
+          </a:fillRef>
+          <a:effectRef idx="0">
+            <a:schemeClr val="accent2"/>
+          </a:effectRef>
+          <a:fontRef idx="minor">
+            <a:schemeClr val="lt1"/>
+          </a:fontRef>
+        </p:style>
+        <p:txBody>
+          <a:bodyPr rtlCol="0" anchor="ctr"/>
+          <a:lstStyle/>
+          <a:p>
+            <a:pPr algn="ctr"/>
+            <a:r>
+              <a:rPr lang="zh-CN" altLang="en-US" dirty="0">
+                <a:ln w="0"/>
+                <a:solidFill>
+                  <a:schemeClr val="tx1"/>
+                </a:solidFill>
+                <a:effectLst>
+                  <a:outerShdw blurRad="38100" dist="19050" dir="2700000" algn="tl" rotWithShape="0">
+                    <a:schemeClr val="dk1">
+                      <a:alpha val="40000"/>
+                    </a:schemeClr>
+                  </a:outerShdw>
+                </a:effectLst>
+              </a:rPr>
+              <a:t>致谢！</a:t>
+            </a:r>
+            <a:endParaRPr lang="en-US" altLang="zh-CN" dirty="0">
+              <a:ln w="0"/>
+              <a:solidFill>
+                <a:schemeClr val="tx1"/>
+              </a:solidFill>
+              <a:effectLst>
+                <a:outerShdw blurRad="38100" dist="19050" dir="2700000" algn="tl" rotWithShape="0">
+                  <a:schemeClr val="dk1">
+                    <a:alpha val="40000"/>
+                  </a:schemeClr>
+                </a:outerShdw>
+              </a:effectLst>
+            </a:endParaRPr>
+          </a:p>
+          <a:p>
+            <a:pPr algn="ctr"/>
+            <a:r>
+              <a:rPr lang="zh-CN" altLang="en-US" dirty="0">
+                <a:ln w="0"/>
+                <a:solidFill>
+                  <a:schemeClr val="tx1"/>
+                </a:solidFill>
+                <a:effectLst>
+                  <a:outerShdw blurRad="38100" dist="19050" dir="2700000" algn="tl" rotWithShape="0">
+                    <a:schemeClr val="dk1">
+                      <a:alpha val="40000"/>
+                    </a:schemeClr>
+                  </a:outerShdw>
+                </a:effectLst>
+              </a:rPr>
+              <a:t>乐观锁关键算法来自完美前员工（现途游）黄强同学。</a:t>
+            </a:r>
+            <a:endParaRPr lang="en-US" altLang="zh-CN" dirty="0">
+              <a:ln w="0"/>
+              <a:solidFill>
+                <a:schemeClr val="tx1"/>
+              </a:solidFill>
+              <a:effectLst>
+                <a:outerShdw blurRad="38100" dist="19050" dir="2700000" algn="tl" rotWithShape="0">
+                  <a:schemeClr val="dk1">
+                    <a:alpha val="40000"/>
+                  </a:schemeClr>
+                </a:outerShdw>
+              </a:effectLst>
+            </a:endParaRPr>
+          </a:p>
+          <a:p>
+            <a:pPr algn="ctr"/>
+            <a:r>
+              <a:rPr lang="en-US" altLang="zh-CN" dirty="0">
+                <a:ln w="0"/>
+                <a:solidFill>
+                  <a:schemeClr val="tx1"/>
+                </a:solidFill>
+                <a:effectLst>
+                  <a:outerShdw blurRad="38100" dist="19050" dir="2700000" algn="tl" rotWithShape="0">
+                    <a:schemeClr val="dk1">
+                      <a:alpha val="40000"/>
+                    </a:schemeClr>
+                  </a:outerShdw>
+                </a:effectLst>
+              </a:rPr>
+              <a:t>C++</a:t>
+            </a:r>
+            <a:r>
+              <a:rPr lang="zh-CN" altLang="en-US" dirty="0">
+                <a:ln w="0"/>
+                <a:solidFill>
+                  <a:schemeClr val="tx1"/>
+                </a:solidFill>
+                <a:effectLst>
+                  <a:outerShdw blurRad="38100" dist="19050" dir="2700000" algn="tl" rotWithShape="0">
+                    <a:schemeClr val="dk1">
+                      <a:alpha val="40000"/>
+                    </a:schemeClr>
+                  </a:outerShdw>
+                </a:effectLst>
+              </a:rPr>
+              <a:t>主要代码以及加密压缩算法来自</a:t>
+            </a:r>
+            <a:r>
+              <a:rPr lang="en-US" altLang="zh-CN" dirty="0" err="1">
+                <a:ln w="0"/>
+                <a:solidFill>
+                  <a:schemeClr val="tx1"/>
+                </a:solidFill>
+                <a:effectLst>
+                  <a:outerShdw blurRad="38100" dist="19050" dir="2700000" algn="tl" rotWithShape="0">
+                    <a:schemeClr val="dk1">
+                      <a:alpha val="40000"/>
+                    </a:schemeClr>
+                  </a:outerShdw>
+                </a:effectLst>
+              </a:rPr>
+              <a:t>limax</a:t>
+            </a:r>
+            <a:r>
+              <a:rPr lang="zh-CN" altLang="en-US" dirty="0">
+                <a:ln w="0"/>
+                <a:solidFill>
+                  <a:schemeClr val="tx1"/>
+                </a:solidFill>
+                <a:effectLst>
+                  <a:outerShdw blurRad="38100" dist="19050" dir="2700000" algn="tl" rotWithShape="0">
+                    <a:schemeClr val="dk1">
+                      <a:alpha val="40000"/>
+                    </a:schemeClr>
+                  </a:outerShdw>
+                </a:effectLst>
+              </a:rPr>
+              <a:t>项目</a:t>
+            </a:r>
+            <a:r>
+              <a:rPr lang="en-US" altLang="zh-CN" dirty="0">
+                <a:ln w="0"/>
+                <a:solidFill>
+                  <a:schemeClr val="tx1"/>
+                </a:solidFill>
+                <a:effectLst>
+                  <a:outerShdw blurRad="38100" dist="19050" dir="2700000" algn="tl" rotWithShape="0">
+                    <a:schemeClr val="dk1">
+                      <a:alpha val="40000"/>
+                    </a:schemeClr>
+                  </a:outerShdw>
+                </a:effectLst>
+              </a:rPr>
+              <a:t>-</a:t>
+            </a:r>
+            <a:r>
+              <a:rPr lang="zh-CN" altLang="en-US" dirty="0">
+                <a:ln w="0"/>
+                <a:solidFill>
+                  <a:schemeClr val="tx1"/>
+                </a:solidFill>
+                <a:effectLst>
+                  <a:outerShdw blurRad="38100" dist="19050" dir="2700000" algn="tl" rotWithShape="0">
+                    <a:schemeClr val="dk1">
+                      <a:alpha val="40000"/>
+                    </a:schemeClr>
+                  </a:outerShdw>
+                </a:effectLst>
+              </a:rPr>
+              <a:t>曾攀等维护 。</a:t>
+            </a:r>
+            <a:endParaRPr lang="zh-CN" altLang="en-US" dirty="0"/>
           </a:p>
         </p:txBody>
       </p:sp>

--- a/doc/基于缓存同步的分布式事务服务器框架.pptx
+++ b/doc/基于缓存同步的分布式事务服务器框架.pptx
@@ -19403,7 +19403,55 @@
                   </a:outerShdw>
                 </a:effectLst>
               </a:rPr>
-              <a:t>乐观锁关键算法来自完美前员工（现途游）黄强同学。</a:t>
+              <a:t>乐观锁关键算法和</a:t>
+            </a:r>
+            <a:r>
+              <a:rPr lang="en-US" altLang="zh-CN" dirty="0" err="1">
+                <a:ln w="0"/>
+                <a:solidFill>
+                  <a:schemeClr val="tx1"/>
+                </a:solidFill>
+                <a:effectLst>
+                  <a:outerShdw blurRad="38100" dist="19050" dir="2700000" algn="tl" rotWithShape="0">
+                    <a:schemeClr val="dk1">
+                      <a:alpha val="40000"/>
+                    </a:schemeClr>
+                  </a:outerShdw>
+                </a:effectLst>
+              </a:rPr>
+              <a:t>ByteBuffer</a:t>
+            </a:r>
+            <a:r>
+              <a:rPr lang="zh-CN" altLang="en-US">
+                <a:ln w="0"/>
+                <a:solidFill>
+                  <a:schemeClr val="tx1"/>
+                </a:solidFill>
+                <a:effectLst>
+                  <a:outerShdw blurRad="38100" dist="19050" dir="2700000" algn="tl" rotWithShape="0">
+                    <a:schemeClr val="dk1">
+                      <a:alpha val="40000"/>
+                    </a:schemeClr>
+                  </a:outerShdw>
+                </a:effectLst>
+              </a:rPr>
+              <a:t>代码来自</a:t>
+            </a:r>
+            <a:r>
+              <a:rPr lang="zh-CN" altLang="en-US" dirty="0">
+                <a:ln w="0"/>
+                <a:solidFill>
+                  <a:schemeClr val="tx1"/>
+                </a:solidFill>
+                <a:effectLst>
+                  <a:outerShdw blurRad="38100" dist="19050" dir="2700000" algn="tl" rotWithShape="0">
+                    <a:schemeClr val="dk1">
+                      <a:alpha val="40000"/>
+                    </a:schemeClr>
+                  </a:outerShdw>
+                </a:effectLst>
+              </a:rPr>
+              <a:t>完美前员工（现途游）黄强同学。</a:t>
             </a:r>
             <a:endParaRPr lang="en-US" altLang="zh-CN" dirty="0">
               <a:ln w="0"/>

--- a/doc/基于缓存同步的分布式事务服务器框架.pptx
+++ b/doc/基于缓存同步的分布式事务服务器框架.pptx
@@ -5,10 +5,10 @@
     <p:sldMasterId id="2147483648" r:id="rId1"/>
   </p:sldMasterIdLst>
   <p:notesMasterIdLst>
-    <p:notesMasterId r:id="rId20"/>
+    <p:notesMasterId r:id="rId19"/>
   </p:notesMasterIdLst>
   <p:handoutMasterIdLst>
-    <p:handoutMasterId r:id="rId21"/>
+    <p:handoutMasterId r:id="rId20"/>
   </p:handoutMasterIdLst>
   <p:sldIdLst>
     <p:sldId id="317" r:id="rId2"/>
@@ -16,24 +16,23 @@
     <p:sldId id="325" r:id="rId4"/>
     <p:sldId id="432" r:id="rId5"/>
     <p:sldId id="444" r:id="rId6"/>
-    <p:sldId id="433" r:id="rId7"/>
-    <p:sldId id="446" r:id="rId8"/>
-    <p:sldId id="434" r:id="rId9"/>
-    <p:sldId id="435" r:id="rId10"/>
-    <p:sldId id="445" r:id="rId11"/>
-    <p:sldId id="436" r:id="rId12"/>
-    <p:sldId id="437" r:id="rId13"/>
-    <p:sldId id="438" r:id="rId14"/>
-    <p:sldId id="439" r:id="rId15"/>
-    <p:sldId id="440" r:id="rId16"/>
-    <p:sldId id="441" r:id="rId17"/>
-    <p:sldId id="442" r:id="rId18"/>
-    <p:sldId id="318" r:id="rId19"/>
+    <p:sldId id="434" r:id="rId7"/>
+    <p:sldId id="433" r:id="rId8"/>
+    <p:sldId id="435" r:id="rId9"/>
+    <p:sldId id="445" r:id="rId10"/>
+    <p:sldId id="436" r:id="rId11"/>
+    <p:sldId id="437" r:id="rId12"/>
+    <p:sldId id="438" r:id="rId13"/>
+    <p:sldId id="439" r:id="rId14"/>
+    <p:sldId id="440" r:id="rId15"/>
+    <p:sldId id="441" r:id="rId16"/>
+    <p:sldId id="442" r:id="rId17"/>
+    <p:sldId id="318" r:id="rId18"/>
   </p:sldIdLst>
   <p:sldSz cx="9144000" cy="5143500" type="screen16x9"/>
   <p:notesSz cx="6858000" cy="9144000"/>
   <p:custDataLst>
-    <p:tags r:id="rId22"/>
+    <p:tags r:id="rId21"/>
   </p:custDataLst>
   <p:defaultTextStyle>
     <a:defPPr>
@@ -3484,7 +3483,7 @@
           <a:p>
             <a:fld id="{2353A075-29DF-4CAE-8BA7-CDA0ED456C88}" type="datetimeFigureOut">
               <a:rPr lang="zh-CN" altLang="en-US" smtClean="0"/>
-              <a:t>2022/1/4</a:t>
+              <a:t>2022/1/5</a:t>
             </a:fld>
             <a:endParaRPr lang="zh-CN" altLang="en-US"/>
           </a:p>
@@ -3649,7 +3648,7 @@
           <a:p>
             <a:fld id="{6A2B73EA-EE91-4E33-A9C1-8BF5DD7139A2}" type="datetimeFigureOut">
               <a:rPr lang="zh-CN" altLang="en-US" smtClean="0"/>
-              <a:t>2022/1/4</a:t>
+              <a:t>2022/1/5</a:t>
             </a:fld>
             <a:endParaRPr lang="zh-CN" altLang="en-US"/>
           </a:p>
@@ -4065,7 +4064,7 @@
           <a:p>
             <a:fld id="{7392B679-AE23-4750-8FB0-6513430B8953}" type="slidenum">
               <a:rPr lang="zh-CN" altLang="en-US" smtClean="0"/>
-              <a:t>12</a:t>
+              <a:t>11</a:t>
             </a:fld>
             <a:endParaRPr lang="zh-CN" altLang="en-US"/>
           </a:p>
@@ -4149,7 +4148,7 @@
           <a:p>
             <a:fld id="{7392B679-AE23-4750-8FB0-6513430B8953}" type="slidenum">
               <a:rPr lang="zh-CN" altLang="en-US" smtClean="0"/>
-              <a:t>13</a:t>
+              <a:t>12</a:t>
             </a:fld>
             <a:endParaRPr lang="zh-CN" altLang="en-US"/>
           </a:p>
@@ -4233,7 +4232,7 @@
           <a:p>
             <a:fld id="{7392B679-AE23-4750-8FB0-6513430B8953}" type="slidenum">
               <a:rPr lang="zh-CN" altLang="en-US" smtClean="0"/>
-              <a:t>14</a:t>
+              <a:t>13</a:t>
             </a:fld>
             <a:endParaRPr lang="zh-CN" altLang="en-US"/>
           </a:p>
@@ -4317,7 +4316,7 @@
           <a:p>
             <a:fld id="{7392B679-AE23-4750-8FB0-6513430B8953}" type="slidenum">
               <a:rPr lang="zh-CN" altLang="en-US" smtClean="0"/>
-              <a:t>15</a:t>
+              <a:t>14</a:t>
             </a:fld>
             <a:endParaRPr lang="zh-CN" altLang="en-US"/>
           </a:p>
@@ -4401,7 +4400,7 @@
           <a:p>
             <a:fld id="{7392B679-AE23-4750-8FB0-6513430B8953}" type="slidenum">
               <a:rPr lang="zh-CN" altLang="en-US" smtClean="0"/>
-              <a:t>16</a:t>
+              <a:t>15</a:t>
             </a:fld>
             <a:endParaRPr lang="zh-CN" altLang="en-US"/>
           </a:p>
@@ -4485,7 +4484,7 @@
           <a:p>
             <a:fld id="{7392B679-AE23-4750-8FB0-6513430B8953}" type="slidenum">
               <a:rPr lang="zh-CN" altLang="en-US" smtClean="0"/>
-              <a:t>17</a:t>
+              <a:t>16</a:t>
             </a:fld>
             <a:endParaRPr lang="zh-CN" altLang="en-US"/>
           </a:p>
@@ -4569,7 +4568,7 @@
           <a:p>
             <a:fld id="{7392B679-AE23-4750-8FB0-6513430B8953}" type="slidenum">
               <a:rPr lang="zh-CN" altLang="en-US" smtClean="0"/>
-              <a:t>18</a:t>
+              <a:t>17</a:t>
             </a:fld>
             <a:endParaRPr lang="zh-CN" altLang="en-US"/>
           </a:p>
@@ -4998,7 +4997,7 @@
     </p:spTree>
     <p:extLst>
       <p:ext uri="{BB962C8B-B14F-4D97-AF65-F5344CB8AC3E}">
-        <p14:creationId xmlns:p14="http://schemas.microsoft.com/office/powerpoint/2010/main" val="1174962673"/>
+        <p14:creationId xmlns:p14="http://schemas.microsoft.com/office/powerpoint/2010/main" val="1089293771"/>
       </p:ext>
     </p:extLst>
   </p:cSld>
@@ -5073,7 +5072,7 @@
           <a:p>
             <a:fld id="{7392B679-AE23-4750-8FB0-6513430B8953}" type="slidenum">
               <a:rPr lang="zh-CN" altLang="en-US" smtClean="0"/>
-              <a:t>8</a:t>
+              <a:t>7</a:t>
             </a:fld>
             <a:endParaRPr lang="zh-CN" altLang="en-US"/>
           </a:p>
@@ -5082,7 +5081,7 @@
     </p:spTree>
     <p:extLst>
       <p:ext uri="{BB962C8B-B14F-4D97-AF65-F5344CB8AC3E}">
-        <p14:creationId xmlns:p14="http://schemas.microsoft.com/office/powerpoint/2010/main" val="1089293771"/>
+        <p14:creationId xmlns:p14="http://schemas.microsoft.com/office/powerpoint/2010/main" val="1174962673"/>
       </p:ext>
     </p:extLst>
   </p:cSld>
@@ -5157,7 +5156,7 @@
           <a:p>
             <a:fld id="{7392B679-AE23-4750-8FB0-6513430B8953}" type="slidenum">
               <a:rPr lang="zh-CN" altLang="en-US" smtClean="0"/>
-              <a:t>9</a:t>
+              <a:t>8</a:t>
             </a:fld>
             <a:endParaRPr lang="zh-CN" altLang="en-US"/>
           </a:p>
@@ -5241,7 +5240,7 @@
           <a:p>
             <a:fld id="{7392B679-AE23-4750-8FB0-6513430B8953}" type="slidenum">
               <a:rPr lang="zh-CN" altLang="en-US" smtClean="0"/>
-              <a:t>11</a:t>
+              <a:t>10</a:t>
             </a:fld>
             <a:endParaRPr lang="zh-CN" altLang="en-US"/>
           </a:p>
@@ -5439,7 +5438,7 @@
           <a:p>
             <a:fld id="{530820CF-B880-4189-942D-D702A7CBA730}" type="datetimeFigureOut">
               <a:rPr lang="zh-CN" altLang="en-US" smtClean="0"/>
-              <a:t>2022/1/4</a:t>
+              <a:t>2022/1/5</a:t>
             </a:fld>
             <a:endParaRPr lang="zh-CN" altLang="en-US"/>
           </a:p>
@@ -5712,7 +5711,7 @@
           <a:p>
             <a:fld id="{530820CF-B880-4189-942D-D702A7CBA730}" type="datetimeFigureOut">
               <a:rPr lang="zh-CN" altLang="en-US" smtClean="0"/>
-              <a:t>2022/1/4</a:t>
+              <a:t>2022/1/5</a:t>
             </a:fld>
             <a:endParaRPr lang="zh-CN" altLang="en-US"/>
           </a:p>
@@ -5962,7 +5961,7 @@
           <a:p>
             <a:fld id="{530820CF-B880-4189-942D-D702A7CBA730}" type="datetimeFigureOut">
               <a:rPr lang="zh-CN" altLang="en-US" smtClean="0"/>
-              <a:t>2022/1/4</a:t>
+              <a:t>2022/1/5</a:t>
             </a:fld>
             <a:endParaRPr lang="zh-CN" altLang="en-US"/>
           </a:p>
@@ -6128,7 +6127,7 @@
           <a:p>
             <a:fld id="{530820CF-B880-4189-942D-D702A7CBA730}" type="datetimeFigureOut">
               <a:rPr lang="zh-CN" altLang="en-US" smtClean="0"/>
-              <a:t>2022/1/4</a:t>
+              <a:t>2022/1/5</a:t>
             </a:fld>
             <a:endParaRPr lang="zh-CN" altLang="en-US"/>
           </a:p>
@@ -6304,7 +6303,7 @@
           <a:p>
             <a:fld id="{530820CF-B880-4189-942D-D702A7CBA730}" type="datetimeFigureOut">
               <a:rPr lang="zh-CN" altLang="en-US" smtClean="0"/>
-              <a:t>2022/1/4</a:t>
+              <a:t>2022/1/5</a:t>
             </a:fld>
             <a:endParaRPr lang="zh-CN" altLang="en-US"/>
           </a:p>
@@ -7197,7 +7196,7 @@
           <a:p>
             <a:fld id="{530820CF-B880-4189-942D-D702A7CBA730}" type="datetimeFigureOut">
               <a:rPr lang="zh-CN" altLang="en-US" smtClean="0"/>
-              <a:t>2022/1/4</a:t>
+              <a:t>2022/1/5</a:t>
             </a:fld>
             <a:endParaRPr lang="zh-CN" altLang="en-US"/>
           </a:p>
@@ -7480,7 +7479,7 @@
           <a:p>
             <a:fld id="{530820CF-B880-4189-942D-D702A7CBA730}" type="datetimeFigureOut">
               <a:rPr lang="zh-CN" altLang="en-US" smtClean="0"/>
-              <a:t>2022/1/4</a:t>
+              <a:t>2022/1/5</a:t>
             </a:fld>
             <a:endParaRPr lang="zh-CN" altLang="en-US"/>
           </a:p>
@@ -7897,7 +7896,7 @@
           <a:p>
             <a:fld id="{530820CF-B880-4189-942D-D702A7CBA730}" type="datetimeFigureOut">
               <a:rPr lang="zh-CN" altLang="en-US" smtClean="0"/>
-              <a:t>2022/1/4</a:t>
+              <a:t>2022/1/5</a:t>
             </a:fld>
             <a:endParaRPr lang="zh-CN" altLang="en-US"/>
           </a:p>
@@ -8012,7 +8011,7 @@
           <a:p>
             <a:fld id="{530820CF-B880-4189-942D-D702A7CBA730}" type="datetimeFigureOut">
               <a:rPr lang="zh-CN" altLang="en-US" smtClean="0"/>
-              <a:t>2022/1/4</a:t>
+              <a:t>2022/1/5</a:t>
             </a:fld>
             <a:endParaRPr lang="zh-CN" altLang="en-US"/>
           </a:p>
@@ -8105,7 +8104,7 @@
           <a:p>
             <a:fld id="{530820CF-B880-4189-942D-D702A7CBA730}" type="datetimeFigureOut">
               <a:rPr lang="zh-CN" altLang="en-US" smtClean="0"/>
-              <a:t>2022/1/4</a:t>
+              <a:t>2022/1/5</a:t>
             </a:fld>
             <a:endParaRPr lang="zh-CN" altLang="en-US"/>
           </a:p>
@@ -8328,7 +8327,7 @@
           <a:p>
             <a:fld id="{530820CF-B880-4189-942D-D702A7CBA730}" type="datetimeFigureOut">
               <a:rPr lang="zh-CN" altLang="en-US" smtClean="0"/>
-              <a:t>2022/1/4</a:t>
+              <a:t>2022/1/5</a:t>
             </a:fld>
             <a:endParaRPr lang="zh-CN" altLang="en-US"/>
           </a:p>
@@ -12489,10 +12488,52 @@
       </p:grpSpPr>
       <p:sp>
         <p:nvSpPr>
-          <p:cNvPr id="2" name="文本框 1">
+          <p:cNvPr id="3" name="Title 1"/>
+          <p:cNvSpPr txBox="1">
+            <a:spLocks/>
+          </p:cNvSpPr>
+          <p:nvPr/>
+        </p:nvSpPr>
+        <p:spPr>
+          <a:xfrm>
+            <a:off x="857880" y="200199"/>
+            <a:ext cx="3066048" cy="379477"/>
+          </a:xfrm>
+          <a:prstGeom prst="rect">
+            <a:avLst/>
+          </a:prstGeom>
+        </p:spPr>
+        <p:txBody>
+          <a:bodyPr lIns="0" rIns="0" anchor="ctr">
+            <a:noAutofit/>
+          </a:bodyPr>
+          <a:lstStyle>
+            <a:lvl1pPr algn="ctr" defTabSz="914400" rtl="0" eaLnBrk="1" latinLnBrk="0" hangingPunct="1">
+              <a:spcBef>
+                <a:spcPct val="0"/>
+              </a:spcBef>
+              <a:buNone/>
+              <a:defRPr sz="3000" b="0" kern="1200">
+                <a:solidFill>
+                  <a:schemeClr val="accent1"/>
+                </a:solidFill>
+                <a:latin typeface="U.S. 101" pitchFamily="2" charset="0"/>
+                <a:ea typeface="Roboto" pitchFamily="2" charset="0"/>
+                <a:cs typeface="Open Sans Light" panose="020B0306030504020204" pitchFamily="34" charset="0"/>
+              </a:defRPr>
+            </a:lvl1pPr>
+          </a:lstStyle>
+          <a:p>
+            <a:endParaRPr lang="zh-CN" altLang="zh-CN" sz="1800" b="1" dirty="0"/>
+          </a:p>
+        </p:txBody>
+      </p:sp>
+      <p:sp>
+        <p:nvSpPr>
+          <p:cNvPr id="4" name="文本框 3">
             <a:extLst>
               <a:ext uri="{FF2B5EF4-FFF2-40B4-BE49-F238E27FC236}">
-                <a16:creationId xmlns:a16="http://schemas.microsoft.com/office/drawing/2014/main" id="{4901A419-B838-4349-A4BD-5B7A2C741C02}"/>
+                <a16:creationId xmlns:a16="http://schemas.microsoft.com/office/drawing/2014/main" id="{4FEA1026-D6D5-EA4C-B5E5-EE2DF4B55C1E}"/>
               </a:ext>
             </a:extLst>
           </p:cNvPr>
@@ -12501,8 +12542,8 @@
         </p:nvSpPr>
         <p:spPr>
           <a:xfrm>
-            <a:off x="683568" y="843558"/>
-            <a:ext cx="5040560" cy="1569660"/>
+            <a:off x="395536" y="771550"/>
+            <a:ext cx="7488832" cy="2814873"/>
           </a:xfrm>
           <a:prstGeom prst="rect">
             <a:avLst/>
@@ -12517,69 +12558,208 @@
           <a:p>
             <a:pPr>
               <a:lnSpc>
-                <a:spcPct val="200000"/>
+                <a:spcPct val="150000"/>
               </a:lnSpc>
             </a:pPr>
             <a:r>
-              <a:rPr lang="en-US" altLang="zh-CN" b="1" kern="2200" dirty="0">
-                <a:latin typeface="DengXian" panose="02010600030101010101" pitchFamily="2" charset="-122"/>
-                <a:ea typeface="DengXian" panose="02010600030101010101" pitchFamily="2" charset="-122"/>
-                <a:hlinkClick r:id="rId2"/>
-              </a:rPr>
-              <a:t>https://gitee.com/e2wugui/zeze</a:t>
-            </a:r>
-            <a:endParaRPr lang="en-US" altLang="zh-CN" b="1" kern="2200" dirty="0">
-              <a:latin typeface="DengXian" panose="02010600030101010101" pitchFamily="2" charset="-122"/>
-              <a:ea typeface="DengXian" panose="02010600030101010101" pitchFamily="2" charset="-122"/>
-            </a:endParaRPr>
-          </a:p>
-          <a:p>
-            <a:pPr>
+              <a:rPr lang="zh-CN" altLang="en-US" b="1" dirty="0"/>
+              <a:t>       </a:t>
+            </a:r>
+            <a:r>
+              <a:rPr lang="zh-CN" altLang="zh-CN" sz="2000" b="1" dirty="0"/>
+              <a:t>查询数据，然后同步等待结果返回，紧接着就能处理结果了。</a:t>
+            </a:r>
+          </a:p>
+          <a:p>
+            <a:pPr marL="342900" indent="-342900">
               <a:lnSpc>
-                <a:spcPct val="200000"/>
+                <a:spcPct val="150000"/>
+              </a:lnSpc>
+              <a:buFont typeface="+mj-lt"/>
+              <a:buAutoNum type="arabicPeriod"/>
+            </a:pPr>
+            <a:r>
+              <a:rPr lang="zh-CN" altLang="zh-CN" dirty="0"/>
+              <a:t>异步需要把一段处理逻辑分割开。</a:t>
+            </a:r>
+            <a:endParaRPr lang="en-US" altLang="zh-CN" dirty="0"/>
+          </a:p>
+          <a:p>
+            <a:pPr lvl="1">
+              <a:lnSpc>
+                <a:spcPct val="150000"/>
               </a:lnSpc>
             </a:pPr>
             <a:r>
-              <a:rPr lang="en-US" altLang="zh-CN" b="1" kern="2200" dirty="0">
-                <a:latin typeface="DengXian" panose="02010600030101010101" pitchFamily="2" charset="-122"/>
-                <a:ea typeface="DengXian" panose="02010600030101010101" pitchFamily="2" charset="-122"/>
+              <a:rPr lang="zh-CN" altLang="zh-CN" sz="1400" dirty="0">
+                <a:solidFill>
+                  <a:schemeClr val="accent1"/>
+                </a:solidFill>
               </a:rPr>
-              <a:t>https://</a:t>
-            </a:r>
-            <a:r>
-              <a:rPr lang="en-US" altLang="zh-CN" b="1" kern="2200" dirty="0" err="1">
-                <a:latin typeface="DengXian" panose="02010600030101010101" pitchFamily="2" charset="-122"/>
-                <a:ea typeface="DengXian" panose="02010600030101010101" pitchFamily="2" charset="-122"/>
+              <a:t>即使使用</a:t>
+            </a:r>
+            <a:r>
+              <a:rPr lang="en-US" altLang="zh-CN" sz="1400" dirty="0">
+                <a:solidFill>
+                  <a:schemeClr val="accent1"/>
+                </a:solidFill>
               </a:rPr>
-              <a:t>github.com</a:t>
-            </a:r>
-            <a:r>
-              <a:rPr lang="en-US" altLang="zh-CN" b="1" kern="2200" dirty="0">
-                <a:latin typeface="DengXian" panose="02010600030101010101" pitchFamily="2" charset="-122"/>
-                <a:ea typeface="DengXian" panose="02010600030101010101" pitchFamily="2" charset="-122"/>
+              <a:t>lambda</a:t>
+            </a:r>
+            <a:r>
+              <a:rPr lang="zh-CN" altLang="zh-CN" sz="1400" dirty="0">
+                <a:solidFill>
+                  <a:schemeClr val="accent1"/>
+                </a:solidFill>
               </a:rPr>
-              <a:t>/e2wugui/</a:t>
-            </a:r>
-            <a:r>
-              <a:rPr lang="en-US" altLang="zh-CN" b="1" kern="2200" dirty="0" err="1">
-                <a:latin typeface="DengXian" panose="02010600030101010101" pitchFamily="2" charset="-122"/>
-                <a:ea typeface="DengXian" panose="02010600030101010101" pitchFamily="2" charset="-122"/>
+              <a:t>处理异步结果，可以把代码放在比较近的地方，</a:t>
+            </a:r>
+          </a:p>
+          <a:p>
+            <a:pPr lvl="1">
+              <a:lnSpc>
+                <a:spcPct val="150000"/>
+              </a:lnSpc>
+            </a:pPr>
+            <a:r>
+              <a:rPr lang="zh-CN" altLang="zh-CN" sz="1400" dirty="0">
+                <a:solidFill>
+                  <a:schemeClr val="accent1"/>
+                </a:solidFill>
               </a:rPr>
-              <a:t>zeze</a:t>
-            </a:r>
-            <a:endParaRPr lang="zh-CN" altLang="zh-CN" b="1" kern="2200" dirty="0">
-              <a:latin typeface="DengXian" panose="02010600030101010101" pitchFamily="2" charset="-122"/>
-              <a:ea typeface="DengXian" panose="02010600030101010101" pitchFamily="2" charset="-122"/>
+              <a:t>但它的执行流程通常在另外的线程执行的，不易控制 </a:t>
+            </a:r>
+            <a:endParaRPr lang="en-US" altLang="zh-CN" sz="1400" dirty="0">
+              <a:solidFill>
+                <a:schemeClr val="accent1"/>
+              </a:solidFill>
             </a:endParaRPr>
           </a:p>
           <a:p>
-            <a:endParaRPr lang="en-US" altLang="zh-CN" sz="1200" kern="2200" dirty="0">
-              <a:latin typeface="DengXian" panose="02010600030101010101" pitchFamily="2" charset="-122"/>
-              <a:ea typeface="DengXian" panose="02010600030101010101" pitchFamily="2" charset="-122"/>
-            </a:endParaRPr>
-          </a:p>
-          <a:p>
-            <a:endParaRPr kumimoji="1" lang="zh-CN" altLang="en-US" sz="1200" dirty="0">
+            <a:pPr marL="342900" indent="-342900">
+              <a:lnSpc>
+                <a:spcPct val="150000"/>
+              </a:lnSpc>
+              <a:buFont typeface="+mj-lt"/>
+              <a:buAutoNum type="arabicPeriod"/>
+            </a:pPr>
+            <a:r>
+              <a:rPr lang="zh-CN" altLang="zh-CN" dirty="0"/>
+              <a:t>同步可以使用多线程，多线程有一些同步原语可以使用</a:t>
+            </a:r>
+            <a:r>
+              <a:rPr lang="en-US" altLang="zh-CN" dirty="0"/>
+              <a:t>(</a:t>
+            </a:r>
+            <a:r>
+              <a:rPr lang="en-US" altLang="zh-CN" dirty="0" err="1"/>
+              <a:t>lock,condition</a:t>
+            </a:r>
+            <a:r>
+              <a:rPr lang="zh-CN" altLang="zh-CN" dirty="0"/>
+              <a:t>等）而异步没用通用的工具可用，很多时候需要定义状态来处理，很难维护。</a:t>
+            </a:r>
+          </a:p>
+        </p:txBody>
+      </p:sp>
+      <p:sp>
+        <p:nvSpPr>
+          <p:cNvPr id="5" name="Title 1">
+            <a:extLst>
+              <a:ext uri="{FF2B5EF4-FFF2-40B4-BE49-F238E27FC236}">
+                <a16:creationId xmlns:a16="http://schemas.microsoft.com/office/drawing/2014/main" id="{6B688A40-FF68-A14E-8A35-2CBB894FBA95}"/>
+              </a:ext>
+            </a:extLst>
+          </p:cNvPr>
+          <p:cNvSpPr txBox="1">
+            <a:spLocks/>
+          </p:cNvSpPr>
+          <p:nvPr/>
+        </p:nvSpPr>
+        <p:spPr>
+          <a:xfrm>
+            <a:off x="857880" y="200199"/>
+            <a:ext cx="3066048" cy="379477"/>
+          </a:xfrm>
+          <a:prstGeom prst="rect">
+            <a:avLst/>
+          </a:prstGeom>
+        </p:spPr>
+        <p:txBody>
+          <a:bodyPr lIns="0" rIns="0" anchor="ctr">
+            <a:noAutofit/>
+          </a:bodyPr>
+          <a:lstStyle>
+            <a:lvl1pPr algn="ctr" defTabSz="914400" rtl="0" eaLnBrk="1" latinLnBrk="0" hangingPunct="1">
+              <a:spcBef>
+                <a:spcPct val="0"/>
+              </a:spcBef>
+              <a:buNone/>
+              <a:defRPr sz="3000" b="0" kern="1200">
+                <a:solidFill>
+                  <a:schemeClr val="accent1"/>
+                </a:solidFill>
+                <a:latin typeface="U.S. 101" pitchFamily="2" charset="0"/>
+                <a:ea typeface="Roboto" pitchFamily="2" charset="0"/>
+                <a:cs typeface="Open Sans Light" panose="020B0306030504020204" pitchFamily="34" charset="0"/>
+              </a:defRPr>
+            </a:lvl1pPr>
+          </a:lstStyle>
+          <a:p>
+            <a:pPr algn="l"/>
+            <a:r>
+              <a:rPr lang="en-US" altLang="zh-CN" sz="1800" b="1" dirty="0" err="1">
+                <a:solidFill>
+                  <a:schemeClr val="tx1">
+                    <a:lumMod val="75000"/>
+                    <a:lumOff val="25000"/>
+                  </a:schemeClr>
+                </a:solidFill>
+                <a:latin typeface="微软雅黑" panose="020B0503020204020204" pitchFamily="34" charset="-122"/>
+                <a:ea typeface="微软雅黑" panose="020B0503020204020204" pitchFamily="34" charset="-122"/>
+              </a:rPr>
+              <a:t>Zeze</a:t>
+            </a:r>
+            <a:r>
+              <a:rPr lang="zh-CN" altLang="en-US" sz="1800" b="1" dirty="0">
+                <a:solidFill>
+                  <a:schemeClr val="tx1">
+                    <a:lumMod val="75000"/>
+                    <a:lumOff val="25000"/>
+                  </a:schemeClr>
+                </a:solidFill>
+                <a:latin typeface="微软雅黑" panose="020B0503020204020204" pitchFamily="34" charset="-122"/>
+                <a:ea typeface="微软雅黑" panose="020B0503020204020204" pitchFamily="34" charset="-122"/>
+              </a:rPr>
+              <a:t> </a:t>
+            </a:r>
+            <a:r>
+              <a:rPr lang="en-US" altLang="zh-CN" sz="1800" b="1" dirty="0">
+                <a:solidFill>
+                  <a:schemeClr val="tx1">
+                    <a:lumMod val="75000"/>
+                    <a:lumOff val="25000"/>
+                  </a:schemeClr>
+                </a:solidFill>
+                <a:latin typeface="微软雅黑" panose="020B0503020204020204" pitchFamily="34" charset="-122"/>
+                <a:ea typeface="微软雅黑" panose="020B0503020204020204" pitchFamily="34" charset="-122"/>
+              </a:rPr>
+              <a:t>–</a:t>
+            </a:r>
+            <a:r>
+              <a:rPr lang="zh-CN" altLang="en-US" sz="1800" b="1" dirty="0">
+                <a:solidFill>
+                  <a:schemeClr val="tx1">
+                    <a:lumMod val="75000"/>
+                    <a:lumOff val="25000"/>
+                  </a:schemeClr>
+                </a:solidFill>
+                <a:latin typeface="微软雅黑" panose="020B0503020204020204" pitchFamily="34" charset="-122"/>
+                <a:ea typeface="微软雅黑" panose="020B0503020204020204" pitchFamily="34" charset="-122"/>
+              </a:rPr>
+              <a:t> 为什么选择数据同步</a:t>
+            </a:r>
+            <a:endParaRPr lang="en-GB" altLang="zh-CN" sz="1800" b="1" dirty="0">
               <a:solidFill>
                 <a:schemeClr val="tx1">
                   <a:lumMod val="75000"/>
@@ -12595,16 +12775,21 @@
     </p:spTree>
     <p:extLst>
       <p:ext uri="{BB962C8B-B14F-4D97-AF65-F5344CB8AC3E}">
-        <p14:creationId xmlns:p14="http://schemas.microsoft.com/office/powerpoint/2010/main" val="2918582748"/>
+        <p14:creationId xmlns:p14="http://schemas.microsoft.com/office/powerpoint/2010/main" val="2938112219"/>
       </p:ext>
     </p:extLst>
   </p:cSld>
   <p:clrMapOvr>
     <a:masterClrMapping/>
   </p:clrMapOvr>
-  <p:transition spd="slow" advTm="0">
-    <p:cover/>
-  </p:transition>
+  <mc:AlternateContent xmlns:mc="http://schemas.openxmlformats.org/markup-compatibility/2006" xmlns:p14="http://schemas.microsoft.com/office/powerpoint/2010/main">
+    <mc:Choice Requires="p14">
+      <p:transition p14:dur="0" advTm="0"/>
+    </mc:Choice>
+    <mc:Fallback xmlns="">
+      <p:transition advTm="0"/>
+    </mc:Fallback>
+  </mc:AlternateContent>
 </p:sld>
 </file>
 
@@ -12682,7 +12867,7 @@
         <p:spPr>
           <a:xfrm>
             <a:off x="395536" y="771550"/>
-            <a:ext cx="7488832" cy="2814873"/>
+            <a:ext cx="7488832" cy="1706878"/>
           </a:xfrm>
           <a:prstGeom prst="rect">
             <a:avLst/>
@@ -12695,21 +12880,6 @@
           </a:bodyPr>
           <a:lstStyle/>
           <a:p>
-            <a:pPr>
-              <a:lnSpc>
-                <a:spcPct val="150000"/>
-              </a:lnSpc>
-            </a:pPr>
-            <a:r>
-              <a:rPr lang="zh-CN" altLang="en-US" b="1" dirty="0"/>
-              <a:t>       </a:t>
-            </a:r>
-            <a:r>
-              <a:rPr lang="zh-CN" altLang="zh-CN" sz="2000" b="1" dirty="0"/>
-              <a:t>查询数据，然后同步等待结果返回，紧接着就能处理结果了。</a:t>
-            </a:r>
-          </a:p>
-          <a:p>
             <a:pPr marL="342900" indent="-342900">
               <a:lnSpc>
                 <a:spcPct val="150000"/>
@@ -12719,60 +12889,9 @@
             </a:pPr>
             <a:r>
               <a:rPr lang="zh-CN" altLang="zh-CN" dirty="0"/>
-              <a:t>异步需要把一段处理逻辑分割开。</a:t>
+              <a:t>现在是个多核、并发时代。多线程还是有必要支持的。</a:t>
             </a:r>
             <a:endParaRPr lang="en-US" altLang="zh-CN" dirty="0"/>
-          </a:p>
-          <a:p>
-            <a:pPr lvl="1">
-              <a:lnSpc>
-                <a:spcPct val="150000"/>
-              </a:lnSpc>
-            </a:pPr>
-            <a:r>
-              <a:rPr lang="zh-CN" altLang="zh-CN" sz="1400" dirty="0">
-                <a:solidFill>
-                  <a:schemeClr val="accent1"/>
-                </a:solidFill>
-              </a:rPr>
-              <a:t>即使使用</a:t>
-            </a:r>
-            <a:r>
-              <a:rPr lang="en-US" altLang="zh-CN" sz="1400" dirty="0">
-                <a:solidFill>
-                  <a:schemeClr val="accent1"/>
-                </a:solidFill>
-              </a:rPr>
-              <a:t>lambda</a:t>
-            </a:r>
-            <a:r>
-              <a:rPr lang="zh-CN" altLang="zh-CN" sz="1400" dirty="0">
-                <a:solidFill>
-                  <a:schemeClr val="accent1"/>
-                </a:solidFill>
-              </a:rPr>
-              <a:t>处理异步结果，可以把代码放在比较近的地方，</a:t>
-            </a:r>
-          </a:p>
-          <a:p>
-            <a:pPr lvl="1">
-              <a:lnSpc>
-                <a:spcPct val="150000"/>
-              </a:lnSpc>
-            </a:pPr>
-            <a:r>
-              <a:rPr lang="zh-CN" altLang="zh-CN" sz="1400" dirty="0">
-                <a:solidFill>
-                  <a:schemeClr val="accent1"/>
-                </a:solidFill>
-              </a:rPr>
-              <a:t>但它的执行流程通常在另外的线程执行的，不易控制 </a:t>
-            </a:r>
-            <a:endParaRPr lang="en-US" altLang="zh-CN" sz="1400" dirty="0">
-              <a:solidFill>
-                <a:schemeClr val="accent1"/>
-              </a:solidFill>
-            </a:endParaRPr>
           </a:p>
           <a:p>
             <a:pPr marL="342900" indent="-342900">
@@ -12784,19 +12903,48 @@
             </a:pPr>
             <a:r>
               <a:rPr lang="zh-CN" altLang="zh-CN" dirty="0"/>
-              <a:t>同步可以使用多线程，多线程有一些同步原语可以使用</a:t>
-            </a:r>
+              <a:t>当然限制线程模型很多时候很有用。</a:t>
+            </a:r>
+            <a:endParaRPr lang="en-US" altLang="zh-CN" dirty="0"/>
+          </a:p>
+          <a:p>
+            <a:pPr marL="342900" indent="-342900">
+              <a:lnSpc>
+                <a:spcPct val="150000"/>
+              </a:lnSpc>
+              <a:buFont typeface="+mj-lt"/>
+              <a:buAutoNum type="arabicPeriod"/>
+            </a:pPr>
+            <a:r>
+              <a:rPr lang="zh-CN" altLang="zh-CN" dirty="0"/>
+              <a:t>需要掌握多线程知识码？</a:t>
+            </a:r>
+          </a:p>
+          <a:p>
+            <a:pPr>
+              <a:lnSpc>
+                <a:spcPct val="150000"/>
+              </a:lnSpc>
+            </a:pPr>
             <a:r>
               <a:rPr lang="en-US" altLang="zh-CN" dirty="0"/>
-              <a:t>(</a:t>
+              <a:t>   </a:t>
+            </a:r>
+            <a:r>
+              <a:rPr lang="zh-CN" altLang="en-US" dirty="0"/>
+              <a:t>   </a:t>
+            </a:r>
+            <a:r>
+              <a:rPr lang="zh-CN" altLang="zh-CN" dirty="0"/>
+              <a:t>只访问</a:t>
             </a:r>
             <a:r>
               <a:rPr lang="en-US" altLang="zh-CN" dirty="0" err="1"/>
-              <a:t>lock,condition</a:t>
+              <a:t>zeze</a:t>
             </a:r>
             <a:r>
               <a:rPr lang="zh-CN" altLang="zh-CN" dirty="0"/>
-              <a:t>等）而异步没用通用的工具可用，很多时候需要定义状态来处理，很难维护。</a:t>
+              <a:t>管理的数据是线程安全的，不需要任何多线程背景。 </a:t>
             </a:r>
           </a:p>
         </p:txBody>
@@ -12896,7 +13044,7 @@
                 <a:latin typeface="微软雅黑" panose="020B0503020204020204" pitchFamily="34" charset="-122"/>
                 <a:ea typeface="微软雅黑" panose="020B0503020204020204" pitchFamily="34" charset="-122"/>
               </a:rPr>
-              <a:t> 为什么选择数据同步</a:t>
+              <a:t> 多线程？</a:t>
             </a:r>
             <a:endParaRPr lang="en-GB" altLang="zh-CN" sz="1800" b="1" dirty="0">
               <a:solidFill>
@@ -12914,7 +13062,7 @@
     </p:spTree>
     <p:extLst>
       <p:ext uri="{BB962C8B-B14F-4D97-AF65-F5344CB8AC3E}">
-        <p14:creationId xmlns:p14="http://schemas.microsoft.com/office/powerpoint/2010/main" val="2938112219"/>
+        <p14:creationId xmlns:p14="http://schemas.microsoft.com/office/powerpoint/2010/main" val="2016780515"/>
       </p:ext>
     </p:extLst>
   </p:cSld>
@@ -13006,7 +13154,7 @@
         <p:spPr>
           <a:xfrm>
             <a:off x="395536" y="771550"/>
-            <a:ext cx="7488832" cy="1706878"/>
+            <a:ext cx="7488832" cy="875881"/>
           </a:xfrm>
           <a:prstGeom prst="rect">
             <a:avLst/>
@@ -13027,10 +13175,9 @@
               <a:buAutoNum type="arabicPeriod"/>
             </a:pPr>
             <a:r>
-              <a:rPr lang="zh-CN" altLang="zh-CN" dirty="0"/>
-              <a:t>现在是个多核、并发时代。多线程还是有必要支持的。</a:t>
-            </a:r>
-            <a:endParaRPr lang="en-US" altLang="zh-CN" dirty="0"/>
+              <a:rPr lang="zh-CN" altLang="zh-CN" b="1" dirty="0"/>
+              <a:t>简单，易于实现</a:t>
+            </a:r>
           </a:p>
           <a:p>
             <a:pPr marL="342900" indent="-342900">
@@ -13042,48 +13189,7 @@
             </a:pPr>
             <a:r>
               <a:rPr lang="zh-CN" altLang="zh-CN" dirty="0"/>
-              <a:t>当然限制线程模型很多时候很有用。</a:t>
-            </a:r>
-            <a:endParaRPr lang="en-US" altLang="zh-CN" dirty="0"/>
-          </a:p>
-          <a:p>
-            <a:pPr marL="342900" indent="-342900">
-              <a:lnSpc>
-                <a:spcPct val="150000"/>
-              </a:lnSpc>
-              <a:buFont typeface="+mj-lt"/>
-              <a:buAutoNum type="arabicPeriod"/>
-            </a:pPr>
-            <a:r>
-              <a:rPr lang="zh-CN" altLang="zh-CN" dirty="0"/>
-              <a:t>需要掌握多线程知识码？</a:t>
-            </a:r>
-          </a:p>
-          <a:p>
-            <a:pPr>
-              <a:lnSpc>
-                <a:spcPct val="150000"/>
-              </a:lnSpc>
-            </a:pPr>
-            <a:r>
-              <a:rPr lang="en-US" altLang="zh-CN" dirty="0"/>
-              <a:t>   </a:t>
-            </a:r>
-            <a:r>
-              <a:rPr lang="zh-CN" altLang="en-US" dirty="0"/>
-              <a:t>   </a:t>
-            </a:r>
-            <a:r>
-              <a:rPr lang="zh-CN" altLang="zh-CN" dirty="0"/>
-              <a:t>只访问</a:t>
-            </a:r>
-            <a:r>
-              <a:rPr lang="en-US" altLang="zh-CN" dirty="0" err="1"/>
-              <a:t>zeze</a:t>
-            </a:r>
-            <a:r>
-              <a:rPr lang="zh-CN" altLang="zh-CN" dirty="0"/>
-              <a:t>管理的数据是线程安全的，不需要任何多线程背景。 </a:t>
+              <a:t>容易并发</a:t>
             </a:r>
           </a:p>
         </p:txBody>
@@ -13105,7 +13211,7 @@
         <p:spPr>
           <a:xfrm>
             <a:off x="857880" y="200199"/>
-            <a:ext cx="3066048" cy="379477"/>
+            <a:ext cx="3354080" cy="379477"/>
           </a:xfrm>
           <a:prstGeom prst="rect">
             <a:avLst/>
@@ -13183,7 +13289,20 @@
                 <a:latin typeface="微软雅黑" panose="020B0503020204020204" pitchFamily="34" charset="-122"/>
                 <a:ea typeface="微软雅黑" panose="020B0503020204020204" pitchFamily="34" charset="-122"/>
               </a:rPr>
-              <a:t> 多线程？</a:t>
+              <a:t> 为什么选择</a:t>
+            </a:r>
+            <a:r>
+              <a:rPr lang="en-US" altLang="zh-CN" sz="1800" b="1" dirty="0">
+                <a:solidFill>
+                  <a:schemeClr val="tx1">
+                    <a:lumMod val="75000"/>
+                    <a:lumOff val="25000"/>
+                  </a:schemeClr>
+                </a:solidFill>
+                <a:latin typeface="微软雅黑" panose="020B0503020204020204" pitchFamily="34" charset="-122"/>
+                <a:ea typeface="微软雅黑" panose="020B0503020204020204" pitchFamily="34" charset="-122"/>
+              </a:rPr>
+              <a:t>Key-Value</a:t>
             </a:r>
             <a:endParaRPr lang="en-GB" altLang="zh-CN" sz="1800" b="1" dirty="0">
               <a:solidFill>
@@ -13201,7 +13320,7 @@
     </p:spTree>
     <p:extLst>
       <p:ext uri="{BB962C8B-B14F-4D97-AF65-F5344CB8AC3E}">
-        <p14:creationId xmlns:p14="http://schemas.microsoft.com/office/powerpoint/2010/main" val="2016780515"/>
+        <p14:creationId xmlns:p14="http://schemas.microsoft.com/office/powerpoint/2010/main" val="158926241"/>
       </p:ext>
     </p:extLst>
   </p:cSld>
@@ -13293,7 +13412,7 @@
         <p:spPr>
           <a:xfrm>
             <a:off x="395536" y="771550"/>
-            <a:ext cx="7488832" cy="875881"/>
+            <a:ext cx="7488832" cy="3374129"/>
           </a:xfrm>
           <a:prstGeom prst="rect">
             <a:avLst/>
@@ -13314,9 +13433,26 @@
               <a:buAutoNum type="arabicPeriod"/>
             </a:pPr>
             <a:r>
-              <a:rPr lang="zh-CN" altLang="zh-CN" b="1" dirty="0"/>
-              <a:t>简单，易于实现</a:t>
-            </a:r>
+              <a:rPr lang="zh-CN" altLang="zh-CN" sz="1600" dirty="0"/>
+              <a:t>采用乐观锁，不会死锁。冲突了会重试；重试会浪费</a:t>
+            </a:r>
+            <a:r>
+              <a:rPr lang="en-US" altLang="zh-CN" sz="1600" dirty="0" err="1"/>
+              <a:t>cpu</a:t>
+            </a:r>
+            <a:r>
+              <a:rPr lang="zh-CN" altLang="zh-CN" sz="1600" dirty="0"/>
+              <a:t>；但一般</a:t>
+            </a:r>
+            <a:r>
+              <a:rPr lang="en-US" altLang="zh-CN" sz="1600" dirty="0" err="1"/>
+              <a:t>cpu</a:t>
+            </a:r>
+            <a:r>
+              <a:rPr lang="zh-CN" altLang="zh-CN" sz="1600" dirty="0"/>
+              <a:t>是富裕的。</a:t>
+            </a:r>
+            <a:endParaRPr lang="en-US" altLang="zh-CN" sz="1600" dirty="0"/>
           </a:p>
           <a:p>
             <a:pPr marL="342900" indent="-342900">
@@ -13327,8 +13463,104 @@
               <a:buAutoNum type="arabicPeriod"/>
             </a:pPr>
             <a:r>
-              <a:rPr lang="zh-CN" altLang="zh-CN" dirty="0"/>
-              <a:t>容易并发</a:t>
+              <a:rPr lang="zh-CN" altLang="zh-CN" sz="1600" dirty="0"/>
+              <a:t>乐观锁基本算法。</a:t>
+            </a:r>
+          </a:p>
+          <a:p>
+            <a:pPr lvl="1">
+              <a:lnSpc>
+                <a:spcPct val="150000"/>
+              </a:lnSpc>
+            </a:pPr>
+            <a:r>
+              <a:rPr lang="en-US" altLang="zh-CN" sz="1600" dirty="0"/>
+              <a:t>   a. </a:t>
+            </a:r>
+            <a:r>
+              <a:rPr lang="zh-CN" altLang="zh-CN" sz="1600" dirty="0"/>
+              <a:t>事务执行逻辑操作的时候不加锁。</a:t>
+            </a:r>
+          </a:p>
+          <a:p>
+            <a:pPr lvl="1">
+              <a:lnSpc>
+                <a:spcPct val="150000"/>
+              </a:lnSpc>
+            </a:pPr>
+            <a:r>
+              <a:rPr lang="en-US" altLang="zh-CN" sz="1600" dirty="0"/>
+              <a:t>   b. </a:t>
+            </a:r>
+            <a:r>
+              <a:rPr lang="zh-CN" altLang="zh-CN" sz="1600" dirty="0"/>
+              <a:t>提交前把所有事务内访问的记录【排序】并加锁，检查冲突。</a:t>
+            </a:r>
+          </a:p>
+          <a:p>
+            <a:pPr lvl="1">
+              <a:lnSpc>
+                <a:spcPct val="150000"/>
+              </a:lnSpc>
+            </a:pPr>
+            <a:r>
+              <a:rPr lang="en-US" altLang="zh-CN" sz="1600" dirty="0"/>
+              <a:t>   c. </a:t>
+            </a:r>
+            <a:r>
+              <a:rPr lang="zh-CN" altLang="zh-CN" sz="1600" dirty="0"/>
+              <a:t>如果【冲突】就重做，否则修改数据并提交。</a:t>
+            </a:r>
+          </a:p>
+          <a:p>
+            <a:pPr marL="342900" indent="-342900">
+              <a:lnSpc>
+                <a:spcPct val="150000"/>
+              </a:lnSpc>
+              <a:buFont typeface="+mj-lt"/>
+              <a:buAutoNum type="arabicPeriod"/>
+            </a:pPr>
+            <a:r>
+              <a:rPr lang="zh-CN" altLang="zh-CN" sz="1600" dirty="0"/>
+              <a:t>乐观锁其他要点。</a:t>
+            </a:r>
+          </a:p>
+          <a:p>
+            <a:pPr lvl="1">
+              <a:lnSpc>
+                <a:spcPct val="150000"/>
+              </a:lnSpc>
+            </a:pPr>
+            <a:r>
+              <a:rPr lang="en-US" altLang="zh-CN" sz="1600" dirty="0"/>
+              <a:t>   a. </a:t>
+            </a:r>
+            <a:r>
+              <a:rPr lang="zh-CN" altLang="zh-CN" sz="1600" dirty="0"/>
+              <a:t>锁住以后，如果冲突，不释放锁重做</a:t>
+            </a:r>
+            <a:r>
+              <a:rPr lang="zh-CN" altLang="en-US" sz="1600" dirty="0"/>
+              <a:t>，</a:t>
+            </a:r>
+            <a:r>
+              <a:rPr lang="zh-CN" altLang="zh-CN" sz="1600" dirty="0"/>
+              <a:t>一般情况下只会浪费一次执行。</a:t>
+            </a:r>
+          </a:p>
+          <a:p>
+            <a:pPr lvl="1">
+              <a:lnSpc>
+                <a:spcPct val="150000"/>
+              </a:lnSpc>
+            </a:pPr>
+            <a:r>
+              <a:rPr lang="en-US" altLang="zh-CN" sz="1600" dirty="0"/>
+              <a:t>   b. </a:t>
+            </a:r>
+            <a:r>
+              <a:rPr lang="zh-CN" altLang="zh-CN" sz="1600" dirty="0"/>
+              <a:t>锁住重做仍然需要再次排序【加锁】。需要考虑重做时，锁发生变更，读锁变写锁等情况。</a:t>
             </a:r>
           </a:p>
         </p:txBody>
@@ -13428,20 +13660,7 @@
                 <a:latin typeface="微软雅黑" panose="020B0503020204020204" pitchFamily="34" charset="-122"/>
                 <a:ea typeface="微软雅黑" panose="020B0503020204020204" pitchFamily="34" charset="-122"/>
               </a:rPr>
-              <a:t> 为什么选择</a:t>
-            </a:r>
-            <a:r>
-              <a:rPr lang="en-US" altLang="zh-CN" sz="1800" b="1" dirty="0">
-                <a:solidFill>
-                  <a:schemeClr val="tx1">
-                    <a:lumMod val="75000"/>
-                    <a:lumOff val="25000"/>
-                  </a:schemeClr>
-                </a:solidFill>
-                <a:latin typeface="微软雅黑" panose="020B0503020204020204" pitchFamily="34" charset="-122"/>
-                <a:ea typeface="微软雅黑" panose="020B0503020204020204" pitchFamily="34" charset="-122"/>
-              </a:rPr>
-              <a:t>Key-Value</a:t>
+              <a:t> 会死锁吗？</a:t>
             </a:r>
             <a:endParaRPr lang="en-GB" altLang="zh-CN" sz="1800" b="1" dirty="0">
               <a:solidFill>
@@ -13459,7 +13678,7 @@
     </p:spTree>
     <p:extLst>
       <p:ext uri="{BB962C8B-B14F-4D97-AF65-F5344CB8AC3E}">
-        <p14:creationId xmlns:p14="http://schemas.microsoft.com/office/powerpoint/2010/main" val="158926241"/>
+        <p14:creationId xmlns:p14="http://schemas.microsoft.com/office/powerpoint/2010/main" val="3953950249"/>
       </p:ext>
     </p:extLst>
   </p:cSld>
@@ -13550,8 +13769,8 @@
         </p:nvSpPr>
         <p:spPr>
           <a:xfrm>
-            <a:off x="395536" y="771550"/>
-            <a:ext cx="7488832" cy="3374129"/>
+            <a:off x="338676" y="1367446"/>
+            <a:ext cx="4104456" cy="2408608"/>
           </a:xfrm>
           <a:prstGeom prst="rect">
             <a:avLst/>
@@ -13564,143 +13783,133 @@
           </a:bodyPr>
           <a:lstStyle/>
           <a:p>
-            <a:pPr marL="342900" indent="-342900">
-              <a:lnSpc>
-                <a:spcPct val="150000"/>
-              </a:lnSpc>
-              <a:buFont typeface="+mj-lt"/>
-              <a:buAutoNum type="arabicPeriod"/>
-            </a:pPr>
-            <a:r>
-              <a:rPr lang="zh-CN" altLang="zh-CN" sz="1600" dirty="0"/>
-              <a:t>采用乐观锁，不会死锁。冲突了会重试；重试会浪费</a:t>
-            </a:r>
-            <a:r>
-              <a:rPr lang="en-US" altLang="zh-CN" sz="1600" dirty="0" err="1"/>
-              <a:t>cpu</a:t>
-            </a:r>
-            <a:r>
-              <a:rPr lang="zh-CN" altLang="zh-CN" sz="1600" dirty="0"/>
-              <a:t>；但一般</a:t>
-            </a:r>
-            <a:r>
-              <a:rPr lang="en-US" altLang="zh-CN" sz="1600" dirty="0" err="1"/>
-              <a:t>cpu</a:t>
-            </a:r>
-            <a:r>
-              <a:rPr lang="zh-CN" altLang="zh-CN" sz="1600" dirty="0"/>
-              <a:t>是富裕的。</a:t>
-            </a:r>
-            <a:endParaRPr lang="en-US" altLang="zh-CN" sz="1600" dirty="0"/>
-          </a:p>
-          <a:p>
-            <a:pPr marL="342900" indent="-342900">
-              <a:lnSpc>
-                <a:spcPct val="150000"/>
-              </a:lnSpc>
-              <a:buFont typeface="+mj-lt"/>
-              <a:buAutoNum type="arabicPeriod"/>
-            </a:pPr>
-            <a:r>
-              <a:rPr lang="zh-CN" altLang="zh-CN" sz="1600" dirty="0"/>
-              <a:t>乐观锁基本算法。</a:t>
-            </a:r>
-          </a:p>
-          <a:p>
-            <a:pPr lvl="1">
+            <a:pPr>
               <a:lnSpc>
                 <a:spcPct val="150000"/>
               </a:lnSpc>
             </a:pPr>
             <a:r>
-              <a:rPr lang="en-US" altLang="zh-CN" sz="1600" dirty="0"/>
-              <a:t>   a. </a:t>
-            </a:r>
-            <a:r>
-              <a:rPr lang="zh-CN" altLang="zh-CN" sz="1600" dirty="0"/>
-              <a:t>事务执行逻辑操作的时候不加锁。</a:t>
-            </a:r>
-          </a:p>
-          <a:p>
-            <a:pPr lvl="1">
+              <a:rPr lang="en-US" altLang="zh-CN" sz="1400" b="1" dirty="0">
+                <a:solidFill>
+                  <a:schemeClr val="accent1"/>
+                </a:solidFill>
+              </a:rPr>
+              <a:t>1.</a:t>
+            </a:r>
+            <a:r>
+              <a:rPr lang="zh-CN" altLang="en-US" sz="1400" b="1" dirty="0">
+                <a:solidFill>
+                  <a:schemeClr val="accent1"/>
+                </a:solidFill>
+              </a:rPr>
+              <a:t>  </a:t>
+            </a:r>
+            <a:r>
+              <a:rPr lang="zh-CN" altLang="zh-CN" sz="1400" b="1" dirty="0">
+                <a:solidFill>
+                  <a:schemeClr val="accent1"/>
+                </a:solidFill>
+              </a:rPr>
+              <a:t>什么是一致性缓存？</a:t>
+            </a:r>
+          </a:p>
+          <a:p>
+            <a:pPr>
               <a:lnSpc>
                 <a:spcPct val="150000"/>
               </a:lnSpc>
             </a:pPr>
             <a:r>
-              <a:rPr lang="en-US" altLang="zh-CN" sz="1600" dirty="0"/>
-              <a:t>   b. </a:t>
-            </a:r>
-            <a:r>
-              <a:rPr lang="zh-CN" altLang="zh-CN" sz="1600" dirty="0"/>
-              <a:t>提交前把所有事务内访问的记录【排序】并加锁，检查冲突。</a:t>
-            </a:r>
-          </a:p>
-          <a:p>
-            <a:pPr lvl="1">
+              <a:rPr lang="en-US" altLang="zh-CN" sz="1200" dirty="0"/>
+              <a:t>   </a:t>
+            </a:r>
+            <a:r>
+              <a:rPr lang="zh-CN" altLang="zh-CN" sz="1200" dirty="0"/>
+              <a:t>多台服务器共享后台数据库。</a:t>
+            </a:r>
+          </a:p>
+          <a:p>
+            <a:pPr>
               <a:lnSpc>
                 <a:spcPct val="150000"/>
               </a:lnSpc>
             </a:pPr>
             <a:r>
-              <a:rPr lang="en-US" altLang="zh-CN" sz="1600" dirty="0"/>
-              <a:t>   c. </a:t>
-            </a:r>
-            <a:r>
-              <a:rPr lang="zh-CN" altLang="zh-CN" sz="1600" dirty="0"/>
-              <a:t>如果【冲突】就重做，否则修改数据并提交。</a:t>
-            </a:r>
-          </a:p>
-          <a:p>
-            <a:pPr marL="342900" indent="-342900">
-              <a:lnSpc>
-                <a:spcPct val="150000"/>
-              </a:lnSpc>
-              <a:buFont typeface="+mj-lt"/>
-              <a:buAutoNum type="arabicPeriod"/>
-            </a:pPr>
-            <a:r>
-              <a:rPr lang="zh-CN" altLang="zh-CN" sz="1600" dirty="0"/>
-              <a:t>乐观锁其他要点。</a:t>
-            </a:r>
-          </a:p>
-          <a:p>
-            <a:pPr lvl="1">
+              <a:rPr lang="en-US" altLang="zh-CN" sz="1200" dirty="0"/>
+              <a:t>   </a:t>
+            </a:r>
+            <a:r>
+              <a:rPr lang="zh-CN" altLang="zh-CN" sz="1200" dirty="0"/>
+              <a:t>每台服务器拥有自己的缓存。</a:t>
+            </a:r>
+          </a:p>
+          <a:p>
+            <a:pPr>
               <a:lnSpc>
                 <a:spcPct val="150000"/>
               </a:lnSpc>
             </a:pPr>
             <a:r>
-              <a:rPr lang="en-US" altLang="zh-CN" sz="1600" dirty="0"/>
-              <a:t>   a. </a:t>
-            </a:r>
-            <a:r>
-              <a:rPr lang="zh-CN" altLang="zh-CN" sz="1600" dirty="0"/>
-              <a:t>锁住以后，如果冲突，不释放锁重做</a:t>
-            </a:r>
-            <a:r>
-              <a:rPr lang="zh-CN" altLang="en-US" sz="1600" dirty="0"/>
-              <a:t>，</a:t>
-            </a:r>
-            <a:r>
-              <a:rPr lang="zh-CN" altLang="zh-CN" sz="1600" dirty="0"/>
-              <a:t>一般情况下只会浪费一次执行。</a:t>
-            </a:r>
-          </a:p>
-          <a:p>
-            <a:pPr lvl="1">
+              <a:rPr lang="en-US" altLang="zh-CN" sz="1200" dirty="0"/>
+              <a:t>   </a:t>
+            </a:r>
+            <a:r>
+              <a:rPr lang="zh-CN" altLang="zh-CN" sz="1200" dirty="0"/>
+              <a:t>一致性缓存就是维护多台服务器之间缓存的一致性。</a:t>
+            </a:r>
+          </a:p>
+          <a:p>
+            <a:pPr>
               <a:lnSpc>
                 <a:spcPct val="150000"/>
               </a:lnSpc>
             </a:pPr>
             <a:r>
-              <a:rPr lang="en-US" altLang="zh-CN" sz="1600" dirty="0"/>
-              <a:t>   b. </a:t>
-            </a:r>
-            <a:r>
-              <a:rPr lang="zh-CN" altLang="zh-CN" sz="1600" dirty="0"/>
-              <a:t>锁住重做仍然需要再次排序【加锁】。需要考虑重做时，锁发生变更，读锁变写锁等情况。</a:t>
-            </a:r>
+              <a:rPr lang="en-US" altLang="zh-CN" sz="1200" dirty="0"/>
+              <a:t>   </a:t>
+            </a:r>
+            <a:r>
+              <a:rPr lang="zh-CN" altLang="zh-CN" sz="1200" dirty="0"/>
+              <a:t>记录分成读写两种状态。</a:t>
+            </a:r>
+          </a:p>
+          <a:p>
+            <a:pPr>
+              <a:lnSpc>
+                <a:spcPct val="150000"/>
+              </a:lnSpc>
+            </a:pPr>
+            <a:r>
+              <a:rPr lang="en-US" altLang="zh-CN" sz="1200" dirty="0"/>
+              <a:t>   </a:t>
+            </a:r>
+            <a:r>
+              <a:rPr lang="zh-CN" altLang="zh-CN" sz="1200" dirty="0"/>
+              <a:t>读状态允许同时存在于多台服务器缓存中。</a:t>
+            </a:r>
+          </a:p>
+          <a:p>
+            <a:pPr>
+              <a:lnSpc>
+                <a:spcPct val="150000"/>
+              </a:lnSpc>
+            </a:pPr>
+            <a:r>
+              <a:rPr lang="en-US" altLang="zh-CN" sz="1200" dirty="0"/>
+              <a:t>   </a:t>
+            </a:r>
+            <a:r>
+              <a:rPr lang="zh-CN" altLang="zh-CN" sz="1200" dirty="0"/>
+              <a:t>写状态只允许在一台服务器中。</a:t>
+            </a:r>
+          </a:p>
+          <a:p>
+            <a:pPr>
+              <a:lnSpc>
+                <a:spcPct val="150000"/>
+              </a:lnSpc>
+            </a:pPr>
+            <a:endParaRPr lang="zh-CN" altLang="zh-CN" sz="1600" dirty="0"/>
           </a:p>
         </p:txBody>
       </p:sp>
@@ -13721,7 +13930,7 @@
         <p:spPr>
           <a:xfrm>
             <a:off x="857880" y="200199"/>
-            <a:ext cx="3354080" cy="379477"/>
+            <a:ext cx="3930144" cy="379477"/>
           </a:xfrm>
           <a:prstGeom prst="rect">
             <a:avLst/>
@@ -13799,7 +14008,7 @@
                 <a:latin typeface="微软雅黑" panose="020B0503020204020204" pitchFamily="34" charset="-122"/>
                 <a:ea typeface="微软雅黑" panose="020B0503020204020204" pitchFamily="34" charset="-122"/>
               </a:rPr>
-              <a:t> 会死锁吗？</a:t>
+              <a:t> 分布式事务如何实现？</a:t>
             </a:r>
             <a:endParaRPr lang="en-GB" altLang="zh-CN" sz="1800" b="1" dirty="0">
               <a:solidFill>
@@ -13814,10 +14023,334 @@
           </a:p>
         </p:txBody>
       </p:sp>
+      <p:sp>
+        <p:nvSpPr>
+          <p:cNvPr id="6" name="文本框 5">
+            <a:extLst>
+              <a:ext uri="{FF2B5EF4-FFF2-40B4-BE49-F238E27FC236}">
+                <a16:creationId xmlns:a16="http://schemas.microsoft.com/office/drawing/2014/main" id="{094D29EA-72D4-6140-8A6B-5E62458BD767}"/>
+              </a:ext>
+            </a:extLst>
+          </p:cNvPr>
+          <p:cNvSpPr txBox="1"/>
+          <p:nvPr/>
+        </p:nvSpPr>
+        <p:spPr>
+          <a:xfrm>
+            <a:off x="4283968" y="1218326"/>
+            <a:ext cx="4248472" cy="1767856"/>
+          </a:xfrm>
+          <a:prstGeom prst="rect">
+            <a:avLst/>
+          </a:prstGeom>
+          <a:noFill/>
+        </p:spPr>
+        <p:txBody>
+          <a:bodyPr wrap="square" rtlCol="0">
+            <a:spAutoFit/>
+          </a:bodyPr>
+          <a:lstStyle/>
+          <a:p>
+            <a:pPr>
+              <a:lnSpc>
+                <a:spcPct val="150000"/>
+              </a:lnSpc>
+            </a:pPr>
+            <a:r>
+              <a:rPr lang="en-US" altLang="zh-CN" sz="1400" b="1" dirty="0">
+                <a:solidFill>
+                  <a:schemeClr val="accent1"/>
+                </a:solidFill>
+              </a:rPr>
+              <a:t>2.</a:t>
+            </a:r>
+            <a:r>
+              <a:rPr lang="zh-CN" altLang="en-US" sz="1400" b="1" dirty="0">
+                <a:solidFill>
+                  <a:schemeClr val="accent1"/>
+                </a:solidFill>
+              </a:rPr>
+              <a:t> </a:t>
+            </a:r>
+            <a:r>
+              <a:rPr lang="en-US" altLang="zh-CN" sz="1400" b="1" dirty="0">
+                <a:solidFill>
+                  <a:schemeClr val="accent1"/>
+                </a:solidFill>
+              </a:rPr>
+              <a:t>MESI?</a:t>
+            </a:r>
+            <a:endParaRPr lang="zh-CN" altLang="zh-CN" sz="1400" b="1" dirty="0">
+              <a:solidFill>
+                <a:schemeClr val="accent1"/>
+              </a:solidFill>
+            </a:endParaRPr>
+          </a:p>
+          <a:p>
+            <a:pPr>
+              <a:lnSpc>
+                <a:spcPct val="150000"/>
+              </a:lnSpc>
+            </a:pPr>
+            <a:r>
+              <a:rPr lang="en-US" altLang="zh-CN" sz="1200" dirty="0"/>
+              <a:t>   </a:t>
+            </a:r>
+            <a:r>
+              <a:rPr lang="en-US" altLang="zh-CN" sz="1200" dirty="0" err="1"/>
+              <a:t>zeze</a:t>
+            </a:r>
+            <a:r>
+              <a:rPr lang="zh-CN" altLang="zh-CN" sz="1200" dirty="0"/>
+              <a:t>一致性缓存和</a:t>
+            </a:r>
+            <a:r>
+              <a:rPr lang="en-US" altLang="zh-CN" sz="1200" dirty="0"/>
+              <a:t>CPU-Cache-Memory</a:t>
+            </a:r>
+            <a:r>
+              <a:rPr lang="zh-CN" altLang="zh-CN" sz="1200" dirty="0"/>
+              <a:t>的很像。</a:t>
+            </a:r>
+          </a:p>
+          <a:p>
+            <a:pPr>
+              <a:lnSpc>
+                <a:spcPct val="150000"/>
+              </a:lnSpc>
+            </a:pPr>
+            <a:r>
+              <a:rPr lang="en-US" altLang="zh-CN" sz="1200" dirty="0"/>
+              <a:t>   </a:t>
+            </a:r>
+            <a:r>
+              <a:rPr lang="zh-CN" altLang="zh-CN" sz="1200" dirty="0"/>
+              <a:t>参考了</a:t>
+            </a:r>
+            <a:r>
+              <a:rPr lang="en-US" altLang="zh-CN" sz="1200" dirty="0"/>
+              <a:t>CPU</a:t>
+            </a:r>
+            <a:r>
+              <a:rPr lang="zh-CN" altLang="zh-CN" sz="1200" dirty="0"/>
+              <a:t>的</a:t>
+            </a:r>
+            <a:r>
+              <a:rPr lang="en-US" altLang="zh-CN" sz="1200" dirty="0"/>
+              <a:t>MESI</a:t>
+            </a:r>
+            <a:r>
+              <a:rPr lang="zh-CN" altLang="zh-CN" sz="1200" dirty="0"/>
+              <a:t>协议自己实现了一个锁分配机制。</a:t>
+            </a:r>
+          </a:p>
+          <a:p>
+            <a:pPr>
+              <a:lnSpc>
+                <a:spcPct val="150000"/>
+              </a:lnSpc>
+            </a:pPr>
+            <a:r>
+              <a:rPr lang="en-US" altLang="zh-CN" sz="1200" dirty="0"/>
+              <a:t>   </a:t>
+            </a:r>
+            <a:r>
+              <a:rPr lang="zh-CN" altLang="zh-CN" sz="1200" dirty="0"/>
+              <a:t>仅使用了类似</a:t>
+            </a:r>
+            <a:r>
+              <a:rPr lang="en-US" altLang="zh-CN" sz="1200" dirty="0"/>
+              <a:t>MESI</a:t>
+            </a:r>
+            <a:r>
+              <a:rPr lang="zh-CN" altLang="zh-CN" sz="1200" dirty="0"/>
+              <a:t>的状态名。</a:t>
+            </a:r>
+            <a:endParaRPr lang="en-US" altLang="zh-CN" sz="1200" dirty="0"/>
+          </a:p>
+          <a:p>
+            <a:pPr>
+              <a:lnSpc>
+                <a:spcPct val="150000"/>
+              </a:lnSpc>
+            </a:pPr>
+            <a:endParaRPr lang="zh-CN" altLang="zh-CN" sz="1200" dirty="0"/>
+          </a:p>
+          <a:p>
+            <a:pPr>
+              <a:lnSpc>
+                <a:spcPct val="150000"/>
+              </a:lnSpc>
+            </a:pPr>
+            <a:endParaRPr kumimoji="1" lang="zh-CN" altLang="en-US" sz="1200" dirty="0">
+              <a:solidFill>
+                <a:schemeClr val="tx1">
+                  <a:lumMod val="75000"/>
+                  <a:lumOff val="25000"/>
+                </a:schemeClr>
+              </a:solidFill>
+              <a:latin typeface="微软雅黑" panose="020B0503020204020204" pitchFamily="34" charset="-122"/>
+              <a:ea typeface="微软雅黑" panose="020B0503020204020204" pitchFamily="34" charset="-122"/>
+            </a:endParaRPr>
+          </a:p>
+        </p:txBody>
+      </p:sp>
+      <p:sp>
+        <p:nvSpPr>
+          <p:cNvPr id="9" name="矩形 8">
+            <a:extLst>
+              <a:ext uri="{FF2B5EF4-FFF2-40B4-BE49-F238E27FC236}">
+                <a16:creationId xmlns:a16="http://schemas.microsoft.com/office/drawing/2014/main" id="{8A38285F-F432-824E-8DB9-CF5FD4E8450D}"/>
+              </a:ext>
+            </a:extLst>
+          </p:cNvPr>
+          <p:cNvSpPr/>
+          <p:nvPr/>
+        </p:nvSpPr>
+        <p:spPr>
+          <a:xfrm>
+            <a:off x="3131840" y="694867"/>
+            <a:ext cx="2304256" cy="460382"/>
+          </a:xfrm>
+          <a:prstGeom prst="rect">
+            <a:avLst/>
+          </a:prstGeom>
+          <a:solidFill>
+            <a:schemeClr val="accent1"/>
+          </a:solidFill>
+          <a:ln>
+            <a:noFill/>
+          </a:ln>
+        </p:spPr>
+        <p:style>
+          <a:lnRef idx="0">
+            <a:scrgbClr r="0" g="0" b="0"/>
+          </a:lnRef>
+          <a:fillRef idx="0">
+            <a:scrgbClr r="0" g="0" b="0"/>
+          </a:fillRef>
+          <a:effectRef idx="0">
+            <a:scrgbClr r="0" g="0" b="0"/>
+          </a:effectRef>
+          <a:fontRef idx="minor">
+            <a:schemeClr val="lt1"/>
+          </a:fontRef>
+        </p:style>
+        <p:txBody>
+          <a:bodyPr rtlCol="0" anchor="ctr"/>
+          <a:lstStyle/>
+          <a:p>
+            <a:pPr algn="ctr">
+              <a:lnSpc>
+                <a:spcPct val="150000"/>
+              </a:lnSpc>
+            </a:pPr>
+            <a:r>
+              <a:rPr lang="zh-CN" altLang="zh-CN" b="1" dirty="0"/>
+              <a:t>基于一致性缓存</a:t>
+            </a:r>
+          </a:p>
+        </p:txBody>
+      </p:sp>
+      <p:sp>
+        <p:nvSpPr>
+          <p:cNvPr id="11" name="文本框 10">
+            <a:extLst>
+              <a:ext uri="{FF2B5EF4-FFF2-40B4-BE49-F238E27FC236}">
+                <a16:creationId xmlns:a16="http://schemas.microsoft.com/office/drawing/2014/main" id="{E396B478-8BCA-4640-B3F4-DAB64F037FBE}"/>
+              </a:ext>
+            </a:extLst>
+          </p:cNvPr>
+          <p:cNvSpPr txBox="1"/>
+          <p:nvPr/>
+        </p:nvSpPr>
+        <p:spPr>
+          <a:xfrm>
+            <a:off x="4283968" y="2650705"/>
+            <a:ext cx="4608512" cy="1337546"/>
+          </a:xfrm>
+          <a:prstGeom prst="rect">
+            <a:avLst/>
+          </a:prstGeom>
+          <a:noFill/>
+        </p:spPr>
+        <p:txBody>
+          <a:bodyPr wrap="square">
+            <a:spAutoFit/>
+          </a:bodyPr>
+          <a:lstStyle/>
+          <a:p>
+            <a:pPr>
+              <a:lnSpc>
+                <a:spcPct val="150000"/>
+              </a:lnSpc>
+            </a:pPr>
+            <a:r>
+              <a:rPr lang="en-US" altLang="zh-CN" sz="1400" b="1" dirty="0">
+                <a:solidFill>
+                  <a:schemeClr val="accent1"/>
+                </a:solidFill>
+              </a:rPr>
+              <a:t>3.</a:t>
+            </a:r>
+            <a:r>
+              <a:rPr lang="zh-CN" altLang="en-US" sz="1400" b="1" dirty="0">
+                <a:solidFill>
+                  <a:schemeClr val="accent1"/>
+                </a:solidFill>
+              </a:rPr>
+              <a:t> </a:t>
+            </a:r>
+            <a:r>
+              <a:rPr lang="zh-CN" altLang="zh-CN" sz="1400" b="1" dirty="0">
+                <a:solidFill>
+                  <a:schemeClr val="accent1"/>
+                </a:solidFill>
+              </a:rPr>
+              <a:t>分布式事务</a:t>
+            </a:r>
+          </a:p>
+          <a:p>
+            <a:pPr>
+              <a:lnSpc>
+                <a:spcPct val="150000"/>
+              </a:lnSpc>
+            </a:pPr>
+            <a:r>
+              <a:rPr lang="en-US" altLang="zh-CN" sz="1200" dirty="0"/>
+              <a:t>   </a:t>
+            </a:r>
+            <a:r>
+              <a:rPr lang="zh-CN" altLang="zh-CN" sz="1200" dirty="0"/>
+              <a:t>在一致性缓存之上，每一台服务器的事务就能像自己独占所有数据一样，完成本地事务即可。</a:t>
+            </a:r>
+          </a:p>
+          <a:p>
+            <a:pPr>
+              <a:lnSpc>
+                <a:spcPct val="150000"/>
+              </a:lnSpc>
+            </a:pPr>
+            <a:r>
+              <a:rPr lang="en-US" altLang="zh-CN" sz="1200" dirty="0"/>
+              <a:t>   </a:t>
+            </a:r>
+            <a:r>
+              <a:rPr lang="zh-CN" altLang="zh-CN" sz="1200" dirty="0"/>
+              <a:t>这就是基于一致性缓存的分布式事务</a:t>
+            </a:r>
+            <a:r>
+              <a:rPr lang="zh-CN" altLang="zh-CN" sz="1800" dirty="0"/>
+              <a:t>。</a:t>
+            </a:r>
+            <a:endParaRPr lang="zh-CN" altLang="en-US" dirty="0"/>
+          </a:p>
+        </p:txBody>
+      </p:sp>
     </p:spTree>
     <p:extLst>
       <p:ext uri="{BB962C8B-B14F-4D97-AF65-F5344CB8AC3E}">
-        <p14:creationId xmlns:p14="http://schemas.microsoft.com/office/powerpoint/2010/main" val="3953950249"/>
+        <p14:creationId xmlns:p14="http://schemas.microsoft.com/office/powerpoint/2010/main" val="1327365165"/>
       </p:ext>
     </p:extLst>
   </p:cSld>
@@ -13908,13 +14441,19 @@
         </p:nvSpPr>
         <p:spPr>
           <a:xfrm>
-            <a:off x="338676" y="1367446"/>
-            <a:ext cx="4104456" cy="2408608"/>
+            <a:off x="99621" y="729914"/>
+            <a:ext cx="4688403" cy="2415213"/>
           </a:xfrm>
           <a:prstGeom prst="rect">
             <a:avLst/>
           </a:prstGeom>
           <a:noFill/>
+          <a:ln w="12700">
+            <a:solidFill>
+              <a:schemeClr val="accent1"/>
+            </a:solidFill>
+            <a:prstDash val="dash"/>
+          </a:ln>
         </p:spPr>
         <p:txBody>
           <a:bodyPr wrap="square" rtlCol="0">
@@ -13922,34 +14461,39 @@
           </a:bodyPr>
           <a:lstStyle/>
           <a:p>
+            <a:pPr marL="342900" indent="-342900">
+              <a:lnSpc>
+                <a:spcPct val="150000"/>
+              </a:lnSpc>
+              <a:buAutoNum type="arabicPeriod"/>
+            </a:pPr>
+            <a:r>
+              <a:rPr lang="zh-CN" altLang="zh-CN" dirty="0">
+                <a:solidFill>
+                  <a:schemeClr val="accent1"/>
+                </a:solidFill>
+              </a:rPr>
+              <a:t>乐观锁</a:t>
+            </a:r>
+            <a:endParaRPr lang="en-US" altLang="zh-CN" dirty="0">
+              <a:solidFill>
+                <a:schemeClr val="accent1"/>
+              </a:solidFill>
+            </a:endParaRPr>
+          </a:p>
+          <a:p>
             <a:pPr>
               <a:lnSpc>
                 <a:spcPct val="150000"/>
               </a:lnSpc>
             </a:pPr>
             <a:r>
-              <a:rPr lang="en-US" altLang="zh-CN" sz="1400" b="1" dirty="0">
-                <a:solidFill>
-                  <a:schemeClr val="accent1"/>
-                </a:solidFill>
-              </a:rPr>
-              <a:t>1.</a:t>
-            </a:r>
-            <a:r>
-              <a:rPr lang="zh-CN" altLang="en-US" sz="1400" b="1" dirty="0">
-                <a:solidFill>
-                  <a:schemeClr val="accent1"/>
-                </a:solidFill>
-              </a:rPr>
-              <a:t>  </a:t>
-            </a:r>
-            <a:r>
-              <a:rPr lang="zh-CN" altLang="zh-CN" sz="1400" b="1" dirty="0">
-                <a:solidFill>
-                  <a:schemeClr val="accent1"/>
-                </a:solidFill>
-              </a:rPr>
-              <a:t>什么是一致性缓存？</a:t>
+              <a:rPr lang="zh-CN" altLang="en-US" sz="1200" dirty="0"/>
+              <a:t>   </a:t>
+            </a:r>
+            <a:r>
+              <a:rPr lang="zh-CN" altLang="zh-CN" sz="1200" dirty="0"/>
+              <a:t>存储过程执行过程中不加锁，所有修改仅当前事务可见。</a:t>
             </a:r>
           </a:p>
           <a:p>
@@ -13964,7 +14508,7 @@
             </a:r>
             <a:r>
               <a:rPr lang="zh-CN" altLang="zh-CN" sz="1200" dirty="0"/>
-              <a:t>多台服务器共享后台数据库。</a:t>
+              <a:t>提交的时候对所有访问的记录排序并且加锁并进行冲突检查。</a:t>
             </a:r>
           </a:p>
           <a:p>
@@ -13979,7 +14523,7 @@
             </a:r>
             <a:r>
               <a:rPr lang="zh-CN" altLang="zh-CN" sz="1200" dirty="0"/>
-              <a:t>每台服务器拥有自己的缓存。</a:t>
+              <a:t>【并发正确性】</a:t>
             </a:r>
           </a:p>
           <a:p>
@@ -13994,7 +14538,19 @@
             </a:r>
             <a:r>
               <a:rPr lang="zh-CN" altLang="zh-CN" sz="1200" dirty="0"/>
-              <a:t>一致性缓存就是维护多台服务器之间缓存的一致性。</a:t>
+              <a:t>事务内所有访问（读写）的记录在冲突检查时需要确保</a:t>
+            </a:r>
+            <a:r>
+              <a:rPr lang="en-US" altLang="zh-CN" sz="1200" dirty="0"/>
+              <a:t>Timestamp</a:t>
+            </a:r>
+            <a:r>
+              <a:rPr lang="zh-CN" altLang="en-US" sz="1200" dirty="0"/>
+              <a:t>  </a:t>
+            </a:r>
+            <a:r>
+              <a:rPr lang="zh-CN" altLang="zh-CN" sz="1200" dirty="0"/>
+              <a:t>没有变化。</a:t>
             </a:r>
           </a:p>
           <a:p>
@@ -14009,45 +14565,8 @@
             </a:r>
             <a:r>
               <a:rPr lang="zh-CN" altLang="zh-CN" sz="1200" dirty="0"/>
-              <a:t>记录分成读写两种状态。</a:t>
-            </a:r>
-          </a:p>
-          <a:p>
-            <a:pPr>
-              <a:lnSpc>
-                <a:spcPct val="150000"/>
-              </a:lnSpc>
-            </a:pPr>
-            <a:r>
-              <a:rPr lang="en-US" altLang="zh-CN" sz="1200" dirty="0"/>
-              <a:t>   </a:t>
-            </a:r>
-            <a:r>
-              <a:rPr lang="zh-CN" altLang="zh-CN" sz="1200" dirty="0"/>
-              <a:t>读状态允许同时存在于多台服务器缓存中。</a:t>
-            </a:r>
-          </a:p>
-          <a:p>
-            <a:pPr>
-              <a:lnSpc>
-                <a:spcPct val="150000"/>
-              </a:lnSpc>
-            </a:pPr>
-            <a:r>
-              <a:rPr lang="en-US" altLang="zh-CN" sz="1200" dirty="0"/>
-              <a:t>   </a:t>
-            </a:r>
-            <a:r>
-              <a:rPr lang="zh-CN" altLang="zh-CN" sz="1200" dirty="0"/>
-              <a:t>写状态只允许在一台服务器中。</a:t>
-            </a:r>
-          </a:p>
-          <a:p>
-            <a:pPr>
-              <a:lnSpc>
-                <a:spcPct val="150000"/>
-              </a:lnSpc>
-            </a:pPr>
+              <a:t>事务成功，相当于独占所有访问的记录。这个并发策略是严格，但显然是正确的 。</a:t>
+            </a:r>
             <a:endParaRPr lang="zh-CN" altLang="zh-CN" sz="1600" dirty="0"/>
           </a:p>
         </p:txBody>
@@ -14147,7 +14666,7 @@
                 <a:latin typeface="微软雅黑" panose="020B0503020204020204" pitchFamily="34" charset="-122"/>
                 <a:ea typeface="微软雅黑" panose="020B0503020204020204" pitchFamily="34" charset="-122"/>
               </a:rPr>
-              <a:t> 分布式事务如何实现？</a:t>
+              <a:t> 关键实现</a:t>
             </a:r>
             <a:endParaRPr lang="en-GB" altLang="zh-CN" sz="1800" b="1" dirty="0">
               <a:solidFill>
@@ -14164,10 +14683,10 @@
       </p:sp>
       <p:sp>
         <p:nvSpPr>
-          <p:cNvPr id="6" name="文本框 5">
+          <p:cNvPr id="8" name="文本框 7">
             <a:extLst>
               <a:ext uri="{FF2B5EF4-FFF2-40B4-BE49-F238E27FC236}">
-                <a16:creationId xmlns:a16="http://schemas.microsoft.com/office/drawing/2014/main" id="{094D29EA-72D4-6140-8A6B-5E62458BD767}"/>
+                <a16:creationId xmlns:a16="http://schemas.microsoft.com/office/drawing/2014/main" id="{8974069B-B575-AB42-8664-9F6C1A356F38}"/>
               </a:ext>
             </a:extLst>
           </p:cNvPr>
@@ -14176,227 +14695,237 @@
         </p:nvSpPr>
         <p:spPr>
           <a:xfrm>
-            <a:off x="4283968" y="1218326"/>
-            <a:ext cx="4248472" cy="1767856"/>
+            <a:off x="4872352" y="729914"/>
+            <a:ext cx="4200640" cy="2415213"/>
           </a:xfrm>
           <a:prstGeom prst="rect">
             <a:avLst/>
           </a:prstGeom>
           <a:noFill/>
+          <a:ln w="12700">
+            <a:solidFill>
+              <a:schemeClr val="accent1"/>
+            </a:solidFill>
+            <a:prstDash val="dash"/>
+          </a:ln>
         </p:spPr>
         <p:txBody>
           <a:bodyPr wrap="square" rtlCol="0">
             <a:spAutoFit/>
           </a:bodyPr>
-          <a:lstStyle/>
-          <a:p>
-            <a:pPr>
+          <a:lstStyle>
+            <a:defPPr>
+              <a:defRPr lang="zh-CN"/>
+            </a:defPPr>
+            <a:lvl1pPr marL="342900" indent="-342900">
               <a:lnSpc>
                 <a:spcPct val="150000"/>
               </a:lnSpc>
-            </a:pPr>
-            <a:r>
-              <a:rPr lang="en-US" altLang="zh-CN" sz="1400" b="1" dirty="0">
+              <a:buAutoNum type="arabicPeriod"/>
+              <a:defRPr>
                 <a:solidFill>
                   <a:schemeClr val="accent1"/>
                 </a:solidFill>
+              </a:defRPr>
+            </a:lvl1pPr>
+          </a:lstStyle>
+          <a:p>
+            <a:pPr marL="0" indent="0">
+              <a:buNone/>
+            </a:pPr>
+            <a:r>
+              <a:rPr lang="en-US" altLang="zh-CN" dirty="0"/>
+              <a:t>2.</a:t>
+            </a:r>
+            <a:r>
+              <a:rPr lang="zh-CN" altLang="en-US" dirty="0"/>
+              <a:t> 一致性缓存</a:t>
+            </a:r>
+            <a:endParaRPr lang="en-US" altLang="zh-CN" dirty="0"/>
+          </a:p>
+          <a:p>
+            <a:pPr marL="0" indent="0">
+              <a:buNone/>
+            </a:pPr>
+            <a:r>
+              <a:rPr lang="zh-CN" altLang="zh-CN" sz="1200" dirty="0">
+                <a:solidFill>
+                  <a:schemeClr val="tx1"/>
+                </a:solidFill>
               </a:rPr>
-              <a:t>2.</a:t>
-            </a:r>
-            <a:r>
-              <a:rPr lang="zh-CN" altLang="en-US" sz="1400" b="1" dirty="0">
+              <a:t>参考了</a:t>
+            </a:r>
+            <a:r>
+              <a:rPr lang="en-US" altLang="zh-CN" sz="1200" dirty="0">
                 <a:solidFill>
-                  <a:schemeClr val="accent1"/>
+                  <a:schemeClr val="tx1"/>
+                </a:solidFill>
+              </a:rPr>
+              <a:t>CPU</a:t>
+            </a:r>
+            <a:r>
+              <a:rPr lang="zh-CN" altLang="zh-CN" sz="1200" dirty="0">
+                <a:solidFill>
+                  <a:schemeClr val="tx1"/>
+                </a:solidFill>
+              </a:rPr>
+              <a:t>一致性缓存算法（</a:t>
+            </a:r>
+            <a:r>
+              <a:rPr lang="en-US" altLang="zh-CN" sz="1200" dirty="0">
+                <a:solidFill>
+                  <a:schemeClr val="tx1"/>
+                </a:solidFill>
+              </a:rPr>
+              <a:t>MESI</a:t>
+            </a:r>
+            <a:r>
+              <a:rPr lang="zh-CN" altLang="zh-CN" sz="1200" dirty="0">
+                <a:solidFill>
+                  <a:schemeClr val="tx1"/>
+                </a:solidFill>
+              </a:rPr>
+              <a:t>），使用了其中</a:t>
+            </a:r>
+            <a:r>
+              <a:rPr lang="en-US" altLang="zh-CN" sz="1200" dirty="0">
+                <a:solidFill>
+                  <a:schemeClr val="tx1"/>
+                </a:solidFill>
+              </a:rPr>
+              <a:t>3</a:t>
+            </a:r>
+            <a:r>
+              <a:rPr lang="zh-CN" altLang="zh-CN" sz="1200" dirty="0">
+                <a:solidFill>
+                  <a:schemeClr val="tx1"/>
+                </a:solidFill>
+              </a:rPr>
+              <a:t>个状态：</a:t>
+            </a:r>
+            <a:r>
+              <a:rPr lang="en-US" altLang="zh-CN" sz="1200" dirty="0" err="1">
+                <a:solidFill>
+                  <a:schemeClr val="tx1"/>
+                </a:solidFill>
+              </a:rPr>
+              <a:t>Modify,Share,Invalid</a:t>
+            </a:r>
+            <a:r>
+              <a:rPr lang="zh-CN" altLang="zh-CN" sz="1200" dirty="0">
+                <a:solidFill>
+                  <a:schemeClr val="tx1"/>
+                </a:solidFill>
+              </a:rPr>
+              <a:t>。</a:t>
+            </a:r>
+          </a:p>
+          <a:p>
+            <a:pPr marL="0" indent="0">
+              <a:buNone/>
+            </a:pPr>
+            <a:r>
+              <a:rPr lang="zh-CN" altLang="zh-CN" sz="1200" dirty="0">
+                <a:solidFill>
+                  <a:schemeClr val="tx1"/>
+                </a:solidFill>
+              </a:rPr>
+              <a:t>当主逻辑服务器需要访问或修改数据时，向全局权限分配服务器（</a:t>
+            </a:r>
+            <a:r>
+              <a:rPr lang="en-US" altLang="zh-CN" sz="1200" dirty="0" err="1">
+                <a:solidFill>
+                  <a:schemeClr val="tx1"/>
+                </a:solidFill>
+              </a:rPr>
+              <a:t>GlobalCacheManager</a:t>
+            </a:r>
+            <a:r>
+              <a:rPr lang="zh-CN" altLang="zh-CN" sz="1200" dirty="0">
+                <a:solidFill>
+                  <a:schemeClr val="tx1"/>
+                </a:solidFill>
+              </a:rPr>
+              <a:t>）申请</a:t>
+            </a:r>
+            <a:r>
+              <a:rPr lang="en-US" altLang="zh-CN" sz="1200" dirty="0">
+                <a:solidFill>
+                  <a:schemeClr val="tx1"/>
+                </a:solidFill>
+              </a:rPr>
+              <a:t>Modify</a:t>
+            </a:r>
+            <a:r>
+              <a:rPr lang="zh-CN" altLang="zh-CN" sz="1200" dirty="0">
+                <a:solidFill>
+                  <a:schemeClr val="tx1"/>
+                </a:solidFill>
+              </a:rPr>
+              <a:t>或</a:t>
+            </a:r>
+            <a:r>
+              <a:rPr lang="en-US" altLang="zh-CN" sz="1200" dirty="0">
+                <a:solidFill>
+                  <a:schemeClr val="tx1"/>
+                </a:solidFill>
+              </a:rPr>
+              <a:t>Share</a:t>
+            </a:r>
+            <a:r>
+              <a:rPr lang="zh-CN" altLang="zh-CN" sz="1200" dirty="0">
+                <a:solidFill>
+                  <a:schemeClr val="tx1"/>
+                </a:solidFill>
+              </a:rPr>
+              <a:t>权限。</a:t>
+            </a:r>
+          </a:p>
+          <a:p>
+            <a:pPr marL="0" indent="0">
+              <a:buNone/>
+            </a:pPr>
+            <a:r>
+              <a:rPr lang="en-US" altLang="zh-CN" sz="1200" dirty="0" err="1">
+                <a:solidFill>
+                  <a:schemeClr val="tx1"/>
+                </a:solidFill>
+              </a:rPr>
+              <a:t>GlobalCacheManager</a:t>
+            </a:r>
+            <a:r>
+              <a:rPr lang="zh-CN" altLang="zh-CN" sz="1200" dirty="0">
+                <a:solidFill>
+                  <a:schemeClr val="tx1"/>
+                </a:solidFill>
+              </a:rPr>
+              <a:t>知道所有记录的权限的分布状态。它根据申请的权限，向现拥有者发送降级请求，</a:t>
+            </a:r>
+            <a:r>
+              <a:rPr lang="en-US" altLang="zh-CN" sz="1200" dirty="0">
+                <a:solidFill>
+                  <a:schemeClr val="tx1"/>
                 </a:solidFill>
               </a:rPr>
               <a:t> </a:t>
             </a:r>
             <a:r>
-              <a:rPr lang="en-US" altLang="zh-CN" sz="1400" b="1" dirty="0">
+              <a:rPr lang="zh-CN" altLang="zh-CN" sz="1200" dirty="0">
                 <a:solidFill>
-                  <a:schemeClr val="accent1"/>
+                  <a:schemeClr val="tx1"/>
                 </a:solidFill>
               </a:rPr>
-              <a:t>MESI?</a:t>
-            </a:r>
-            <a:endParaRPr lang="zh-CN" altLang="zh-CN" sz="1400" b="1" dirty="0">
-              <a:solidFill>
-                <a:schemeClr val="accent1"/>
-              </a:solidFill>
-            </a:endParaRPr>
-          </a:p>
-          <a:p>
-            <a:pPr>
-              <a:lnSpc>
-                <a:spcPct val="150000"/>
-              </a:lnSpc>
-            </a:pPr>
-            <a:r>
-              <a:rPr lang="en-US" altLang="zh-CN" sz="1200" dirty="0"/>
-              <a:t>   </a:t>
-            </a:r>
-            <a:r>
-              <a:rPr lang="en-US" altLang="zh-CN" sz="1200" dirty="0" err="1"/>
-              <a:t>zeze</a:t>
-            </a:r>
-            <a:r>
-              <a:rPr lang="zh-CN" altLang="zh-CN" sz="1200" dirty="0"/>
-              <a:t>一致性缓存和</a:t>
-            </a:r>
-            <a:r>
-              <a:rPr lang="en-US" altLang="zh-CN" sz="1200" dirty="0"/>
-              <a:t>CPU-Cache-Memory</a:t>
-            </a:r>
-            <a:r>
-              <a:rPr lang="zh-CN" altLang="zh-CN" sz="1200" dirty="0"/>
-              <a:t>的很像。</a:t>
-            </a:r>
-          </a:p>
-          <a:p>
-            <a:pPr>
-              <a:lnSpc>
-                <a:spcPct val="150000"/>
-              </a:lnSpc>
-            </a:pPr>
-            <a:r>
-              <a:rPr lang="en-US" altLang="zh-CN" sz="1200" dirty="0"/>
-              <a:t>   </a:t>
-            </a:r>
-            <a:r>
-              <a:rPr lang="zh-CN" altLang="zh-CN" sz="1200" dirty="0"/>
-              <a:t>参考了</a:t>
-            </a:r>
-            <a:r>
-              <a:rPr lang="en-US" altLang="zh-CN" sz="1200" dirty="0"/>
-              <a:t>CPU</a:t>
-            </a:r>
-            <a:r>
-              <a:rPr lang="zh-CN" altLang="zh-CN" sz="1200" dirty="0"/>
-              <a:t>的</a:t>
-            </a:r>
-            <a:r>
-              <a:rPr lang="en-US" altLang="zh-CN" sz="1200" dirty="0"/>
-              <a:t>MESI</a:t>
-            </a:r>
-            <a:r>
-              <a:rPr lang="zh-CN" altLang="zh-CN" sz="1200" dirty="0"/>
-              <a:t>协议自己实现了一个锁分配机制。</a:t>
-            </a:r>
-          </a:p>
-          <a:p>
-            <a:pPr>
-              <a:lnSpc>
-                <a:spcPct val="150000"/>
-              </a:lnSpc>
-            </a:pPr>
-            <a:r>
-              <a:rPr lang="en-US" altLang="zh-CN" sz="1200" dirty="0"/>
-              <a:t>   </a:t>
-            </a:r>
-            <a:r>
-              <a:rPr lang="zh-CN" altLang="zh-CN" sz="1200" dirty="0"/>
-              <a:t>仅使用了类似</a:t>
-            </a:r>
-            <a:r>
-              <a:rPr lang="en-US" altLang="zh-CN" sz="1200" dirty="0"/>
-              <a:t>MESI</a:t>
-            </a:r>
-            <a:r>
-              <a:rPr lang="zh-CN" altLang="zh-CN" sz="1200" dirty="0"/>
-              <a:t>的状态名。</a:t>
-            </a:r>
-            <a:endParaRPr lang="en-US" altLang="zh-CN" sz="1200" dirty="0"/>
-          </a:p>
-          <a:p>
-            <a:pPr>
-              <a:lnSpc>
-                <a:spcPct val="150000"/>
-              </a:lnSpc>
-            </a:pPr>
-            <a:endParaRPr lang="zh-CN" altLang="zh-CN" sz="1200" dirty="0"/>
-          </a:p>
-          <a:p>
-            <a:pPr>
-              <a:lnSpc>
-                <a:spcPct val="150000"/>
-              </a:lnSpc>
-            </a:pPr>
-            <a:endParaRPr kumimoji="1" lang="zh-CN" altLang="en-US" sz="1200" dirty="0">
-              <a:solidFill>
-                <a:schemeClr val="tx1">
-                  <a:lumMod val="75000"/>
-                  <a:lumOff val="25000"/>
-                </a:schemeClr>
-              </a:solidFill>
-              <a:latin typeface="微软雅黑" panose="020B0503020204020204" pitchFamily="34" charset="-122"/>
-              <a:ea typeface="微软雅黑" panose="020B0503020204020204" pitchFamily="34" charset="-122"/>
-            </a:endParaRPr>
+              <a:t>然后给申请者返回合适结果 </a:t>
+            </a:r>
           </a:p>
         </p:txBody>
       </p:sp>
       <p:sp>
         <p:nvSpPr>
-          <p:cNvPr id="9" name="矩形 8">
+          <p:cNvPr id="10" name="文本框 9">
             <a:extLst>
               <a:ext uri="{FF2B5EF4-FFF2-40B4-BE49-F238E27FC236}">
-                <a16:creationId xmlns:a16="http://schemas.microsoft.com/office/drawing/2014/main" id="{8A38285F-F432-824E-8DB9-CF5FD4E8450D}"/>
-              </a:ext>
-            </a:extLst>
-          </p:cNvPr>
-          <p:cNvSpPr/>
-          <p:nvPr/>
-        </p:nvSpPr>
-        <p:spPr>
-          <a:xfrm>
-            <a:off x="3131840" y="694867"/>
-            <a:ext cx="2304256" cy="460382"/>
-          </a:xfrm>
-          <a:prstGeom prst="rect">
-            <a:avLst/>
-          </a:prstGeom>
-          <a:solidFill>
-            <a:schemeClr val="accent1"/>
-          </a:solidFill>
-          <a:ln>
-            <a:noFill/>
-          </a:ln>
-        </p:spPr>
-        <p:style>
-          <a:lnRef idx="0">
-            <a:scrgbClr r="0" g="0" b="0"/>
-          </a:lnRef>
-          <a:fillRef idx="0">
-            <a:scrgbClr r="0" g="0" b="0"/>
-          </a:fillRef>
-          <a:effectRef idx="0">
-            <a:scrgbClr r="0" g="0" b="0"/>
-          </a:effectRef>
-          <a:fontRef idx="minor">
-            <a:schemeClr val="lt1"/>
-          </a:fontRef>
-        </p:style>
-        <p:txBody>
-          <a:bodyPr rtlCol="0" anchor="ctr"/>
-          <a:lstStyle/>
-          <a:p>
-            <a:pPr algn="ctr">
-              <a:lnSpc>
-                <a:spcPct val="150000"/>
-              </a:lnSpc>
-            </a:pPr>
-            <a:r>
-              <a:rPr lang="zh-CN" altLang="zh-CN" b="1" dirty="0"/>
-              <a:t>基于一致性缓存</a:t>
-            </a:r>
-          </a:p>
-        </p:txBody>
-      </p:sp>
-      <p:sp>
-        <p:nvSpPr>
-          <p:cNvPr id="11" name="文本框 10">
-            <a:extLst>
-              <a:ext uri="{FF2B5EF4-FFF2-40B4-BE49-F238E27FC236}">
-                <a16:creationId xmlns:a16="http://schemas.microsoft.com/office/drawing/2014/main" id="{E396B478-8BCA-4640-B3F4-DAB64F037FBE}"/>
+                <a16:creationId xmlns:a16="http://schemas.microsoft.com/office/drawing/2014/main" id="{548FD245-2B82-A84E-B764-43020069F543}"/>
               </a:ext>
             </a:extLst>
           </p:cNvPr>
@@ -14405,16 +14934,22 @@
         </p:nvSpPr>
         <p:spPr>
           <a:xfrm>
-            <a:off x="4283968" y="2650705"/>
-            <a:ext cx="4608512" cy="1337546"/>
+            <a:off x="107504" y="3260179"/>
+            <a:ext cx="4688403" cy="1615827"/>
           </a:xfrm>
           <a:prstGeom prst="rect">
             <a:avLst/>
           </a:prstGeom>
           <a:noFill/>
+          <a:ln w="12700">
+            <a:solidFill>
+              <a:schemeClr val="accent1"/>
+            </a:solidFill>
+            <a:prstDash val="dash"/>
+          </a:ln>
         </p:spPr>
         <p:txBody>
-          <a:bodyPr wrap="square">
+          <a:bodyPr wrap="square" rtlCol="0">
             <a:spAutoFit/>
           </a:bodyPr>
           <a:lstStyle/>
@@ -14425,7 +14960,7 @@
               </a:lnSpc>
             </a:pPr>
             <a:r>
-              <a:rPr lang="en-US" altLang="zh-CN" sz="1400" b="1" dirty="0">
+              <a:rPr lang="en-US" altLang="zh-CN" dirty="0">
                 <a:solidFill>
                   <a:schemeClr val="accent1"/>
                 </a:solidFill>
@@ -14433,7 +14968,136 @@
               <a:t>3.</a:t>
             </a:r>
             <a:r>
-              <a:rPr lang="zh-CN" altLang="en-US" sz="1400" b="1" dirty="0">
+              <a:rPr lang="zh-CN" altLang="en-US" dirty="0">
+                <a:solidFill>
+                  <a:schemeClr val="accent1"/>
+                </a:solidFill>
+              </a:rPr>
+              <a:t> 持久化模式</a:t>
+            </a:r>
+            <a:endParaRPr lang="en-US" altLang="zh-CN" dirty="0">
+              <a:solidFill>
+                <a:schemeClr val="accent1"/>
+              </a:solidFill>
+            </a:endParaRPr>
+          </a:p>
+          <a:p>
+            <a:pPr marL="228600" indent="-228600">
+              <a:buFont typeface="+mj-lt"/>
+              <a:buAutoNum type="alphaLcPeriod"/>
+            </a:pPr>
+            <a:r>
+              <a:rPr lang="en-US" altLang="zh-CN" sz="1200" b="1" dirty="0"/>
+              <a:t>Period</a:t>
+            </a:r>
+            <a:r>
+              <a:rPr lang="zh-CN" altLang="en-US" sz="1200" b="1" dirty="0"/>
+              <a:t>：</a:t>
+            </a:r>
+            <a:r>
+              <a:rPr lang="en-US" altLang="zh-CN" sz="1200" b="1" dirty="0"/>
+              <a:t> </a:t>
+            </a:r>
+            <a:r>
+              <a:rPr lang="zh-CN" altLang="zh-CN" sz="1200" dirty="0"/>
+              <a:t>定时保存修改到后端数据库，如果保存前进程异常退出，修改会丢失，相当于上一次保存以来的所有事务回滚，数据不会被破坏。</a:t>
+            </a:r>
+          </a:p>
+          <a:p>
+            <a:pPr marL="228600" indent="-228600">
+              <a:buFont typeface="+mj-lt"/>
+              <a:buAutoNum type="alphaLcPeriod"/>
+            </a:pPr>
+            <a:r>
+              <a:rPr lang="en-US" altLang="zh-CN" sz="1200" b="1" dirty="0"/>
+              <a:t>Immediately</a:t>
+            </a:r>
+            <a:r>
+              <a:rPr lang="zh-CN" altLang="en-US" sz="1200" b="1" dirty="0"/>
+              <a:t>：</a:t>
+            </a:r>
+            <a:r>
+              <a:rPr lang="en-US" altLang="zh-CN" sz="1200" b="1" dirty="0"/>
+              <a:t> </a:t>
+            </a:r>
+            <a:r>
+              <a:rPr lang="zh-CN" altLang="zh-CN" sz="1200" dirty="0"/>
+              <a:t>事务提交的时候马上保存到后端数据库。</a:t>
+            </a:r>
+          </a:p>
+          <a:p>
+            <a:pPr marL="228600" indent="-228600">
+              <a:buFont typeface="+mj-lt"/>
+              <a:buAutoNum type="alphaLcPeriod"/>
+            </a:pPr>
+            <a:r>
+              <a:rPr lang="en-US" altLang="zh-CN" sz="1200" b="1" dirty="0"/>
+              <a:t>Table</a:t>
+            </a:r>
+            <a:r>
+              <a:rPr lang="zh-CN" altLang="en-US" sz="1200" b="1" dirty="0"/>
+              <a:t>：</a:t>
+            </a:r>
+            <a:r>
+              <a:rPr lang="en-US" altLang="zh-CN" sz="1200" b="1" dirty="0"/>
+              <a:t> </a:t>
+            </a:r>
+            <a:r>
+              <a:rPr lang="zh-CN" altLang="zh-CN" sz="1200" dirty="0"/>
+              <a:t>可以选择部份表，当事务包含这些表时会马上保存，否则定时保存 </a:t>
+            </a:r>
+          </a:p>
+        </p:txBody>
+      </p:sp>
+      <p:sp>
+        <p:nvSpPr>
+          <p:cNvPr id="12" name="文本框 11">
+            <a:extLst>
+              <a:ext uri="{FF2B5EF4-FFF2-40B4-BE49-F238E27FC236}">
+                <a16:creationId xmlns:a16="http://schemas.microsoft.com/office/drawing/2014/main" id="{13EA5AC5-C184-FC41-80D9-156FBCC8839D}"/>
+              </a:ext>
+            </a:extLst>
+          </p:cNvPr>
+          <p:cNvSpPr txBox="1"/>
+          <p:nvPr/>
+        </p:nvSpPr>
+        <p:spPr>
+          <a:xfrm>
+            <a:off x="4857407" y="3260178"/>
+            <a:ext cx="4215585" cy="753220"/>
+          </a:xfrm>
+          <a:prstGeom prst="rect">
+            <a:avLst/>
+          </a:prstGeom>
+          <a:noFill/>
+          <a:ln w="12700">
+            <a:solidFill>
+              <a:schemeClr val="accent1"/>
+            </a:solidFill>
+            <a:prstDash val="dash"/>
+          </a:ln>
+        </p:spPr>
+        <p:txBody>
+          <a:bodyPr wrap="square" rtlCol="0">
+            <a:spAutoFit/>
+          </a:bodyPr>
+          <a:lstStyle/>
+          <a:p>
+            <a:pPr>
+              <a:lnSpc>
+                <a:spcPct val="150000"/>
+              </a:lnSpc>
+            </a:pPr>
+            <a:r>
+              <a:rPr lang="en-US" altLang="zh-CN" dirty="0">
+                <a:solidFill>
+                  <a:schemeClr val="accent1"/>
+                </a:solidFill>
+              </a:rPr>
+              <a:t>4.</a:t>
+            </a:r>
+            <a:r>
+              <a:rPr lang="zh-CN" altLang="en-US" dirty="0">
                 <a:solidFill>
                   <a:schemeClr val="accent1"/>
                 </a:solidFill>
@@ -14441,13 +15105,18 @@
               <a:t> </a:t>
             </a:r>
             <a:r>
-              <a:rPr lang="zh-CN" altLang="zh-CN" sz="1400" b="1" dirty="0">
+              <a:rPr lang="en-US" altLang="zh-CN" dirty="0" err="1">
                 <a:solidFill>
                   <a:schemeClr val="accent1"/>
                 </a:solidFill>
               </a:rPr>
-              <a:t>分布式事务</a:t>
-            </a:r>
+              <a:t>CheckpointMode.Table</a:t>
+            </a:r>
+            <a:endParaRPr lang="en-US" altLang="zh-CN" dirty="0">
+              <a:solidFill>
+                <a:schemeClr val="accent1"/>
+              </a:solidFill>
+            </a:endParaRPr>
           </a:p>
           <a:p>
             <a:pPr>
@@ -14456,40 +15125,20 @@
               </a:lnSpc>
             </a:pPr>
             <a:r>
-              <a:rPr lang="en-US" altLang="zh-CN" sz="1200" dirty="0"/>
-              <a:t>   </a:t>
+              <a:rPr lang="zh-CN" altLang="en-US" sz="1200" dirty="0"/>
+              <a:t>关联记录集合</a:t>
             </a:r>
             <a:r>
               <a:rPr lang="zh-CN" altLang="zh-CN" sz="1200" dirty="0"/>
-              <a:t>在一致性缓存之上，每一台服务器的事务就能像自己独占所有数据一样，完成本地事务即可。</a:t>
-            </a:r>
-          </a:p>
-          <a:p>
-            <a:pPr>
-              <a:lnSpc>
-                <a:spcPct val="150000"/>
-              </a:lnSpc>
-            </a:pPr>
-            <a:r>
-              <a:rPr lang="en-US" altLang="zh-CN" sz="1200" dirty="0"/>
-              <a:t>   </a:t>
-            </a:r>
-            <a:r>
-              <a:rPr lang="zh-CN" altLang="zh-CN" sz="1200" dirty="0"/>
-              <a:t>这就是基于一致性缓存的分布式事务</a:t>
-            </a:r>
-            <a:r>
-              <a:rPr lang="zh-CN" altLang="zh-CN" sz="1800" dirty="0"/>
-              <a:t>。</a:t>
-            </a:r>
-            <a:endParaRPr lang="zh-CN" altLang="en-US" dirty="0"/>
+              <a:t> </a:t>
+            </a:r>
           </a:p>
         </p:txBody>
       </p:sp>
     </p:spTree>
     <p:extLst>
       <p:ext uri="{BB962C8B-B14F-4D97-AF65-F5344CB8AC3E}">
-        <p14:creationId xmlns:p14="http://schemas.microsoft.com/office/powerpoint/2010/main" val="1327365165"/>
+        <p14:creationId xmlns:p14="http://schemas.microsoft.com/office/powerpoint/2010/main" val="1631298091"/>
       </p:ext>
     </p:extLst>
   </p:cSld>
@@ -14498,7 +15147,7 @@
   </p:clrMapOvr>
   <mc:AlternateContent xmlns:mc="http://schemas.openxmlformats.org/markup-compatibility/2006" xmlns:p14="http://schemas.microsoft.com/office/powerpoint/2010/main">
     <mc:Choice Requires="p14">
-      <p:transition p14:dur="0" advTm="0"/>
+      <p:transition p14:dur="10" advTm="0"/>
     </mc:Choice>
     <mc:Fallback xmlns="">
       <p:transition advTm="0"/>
@@ -14581,7 +15230,7 @@
         <p:spPr>
           <a:xfrm>
             <a:off x="99621" y="729914"/>
-            <a:ext cx="4688403" cy="2415213"/>
+            <a:ext cx="8000771" cy="4481355"/>
           </a:xfrm>
           <a:prstGeom prst="rect">
             <a:avLst/>
@@ -14600,113 +15249,230 @@
           </a:bodyPr>
           <a:lstStyle/>
           <a:p>
-            <a:pPr marL="342900" indent="-342900">
-              <a:lnSpc>
-                <a:spcPct val="150000"/>
-              </a:lnSpc>
-              <a:buAutoNum type="arabicPeriod"/>
-            </a:pPr>
-            <a:r>
-              <a:rPr lang="zh-CN" altLang="zh-CN" dirty="0">
-                <a:solidFill>
-                  <a:schemeClr val="accent1"/>
-                </a:solidFill>
-              </a:rPr>
-              <a:t>乐观锁</a:t>
-            </a:r>
-            <a:endParaRPr lang="en-US" altLang="zh-CN" dirty="0">
-              <a:solidFill>
-                <a:schemeClr val="accent1"/>
-              </a:solidFill>
-            </a:endParaRPr>
-          </a:p>
-          <a:p>
             <a:pPr>
               <a:lnSpc>
                 <a:spcPct val="150000"/>
               </a:lnSpc>
             </a:pPr>
             <a:r>
-              <a:rPr lang="zh-CN" altLang="en-US" sz="1200" dirty="0"/>
-              <a:t>   </a:t>
-            </a:r>
-            <a:r>
-              <a:rPr lang="zh-CN" altLang="zh-CN" sz="1200" dirty="0"/>
-              <a:t>存储过程执行过程中不加锁，所有修改仅当前事务可见。</a:t>
-            </a:r>
-          </a:p>
-          <a:p>
-            <a:pPr>
+              <a:rPr lang="zh-CN" altLang="zh-CN" b="1" dirty="0"/>
+              <a:t>既然叫框架，总有点其他东西。</a:t>
+            </a:r>
+          </a:p>
+          <a:p>
+            <a:pPr marL="342900" indent="-342900">
               <a:lnSpc>
                 <a:spcPct val="150000"/>
               </a:lnSpc>
+              <a:buFont typeface="+mj-lt"/>
+              <a:buAutoNum type="arabicPeriod"/>
             </a:pPr>
             <a:r>
-              <a:rPr lang="en-US" altLang="zh-CN" sz="1200" dirty="0"/>
+              <a:rPr lang="zh-CN" altLang="zh-CN" b="1" dirty="0"/>
+              <a:t>网络库</a:t>
+            </a:r>
+          </a:p>
+          <a:p>
+            <a:pPr marL="742950" lvl="1" indent="-285750">
+              <a:buFont typeface="Wingdings" pitchFamily="2" charset="2"/>
+              <a:buChar char="Ø"/>
+            </a:pPr>
+            <a:r>
+              <a:rPr lang="en-US" altLang="zh-CN" dirty="0"/>
               <a:t>   </a:t>
             </a:r>
             <a:r>
-              <a:rPr lang="zh-CN" altLang="zh-CN" sz="1200" dirty="0"/>
-              <a:t>提交的时候对所有访问的记录排序并且加锁并进行冲突检查。</a:t>
-            </a:r>
-          </a:p>
-          <a:p>
-            <a:pPr>
+              <a:rPr lang="zh-CN" altLang="zh-CN" dirty="0"/>
+              <a:t>加密压缩。</a:t>
+            </a:r>
+          </a:p>
+          <a:p>
+            <a:pPr marL="742950" lvl="1" indent="-285750">
+              <a:buFont typeface="Wingdings" pitchFamily="2" charset="2"/>
+              <a:buChar char="Ø"/>
+            </a:pPr>
+            <a:r>
+              <a:rPr lang="en-US" altLang="zh-CN" dirty="0"/>
+              <a:t>   cxx client</a:t>
+            </a:r>
+            <a:endParaRPr lang="zh-CN" altLang="zh-CN" dirty="0"/>
+          </a:p>
+          <a:p>
+            <a:pPr marL="742950" lvl="1" indent="-285750">
+              <a:buFont typeface="Wingdings" pitchFamily="2" charset="2"/>
+              <a:buChar char="Ø"/>
+            </a:pPr>
+            <a:r>
+              <a:rPr lang="en-US" altLang="zh-CN" dirty="0"/>
+              <a:t>   </a:t>
+            </a:r>
+            <a:r>
+              <a:rPr lang="en-US" altLang="zh-CN" dirty="0" err="1"/>
+              <a:t>c#</a:t>
+            </a:r>
+            <a:r>
+              <a:rPr lang="en-US" altLang="zh-CN" dirty="0"/>
+              <a:t> </a:t>
+            </a:r>
+            <a:r>
+              <a:rPr lang="en-US" altLang="zh-CN" dirty="0" err="1"/>
+              <a:t>client+server</a:t>
+            </a:r>
+            <a:endParaRPr lang="zh-CN" altLang="zh-CN" dirty="0"/>
+          </a:p>
+          <a:p>
+            <a:pPr marL="742950" lvl="1" indent="-285750">
+              <a:buFont typeface="Wingdings" pitchFamily="2" charset="2"/>
+              <a:buChar char="Ø"/>
+            </a:pPr>
+            <a:r>
+              <a:rPr lang="en-US" altLang="zh-CN" dirty="0"/>
+              <a:t>   java server</a:t>
+            </a:r>
+            <a:endParaRPr lang="zh-CN" altLang="zh-CN" dirty="0"/>
+          </a:p>
+          <a:p>
+            <a:pPr marL="342900" indent="-342900">
               <a:lnSpc>
                 <a:spcPct val="150000"/>
               </a:lnSpc>
+              <a:buFont typeface="+mj-lt"/>
+              <a:buAutoNum type="arabicPeriod"/>
             </a:pPr>
             <a:r>
-              <a:rPr lang="en-US" altLang="zh-CN" sz="1200" dirty="0"/>
+              <a:rPr lang="zh-CN" altLang="zh-CN" b="1" dirty="0"/>
+              <a:t>客户端支持</a:t>
+            </a:r>
+          </a:p>
+          <a:p>
+            <a:pPr marL="742950" lvl="1" indent="-285750">
+              <a:buFont typeface="Wingdings" pitchFamily="2" charset="2"/>
+              <a:buChar char="Ø"/>
+            </a:pPr>
+            <a:r>
+              <a:rPr lang="en-US" altLang="zh-CN" dirty="0"/>
               <a:t>   </a:t>
             </a:r>
             <a:r>
-              <a:rPr lang="zh-CN" altLang="zh-CN" sz="1200" dirty="0"/>
-              <a:t>【并发正确性】</a:t>
-            </a:r>
-          </a:p>
-          <a:p>
-            <a:pPr>
+              <a:rPr lang="en-US" altLang="zh-CN" dirty="0" err="1"/>
+              <a:t>cxx+lua</a:t>
+            </a:r>
+            <a:r>
+              <a:rPr lang="en-US" altLang="zh-CN" dirty="0"/>
+              <a:t> </a:t>
+            </a:r>
+            <a:r>
+              <a:rPr lang="zh-CN" altLang="zh-CN" dirty="0"/>
+              <a:t>对标</a:t>
+            </a:r>
+            <a:r>
+              <a:rPr lang="en-US" altLang="zh-CN" dirty="0"/>
+              <a:t>unreal</a:t>
+            </a:r>
+            <a:endParaRPr lang="zh-CN" altLang="zh-CN" dirty="0"/>
+          </a:p>
+          <a:p>
+            <a:pPr marL="742950" lvl="1" indent="-285750">
+              <a:buFont typeface="Wingdings" pitchFamily="2" charset="2"/>
+              <a:buChar char="Ø"/>
+            </a:pPr>
+            <a:r>
+              <a:rPr lang="en-US" altLang="zh-CN" dirty="0"/>
+              <a:t>   c#+</a:t>
+            </a:r>
+            <a:r>
+              <a:rPr lang="en-US" altLang="zh-CN" dirty="0" err="1"/>
+              <a:t>lua</a:t>
+            </a:r>
+            <a:r>
+              <a:rPr lang="en-US" altLang="zh-CN" dirty="0"/>
+              <a:t>  </a:t>
+            </a:r>
+            <a:r>
+              <a:rPr lang="zh-CN" altLang="zh-CN" dirty="0"/>
+              <a:t>对标</a:t>
+            </a:r>
+            <a:r>
+              <a:rPr lang="en-US" altLang="zh-CN" dirty="0"/>
+              <a:t>unity</a:t>
+            </a:r>
+            <a:endParaRPr lang="zh-CN" altLang="zh-CN" dirty="0"/>
+          </a:p>
+          <a:p>
+            <a:pPr marL="742950" lvl="1" indent="-285750">
+              <a:buFont typeface="Wingdings" pitchFamily="2" charset="2"/>
+              <a:buChar char="Ø"/>
+            </a:pPr>
+            <a:r>
+              <a:rPr lang="en-US" altLang="zh-CN" dirty="0"/>
+              <a:t>   </a:t>
+            </a:r>
+            <a:r>
+              <a:rPr lang="en-US" altLang="zh-CN" dirty="0" err="1"/>
+              <a:t>puerts+tx</a:t>
+            </a:r>
+            <a:r>
+              <a:rPr lang="en-US" altLang="zh-CN" dirty="0"/>
+              <a:t> unreal</a:t>
+            </a:r>
+            <a:r>
+              <a:rPr lang="zh-CN" altLang="zh-CN" dirty="0"/>
+              <a:t>、</a:t>
+            </a:r>
+            <a:r>
+              <a:rPr lang="en-US" altLang="zh-CN" dirty="0"/>
+              <a:t>unity</a:t>
+            </a:r>
+            <a:endParaRPr lang="zh-CN" altLang="zh-CN" dirty="0"/>
+          </a:p>
+          <a:p>
+            <a:pPr marL="342900" indent="-342900">
               <a:lnSpc>
                 <a:spcPct val="150000"/>
               </a:lnSpc>
+              <a:buFont typeface="+mj-lt"/>
+              <a:buAutoNum type="arabicPeriod"/>
             </a:pPr>
             <a:r>
-              <a:rPr lang="en-US" altLang="zh-CN" sz="1200" dirty="0"/>
-              <a:t>   </a:t>
-            </a:r>
-            <a:r>
-              <a:rPr lang="zh-CN" altLang="zh-CN" sz="1200" dirty="0"/>
-              <a:t>事务内所有访问（读写）的记录在冲突检查时需要确保</a:t>
-            </a:r>
-            <a:r>
-              <a:rPr lang="en-US" altLang="zh-CN" sz="1200" dirty="0"/>
-              <a:t>Timestamp</a:t>
-            </a:r>
-            <a:r>
-              <a:rPr lang="zh-CN" altLang="en-US" sz="1200" dirty="0"/>
-              <a:t>  </a:t>
-            </a:r>
-            <a:r>
-              <a:rPr lang="zh-CN" altLang="zh-CN" sz="1200" dirty="0"/>
-              <a:t>没有变化。</a:t>
-            </a:r>
-          </a:p>
-          <a:p>
-            <a:pPr>
+              <a:rPr lang="en-US" altLang="zh-CN" b="1" dirty="0"/>
+              <a:t> </a:t>
+            </a:r>
+            <a:r>
+              <a:rPr lang="zh-CN" altLang="zh-CN" b="1" dirty="0"/>
+              <a:t>日志</a:t>
+            </a:r>
+          </a:p>
+          <a:p>
+            <a:pPr marL="342900" indent="-342900">
               <a:lnSpc>
                 <a:spcPct val="150000"/>
               </a:lnSpc>
+              <a:buFont typeface="+mj-lt"/>
+              <a:buAutoNum type="arabicPeriod"/>
             </a:pPr>
             <a:r>
-              <a:rPr lang="en-US" altLang="zh-CN" sz="1200" dirty="0"/>
-              <a:t>   </a:t>
-            </a:r>
-            <a:r>
-              <a:rPr lang="zh-CN" altLang="zh-CN" sz="1200" dirty="0"/>
-              <a:t>事务成功，相当于独占所有访问的记录。这个并发策略是严格，但显然是正确的 。</a:t>
-            </a:r>
-            <a:endParaRPr lang="zh-CN" altLang="zh-CN" sz="1600" dirty="0"/>
+              <a:rPr lang="en-US" altLang="zh-CN" b="1" dirty="0"/>
+              <a:t> </a:t>
+            </a:r>
+            <a:r>
+              <a:rPr lang="zh-CN" altLang="zh-CN" b="1" dirty="0"/>
+              <a:t>统计 </a:t>
+            </a:r>
+            <a:endParaRPr lang="en-US" altLang="zh-CN" b="1" dirty="0"/>
+          </a:p>
+          <a:p>
+            <a:pPr marL="342900" indent="-342900">
+              <a:lnSpc>
+                <a:spcPct val="150000"/>
+              </a:lnSpc>
+              <a:buFont typeface="+mj-lt"/>
+              <a:buAutoNum type="arabicPeriod"/>
+            </a:pPr>
+            <a:r>
+              <a:rPr lang="zh-CN" altLang="en-US" b="1" dirty="0"/>
+              <a:t>通用错误处理</a:t>
+            </a:r>
+            <a:endParaRPr lang="zh-CN" altLang="zh-CN" b="1" dirty="0"/>
           </a:p>
         </p:txBody>
       </p:sp>
@@ -14805,911 +15571,6 @@
                 <a:latin typeface="微软雅黑" panose="020B0503020204020204" pitchFamily="34" charset="-122"/>
                 <a:ea typeface="微软雅黑" panose="020B0503020204020204" pitchFamily="34" charset="-122"/>
               </a:rPr>
-              <a:t> 关键实现</a:t>
-            </a:r>
-            <a:endParaRPr lang="en-GB" altLang="zh-CN" sz="1800" b="1" dirty="0">
-              <a:solidFill>
-                <a:schemeClr val="tx1">
-                  <a:lumMod val="75000"/>
-                  <a:lumOff val="25000"/>
-                </a:schemeClr>
-              </a:solidFill>
-              <a:latin typeface="微软雅黑" panose="020B0503020204020204" pitchFamily="34" charset="-122"/>
-              <a:ea typeface="微软雅黑" panose="020B0503020204020204" pitchFamily="34" charset="-122"/>
-            </a:endParaRPr>
-          </a:p>
-        </p:txBody>
-      </p:sp>
-      <p:sp>
-        <p:nvSpPr>
-          <p:cNvPr id="8" name="文本框 7">
-            <a:extLst>
-              <a:ext uri="{FF2B5EF4-FFF2-40B4-BE49-F238E27FC236}">
-                <a16:creationId xmlns:a16="http://schemas.microsoft.com/office/drawing/2014/main" id="{8974069B-B575-AB42-8664-9F6C1A356F38}"/>
-              </a:ext>
-            </a:extLst>
-          </p:cNvPr>
-          <p:cNvSpPr txBox="1"/>
-          <p:nvPr/>
-        </p:nvSpPr>
-        <p:spPr>
-          <a:xfrm>
-            <a:off x="4872352" y="729914"/>
-            <a:ext cx="4200640" cy="2415213"/>
-          </a:xfrm>
-          <a:prstGeom prst="rect">
-            <a:avLst/>
-          </a:prstGeom>
-          <a:noFill/>
-          <a:ln w="12700">
-            <a:solidFill>
-              <a:schemeClr val="accent1"/>
-            </a:solidFill>
-            <a:prstDash val="dash"/>
-          </a:ln>
-        </p:spPr>
-        <p:txBody>
-          <a:bodyPr wrap="square" rtlCol="0">
-            <a:spAutoFit/>
-          </a:bodyPr>
-          <a:lstStyle>
-            <a:defPPr>
-              <a:defRPr lang="zh-CN"/>
-            </a:defPPr>
-            <a:lvl1pPr marL="342900" indent="-342900">
-              <a:lnSpc>
-                <a:spcPct val="150000"/>
-              </a:lnSpc>
-              <a:buAutoNum type="arabicPeriod"/>
-              <a:defRPr>
-                <a:solidFill>
-                  <a:schemeClr val="accent1"/>
-                </a:solidFill>
-              </a:defRPr>
-            </a:lvl1pPr>
-          </a:lstStyle>
-          <a:p>
-            <a:pPr marL="0" indent="0">
-              <a:buNone/>
-            </a:pPr>
-            <a:r>
-              <a:rPr lang="en-US" altLang="zh-CN" dirty="0"/>
-              <a:t>2.</a:t>
-            </a:r>
-            <a:r>
-              <a:rPr lang="zh-CN" altLang="en-US" dirty="0"/>
-              <a:t> 一致性缓存</a:t>
-            </a:r>
-            <a:endParaRPr lang="en-US" altLang="zh-CN" dirty="0"/>
-          </a:p>
-          <a:p>
-            <a:pPr marL="0" indent="0">
-              <a:buNone/>
-            </a:pPr>
-            <a:r>
-              <a:rPr lang="zh-CN" altLang="zh-CN" sz="1200" dirty="0">
-                <a:solidFill>
-                  <a:schemeClr val="tx1"/>
-                </a:solidFill>
-              </a:rPr>
-              <a:t>参考了</a:t>
-            </a:r>
-            <a:r>
-              <a:rPr lang="en-US" altLang="zh-CN" sz="1200" dirty="0">
-                <a:solidFill>
-                  <a:schemeClr val="tx1"/>
-                </a:solidFill>
-              </a:rPr>
-              <a:t>CPU</a:t>
-            </a:r>
-            <a:r>
-              <a:rPr lang="zh-CN" altLang="zh-CN" sz="1200" dirty="0">
-                <a:solidFill>
-                  <a:schemeClr val="tx1"/>
-                </a:solidFill>
-              </a:rPr>
-              <a:t>一致性缓存算法（</a:t>
-            </a:r>
-            <a:r>
-              <a:rPr lang="en-US" altLang="zh-CN" sz="1200" dirty="0">
-                <a:solidFill>
-                  <a:schemeClr val="tx1"/>
-                </a:solidFill>
-              </a:rPr>
-              <a:t>MESI</a:t>
-            </a:r>
-            <a:r>
-              <a:rPr lang="zh-CN" altLang="zh-CN" sz="1200" dirty="0">
-                <a:solidFill>
-                  <a:schemeClr val="tx1"/>
-                </a:solidFill>
-              </a:rPr>
-              <a:t>），使用了其中</a:t>
-            </a:r>
-            <a:r>
-              <a:rPr lang="en-US" altLang="zh-CN" sz="1200" dirty="0">
-                <a:solidFill>
-                  <a:schemeClr val="tx1"/>
-                </a:solidFill>
-              </a:rPr>
-              <a:t>3</a:t>
-            </a:r>
-            <a:r>
-              <a:rPr lang="zh-CN" altLang="zh-CN" sz="1200" dirty="0">
-                <a:solidFill>
-                  <a:schemeClr val="tx1"/>
-                </a:solidFill>
-              </a:rPr>
-              <a:t>个状态：</a:t>
-            </a:r>
-            <a:r>
-              <a:rPr lang="en-US" altLang="zh-CN" sz="1200" dirty="0" err="1">
-                <a:solidFill>
-                  <a:schemeClr val="tx1"/>
-                </a:solidFill>
-              </a:rPr>
-              <a:t>Modify,Share,Invalid</a:t>
-            </a:r>
-            <a:r>
-              <a:rPr lang="zh-CN" altLang="zh-CN" sz="1200" dirty="0">
-                <a:solidFill>
-                  <a:schemeClr val="tx1"/>
-                </a:solidFill>
-              </a:rPr>
-              <a:t>。</a:t>
-            </a:r>
-          </a:p>
-          <a:p>
-            <a:pPr marL="0" indent="0">
-              <a:buNone/>
-            </a:pPr>
-            <a:r>
-              <a:rPr lang="zh-CN" altLang="zh-CN" sz="1200" dirty="0">
-                <a:solidFill>
-                  <a:schemeClr val="tx1"/>
-                </a:solidFill>
-              </a:rPr>
-              <a:t>当主逻辑服务器需要访问或修改数据时，向全局权限分配服务器（</a:t>
-            </a:r>
-            <a:r>
-              <a:rPr lang="en-US" altLang="zh-CN" sz="1200" dirty="0" err="1">
-                <a:solidFill>
-                  <a:schemeClr val="tx1"/>
-                </a:solidFill>
-              </a:rPr>
-              <a:t>GlobalCacheManager</a:t>
-            </a:r>
-            <a:r>
-              <a:rPr lang="zh-CN" altLang="zh-CN" sz="1200" dirty="0">
-                <a:solidFill>
-                  <a:schemeClr val="tx1"/>
-                </a:solidFill>
-              </a:rPr>
-              <a:t>）申请</a:t>
-            </a:r>
-            <a:r>
-              <a:rPr lang="en-US" altLang="zh-CN" sz="1200" dirty="0">
-                <a:solidFill>
-                  <a:schemeClr val="tx1"/>
-                </a:solidFill>
-              </a:rPr>
-              <a:t>Modify</a:t>
-            </a:r>
-            <a:r>
-              <a:rPr lang="zh-CN" altLang="zh-CN" sz="1200" dirty="0">
-                <a:solidFill>
-                  <a:schemeClr val="tx1"/>
-                </a:solidFill>
-              </a:rPr>
-              <a:t>或</a:t>
-            </a:r>
-            <a:r>
-              <a:rPr lang="en-US" altLang="zh-CN" sz="1200" dirty="0">
-                <a:solidFill>
-                  <a:schemeClr val="tx1"/>
-                </a:solidFill>
-              </a:rPr>
-              <a:t>Share</a:t>
-            </a:r>
-            <a:r>
-              <a:rPr lang="zh-CN" altLang="zh-CN" sz="1200" dirty="0">
-                <a:solidFill>
-                  <a:schemeClr val="tx1"/>
-                </a:solidFill>
-              </a:rPr>
-              <a:t>权限。</a:t>
-            </a:r>
-          </a:p>
-          <a:p>
-            <a:pPr marL="0" indent="0">
-              <a:buNone/>
-            </a:pPr>
-            <a:r>
-              <a:rPr lang="en-US" altLang="zh-CN" sz="1200" dirty="0" err="1">
-                <a:solidFill>
-                  <a:schemeClr val="tx1"/>
-                </a:solidFill>
-              </a:rPr>
-              <a:t>GlobalCacheManager</a:t>
-            </a:r>
-            <a:r>
-              <a:rPr lang="zh-CN" altLang="zh-CN" sz="1200" dirty="0">
-                <a:solidFill>
-                  <a:schemeClr val="tx1"/>
-                </a:solidFill>
-              </a:rPr>
-              <a:t>知道所有记录的权限的分布状态。它根据申请的权限，向现拥有者发送降级请求，</a:t>
-            </a:r>
-            <a:r>
-              <a:rPr lang="en-US" altLang="zh-CN" sz="1200" dirty="0">
-                <a:solidFill>
-                  <a:schemeClr val="tx1"/>
-                </a:solidFill>
-              </a:rPr>
-              <a:t> </a:t>
-            </a:r>
-            <a:r>
-              <a:rPr lang="zh-CN" altLang="zh-CN" sz="1200" dirty="0">
-                <a:solidFill>
-                  <a:schemeClr val="tx1"/>
-                </a:solidFill>
-              </a:rPr>
-              <a:t>然后给申请者返回合适结果 </a:t>
-            </a:r>
-          </a:p>
-        </p:txBody>
-      </p:sp>
-      <p:sp>
-        <p:nvSpPr>
-          <p:cNvPr id="10" name="文本框 9">
-            <a:extLst>
-              <a:ext uri="{FF2B5EF4-FFF2-40B4-BE49-F238E27FC236}">
-                <a16:creationId xmlns:a16="http://schemas.microsoft.com/office/drawing/2014/main" id="{548FD245-2B82-A84E-B764-43020069F543}"/>
-              </a:ext>
-            </a:extLst>
-          </p:cNvPr>
-          <p:cNvSpPr txBox="1"/>
-          <p:nvPr/>
-        </p:nvSpPr>
-        <p:spPr>
-          <a:xfrm>
-            <a:off x="107504" y="3260179"/>
-            <a:ext cx="4688403" cy="1615827"/>
-          </a:xfrm>
-          <a:prstGeom prst="rect">
-            <a:avLst/>
-          </a:prstGeom>
-          <a:noFill/>
-          <a:ln w="12700">
-            <a:solidFill>
-              <a:schemeClr val="accent1"/>
-            </a:solidFill>
-            <a:prstDash val="dash"/>
-          </a:ln>
-        </p:spPr>
-        <p:txBody>
-          <a:bodyPr wrap="square" rtlCol="0">
-            <a:spAutoFit/>
-          </a:bodyPr>
-          <a:lstStyle/>
-          <a:p>
-            <a:pPr>
-              <a:lnSpc>
-                <a:spcPct val="150000"/>
-              </a:lnSpc>
-            </a:pPr>
-            <a:r>
-              <a:rPr lang="en-US" altLang="zh-CN" dirty="0">
-                <a:solidFill>
-                  <a:schemeClr val="accent1"/>
-                </a:solidFill>
-              </a:rPr>
-              <a:t>3.</a:t>
-            </a:r>
-            <a:r>
-              <a:rPr lang="zh-CN" altLang="en-US" dirty="0">
-                <a:solidFill>
-                  <a:schemeClr val="accent1"/>
-                </a:solidFill>
-              </a:rPr>
-              <a:t> 持久化模式</a:t>
-            </a:r>
-            <a:endParaRPr lang="en-US" altLang="zh-CN" dirty="0">
-              <a:solidFill>
-                <a:schemeClr val="accent1"/>
-              </a:solidFill>
-            </a:endParaRPr>
-          </a:p>
-          <a:p>
-            <a:pPr marL="228600" indent="-228600">
-              <a:buFont typeface="+mj-lt"/>
-              <a:buAutoNum type="alphaLcPeriod"/>
-            </a:pPr>
-            <a:r>
-              <a:rPr lang="en-US" altLang="zh-CN" sz="1200" b="1" dirty="0"/>
-              <a:t>Period</a:t>
-            </a:r>
-            <a:r>
-              <a:rPr lang="zh-CN" altLang="en-US" sz="1200" b="1" dirty="0"/>
-              <a:t>：</a:t>
-            </a:r>
-            <a:r>
-              <a:rPr lang="en-US" altLang="zh-CN" sz="1200" b="1" dirty="0"/>
-              <a:t> </a:t>
-            </a:r>
-            <a:r>
-              <a:rPr lang="zh-CN" altLang="zh-CN" sz="1200" dirty="0"/>
-              <a:t>定时保存修改到后端数据库，如果保存前进程异常退出，修改会丢失，相当于上一次保存以来的所有事务回滚，数据不会被破坏。</a:t>
-            </a:r>
-          </a:p>
-          <a:p>
-            <a:pPr marL="228600" indent="-228600">
-              <a:buFont typeface="+mj-lt"/>
-              <a:buAutoNum type="alphaLcPeriod"/>
-            </a:pPr>
-            <a:r>
-              <a:rPr lang="en-US" altLang="zh-CN" sz="1200" b="1" dirty="0"/>
-              <a:t>Immediately</a:t>
-            </a:r>
-            <a:r>
-              <a:rPr lang="zh-CN" altLang="en-US" sz="1200" b="1" dirty="0"/>
-              <a:t>：</a:t>
-            </a:r>
-            <a:r>
-              <a:rPr lang="en-US" altLang="zh-CN" sz="1200" b="1" dirty="0"/>
-              <a:t> </a:t>
-            </a:r>
-            <a:r>
-              <a:rPr lang="zh-CN" altLang="zh-CN" sz="1200" dirty="0"/>
-              <a:t>事务提交的时候马上保存到后端数据库。</a:t>
-            </a:r>
-          </a:p>
-          <a:p>
-            <a:pPr marL="228600" indent="-228600">
-              <a:buFont typeface="+mj-lt"/>
-              <a:buAutoNum type="alphaLcPeriod"/>
-            </a:pPr>
-            <a:r>
-              <a:rPr lang="en-US" altLang="zh-CN" sz="1200" b="1" dirty="0"/>
-              <a:t>Table</a:t>
-            </a:r>
-            <a:r>
-              <a:rPr lang="zh-CN" altLang="en-US" sz="1200" b="1" dirty="0"/>
-              <a:t>：</a:t>
-            </a:r>
-            <a:r>
-              <a:rPr lang="en-US" altLang="zh-CN" sz="1200" b="1" dirty="0"/>
-              <a:t> </a:t>
-            </a:r>
-            <a:r>
-              <a:rPr lang="zh-CN" altLang="zh-CN" sz="1200" dirty="0"/>
-              <a:t>可以选择部份表，当事务包含这些表时会马上保存，否则定时保存 </a:t>
-            </a:r>
-          </a:p>
-        </p:txBody>
-      </p:sp>
-      <p:sp>
-        <p:nvSpPr>
-          <p:cNvPr id="12" name="文本框 11">
-            <a:extLst>
-              <a:ext uri="{FF2B5EF4-FFF2-40B4-BE49-F238E27FC236}">
-                <a16:creationId xmlns:a16="http://schemas.microsoft.com/office/drawing/2014/main" id="{13EA5AC5-C184-FC41-80D9-156FBCC8839D}"/>
-              </a:ext>
-            </a:extLst>
-          </p:cNvPr>
-          <p:cNvSpPr txBox="1"/>
-          <p:nvPr/>
-        </p:nvSpPr>
-        <p:spPr>
-          <a:xfrm>
-            <a:off x="4857407" y="3260178"/>
-            <a:ext cx="4215585" cy="753220"/>
-          </a:xfrm>
-          <a:prstGeom prst="rect">
-            <a:avLst/>
-          </a:prstGeom>
-          <a:noFill/>
-          <a:ln w="12700">
-            <a:solidFill>
-              <a:schemeClr val="accent1"/>
-            </a:solidFill>
-            <a:prstDash val="dash"/>
-          </a:ln>
-        </p:spPr>
-        <p:txBody>
-          <a:bodyPr wrap="square" rtlCol="0">
-            <a:spAutoFit/>
-          </a:bodyPr>
-          <a:lstStyle/>
-          <a:p>
-            <a:pPr>
-              <a:lnSpc>
-                <a:spcPct val="150000"/>
-              </a:lnSpc>
-            </a:pPr>
-            <a:r>
-              <a:rPr lang="en-US" altLang="zh-CN" dirty="0">
-                <a:solidFill>
-                  <a:schemeClr val="accent1"/>
-                </a:solidFill>
-              </a:rPr>
-              <a:t>4.</a:t>
-            </a:r>
-            <a:r>
-              <a:rPr lang="zh-CN" altLang="en-US" dirty="0">
-                <a:solidFill>
-                  <a:schemeClr val="accent1"/>
-                </a:solidFill>
-              </a:rPr>
-              <a:t> </a:t>
-            </a:r>
-            <a:r>
-              <a:rPr lang="en-US" altLang="zh-CN" dirty="0" err="1">
-                <a:solidFill>
-                  <a:schemeClr val="accent1"/>
-                </a:solidFill>
-              </a:rPr>
-              <a:t>CheckpointMode.Table</a:t>
-            </a:r>
-            <a:endParaRPr lang="en-US" altLang="zh-CN" dirty="0">
-              <a:solidFill>
-                <a:schemeClr val="accent1"/>
-              </a:solidFill>
-            </a:endParaRPr>
-          </a:p>
-          <a:p>
-            <a:pPr>
-              <a:lnSpc>
-                <a:spcPct val="150000"/>
-              </a:lnSpc>
-            </a:pPr>
-            <a:r>
-              <a:rPr lang="zh-CN" altLang="en-US" sz="1200" dirty="0"/>
-              <a:t>关联记录集合</a:t>
-            </a:r>
-            <a:r>
-              <a:rPr lang="zh-CN" altLang="zh-CN" sz="1200" dirty="0"/>
-              <a:t> </a:t>
-            </a:r>
-          </a:p>
-        </p:txBody>
-      </p:sp>
-    </p:spTree>
-    <p:extLst>
-      <p:ext uri="{BB962C8B-B14F-4D97-AF65-F5344CB8AC3E}">
-        <p14:creationId xmlns:p14="http://schemas.microsoft.com/office/powerpoint/2010/main" val="1631298091"/>
-      </p:ext>
-    </p:extLst>
-  </p:cSld>
-  <p:clrMapOvr>
-    <a:masterClrMapping/>
-  </p:clrMapOvr>
-  <mc:AlternateContent xmlns:mc="http://schemas.openxmlformats.org/markup-compatibility/2006" xmlns:p14="http://schemas.microsoft.com/office/powerpoint/2010/main">
-    <mc:Choice Requires="p14">
-      <p:transition p14:dur="10" advTm="0"/>
-    </mc:Choice>
-    <mc:Fallback xmlns="">
-      <p:transition advTm="0"/>
-    </mc:Fallback>
-  </mc:AlternateContent>
-</p:sld>
-</file>
-
-<file path=ppt/slides/slide17.xml><?xml version="1.0" encoding="utf-8"?>
-<p:sld xmlns:a="http://schemas.openxmlformats.org/drawingml/2006/main" xmlns:r="http://schemas.openxmlformats.org/officeDocument/2006/relationships" xmlns:p="http://schemas.openxmlformats.org/presentationml/2006/main">
-  <p:cSld>
-    <p:spTree>
-      <p:nvGrpSpPr>
-        <p:cNvPr id="1" name=""/>
-        <p:cNvGrpSpPr/>
-        <p:nvPr/>
-      </p:nvGrpSpPr>
-      <p:grpSpPr>
-        <a:xfrm>
-          <a:off x="0" y="0"/>
-          <a:ext cx="0" cy="0"/>
-          <a:chOff x="0" y="0"/>
-          <a:chExt cx="0" cy="0"/>
-        </a:xfrm>
-      </p:grpSpPr>
-      <p:sp>
-        <p:nvSpPr>
-          <p:cNvPr id="3" name="Title 1"/>
-          <p:cNvSpPr txBox="1">
-            <a:spLocks/>
-          </p:cNvSpPr>
-          <p:nvPr/>
-        </p:nvSpPr>
-        <p:spPr>
-          <a:xfrm>
-            <a:off x="857880" y="200199"/>
-            <a:ext cx="3066048" cy="379477"/>
-          </a:xfrm>
-          <a:prstGeom prst="rect">
-            <a:avLst/>
-          </a:prstGeom>
-        </p:spPr>
-        <p:txBody>
-          <a:bodyPr lIns="0" rIns="0" anchor="ctr">
-            <a:noAutofit/>
-          </a:bodyPr>
-          <a:lstStyle>
-            <a:lvl1pPr algn="ctr" defTabSz="914400" rtl="0" eaLnBrk="1" latinLnBrk="0" hangingPunct="1">
-              <a:spcBef>
-                <a:spcPct val="0"/>
-              </a:spcBef>
-              <a:buNone/>
-              <a:defRPr sz="3000" b="0" kern="1200">
-                <a:solidFill>
-                  <a:schemeClr val="accent1"/>
-                </a:solidFill>
-                <a:latin typeface="U.S. 101" pitchFamily="2" charset="0"/>
-                <a:ea typeface="Roboto" pitchFamily="2" charset="0"/>
-                <a:cs typeface="Open Sans Light" panose="020B0306030504020204" pitchFamily="34" charset="0"/>
-              </a:defRPr>
-            </a:lvl1pPr>
-          </a:lstStyle>
-          <a:p>
-            <a:endParaRPr lang="zh-CN" altLang="zh-CN" sz="1800" b="1" dirty="0"/>
-          </a:p>
-        </p:txBody>
-      </p:sp>
-      <p:sp>
-        <p:nvSpPr>
-          <p:cNvPr id="4" name="文本框 3">
-            <a:extLst>
-              <a:ext uri="{FF2B5EF4-FFF2-40B4-BE49-F238E27FC236}">
-                <a16:creationId xmlns:a16="http://schemas.microsoft.com/office/drawing/2014/main" id="{4FEA1026-D6D5-EA4C-B5E5-EE2DF4B55C1E}"/>
-              </a:ext>
-            </a:extLst>
-          </p:cNvPr>
-          <p:cNvSpPr txBox="1"/>
-          <p:nvPr/>
-        </p:nvSpPr>
-        <p:spPr>
-          <a:xfrm>
-            <a:off x="99621" y="729914"/>
-            <a:ext cx="8000771" cy="4481355"/>
-          </a:xfrm>
-          <a:prstGeom prst="rect">
-            <a:avLst/>
-          </a:prstGeom>
-          <a:noFill/>
-          <a:ln w="12700">
-            <a:solidFill>
-              <a:schemeClr val="accent1"/>
-            </a:solidFill>
-            <a:prstDash val="dash"/>
-          </a:ln>
-        </p:spPr>
-        <p:txBody>
-          <a:bodyPr wrap="square" rtlCol="0">
-            <a:spAutoFit/>
-          </a:bodyPr>
-          <a:lstStyle/>
-          <a:p>
-            <a:pPr>
-              <a:lnSpc>
-                <a:spcPct val="150000"/>
-              </a:lnSpc>
-            </a:pPr>
-            <a:r>
-              <a:rPr lang="zh-CN" altLang="zh-CN" b="1" dirty="0"/>
-              <a:t>既然叫框架，总有点其他东西。</a:t>
-            </a:r>
-          </a:p>
-          <a:p>
-            <a:pPr marL="342900" indent="-342900">
-              <a:lnSpc>
-                <a:spcPct val="150000"/>
-              </a:lnSpc>
-              <a:buFont typeface="+mj-lt"/>
-              <a:buAutoNum type="arabicPeriod"/>
-            </a:pPr>
-            <a:r>
-              <a:rPr lang="zh-CN" altLang="zh-CN" b="1" dirty="0"/>
-              <a:t>网络库</a:t>
-            </a:r>
-          </a:p>
-          <a:p>
-            <a:pPr marL="742950" lvl="1" indent="-285750">
-              <a:buFont typeface="Wingdings" pitchFamily="2" charset="2"/>
-              <a:buChar char="Ø"/>
-            </a:pPr>
-            <a:r>
-              <a:rPr lang="en-US" altLang="zh-CN" dirty="0"/>
-              <a:t>   </a:t>
-            </a:r>
-            <a:r>
-              <a:rPr lang="zh-CN" altLang="zh-CN" dirty="0"/>
-              <a:t>加密压缩。</a:t>
-            </a:r>
-          </a:p>
-          <a:p>
-            <a:pPr marL="742950" lvl="1" indent="-285750">
-              <a:buFont typeface="Wingdings" pitchFamily="2" charset="2"/>
-              <a:buChar char="Ø"/>
-            </a:pPr>
-            <a:r>
-              <a:rPr lang="en-US" altLang="zh-CN" dirty="0"/>
-              <a:t>   cxx client</a:t>
-            </a:r>
-            <a:endParaRPr lang="zh-CN" altLang="zh-CN" dirty="0"/>
-          </a:p>
-          <a:p>
-            <a:pPr marL="742950" lvl="1" indent="-285750">
-              <a:buFont typeface="Wingdings" pitchFamily="2" charset="2"/>
-              <a:buChar char="Ø"/>
-            </a:pPr>
-            <a:r>
-              <a:rPr lang="en-US" altLang="zh-CN" dirty="0"/>
-              <a:t>   </a:t>
-            </a:r>
-            <a:r>
-              <a:rPr lang="en-US" altLang="zh-CN" dirty="0" err="1"/>
-              <a:t>c#</a:t>
-            </a:r>
-            <a:r>
-              <a:rPr lang="en-US" altLang="zh-CN" dirty="0"/>
-              <a:t> </a:t>
-            </a:r>
-            <a:r>
-              <a:rPr lang="en-US" altLang="zh-CN" dirty="0" err="1"/>
-              <a:t>client+server</a:t>
-            </a:r>
-            <a:endParaRPr lang="zh-CN" altLang="zh-CN" dirty="0"/>
-          </a:p>
-          <a:p>
-            <a:pPr marL="742950" lvl="1" indent="-285750">
-              <a:buFont typeface="Wingdings" pitchFamily="2" charset="2"/>
-              <a:buChar char="Ø"/>
-            </a:pPr>
-            <a:r>
-              <a:rPr lang="en-US" altLang="zh-CN" dirty="0"/>
-              <a:t>   java server</a:t>
-            </a:r>
-            <a:endParaRPr lang="zh-CN" altLang="zh-CN" dirty="0"/>
-          </a:p>
-          <a:p>
-            <a:pPr marL="342900" indent="-342900">
-              <a:lnSpc>
-                <a:spcPct val="150000"/>
-              </a:lnSpc>
-              <a:buFont typeface="+mj-lt"/>
-              <a:buAutoNum type="arabicPeriod"/>
-            </a:pPr>
-            <a:r>
-              <a:rPr lang="zh-CN" altLang="zh-CN" b="1" dirty="0"/>
-              <a:t>客户端支持</a:t>
-            </a:r>
-          </a:p>
-          <a:p>
-            <a:pPr marL="742950" lvl="1" indent="-285750">
-              <a:buFont typeface="Wingdings" pitchFamily="2" charset="2"/>
-              <a:buChar char="Ø"/>
-            </a:pPr>
-            <a:r>
-              <a:rPr lang="en-US" altLang="zh-CN" dirty="0"/>
-              <a:t>   </a:t>
-            </a:r>
-            <a:r>
-              <a:rPr lang="en-US" altLang="zh-CN" dirty="0" err="1"/>
-              <a:t>cxx+lua</a:t>
-            </a:r>
-            <a:r>
-              <a:rPr lang="en-US" altLang="zh-CN" dirty="0"/>
-              <a:t> </a:t>
-            </a:r>
-            <a:r>
-              <a:rPr lang="zh-CN" altLang="zh-CN" dirty="0"/>
-              <a:t>对标</a:t>
-            </a:r>
-            <a:r>
-              <a:rPr lang="en-US" altLang="zh-CN" dirty="0"/>
-              <a:t>unreal</a:t>
-            </a:r>
-            <a:endParaRPr lang="zh-CN" altLang="zh-CN" dirty="0"/>
-          </a:p>
-          <a:p>
-            <a:pPr marL="742950" lvl="1" indent="-285750">
-              <a:buFont typeface="Wingdings" pitchFamily="2" charset="2"/>
-              <a:buChar char="Ø"/>
-            </a:pPr>
-            <a:r>
-              <a:rPr lang="en-US" altLang="zh-CN" dirty="0"/>
-              <a:t>   c#+</a:t>
-            </a:r>
-            <a:r>
-              <a:rPr lang="en-US" altLang="zh-CN" dirty="0" err="1"/>
-              <a:t>lua</a:t>
-            </a:r>
-            <a:r>
-              <a:rPr lang="en-US" altLang="zh-CN" dirty="0"/>
-              <a:t>  </a:t>
-            </a:r>
-            <a:r>
-              <a:rPr lang="zh-CN" altLang="zh-CN" dirty="0"/>
-              <a:t>对标</a:t>
-            </a:r>
-            <a:r>
-              <a:rPr lang="en-US" altLang="zh-CN" dirty="0"/>
-              <a:t>unity</a:t>
-            </a:r>
-            <a:endParaRPr lang="zh-CN" altLang="zh-CN" dirty="0"/>
-          </a:p>
-          <a:p>
-            <a:pPr marL="742950" lvl="1" indent="-285750">
-              <a:buFont typeface="Wingdings" pitchFamily="2" charset="2"/>
-              <a:buChar char="Ø"/>
-            </a:pPr>
-            <a:r>
-              <a:rPr lang="en-US" altLang="zh-CN" dirty="0"/>
-              <a:t>   </a:t>
-            </a:r>
-            <a:r>
-              <a:rPr lang="en-US" altLang="zh-CN" dirty="0" err="1"/>
-              <a:t>puerts+tx</a:t>
-            </a:r>
-            <a:r>
-              <a:rPr lang="en-US" altLang="zh-CN" dirty="0"/>
-              <a:t> unreal</a:t>
-            </a:r>
-            <a:r>
-              <a:rPr lang="zh-CN" altLang="zh-CN" dirty="0"/>
-              <a:t>、</a:t>
-            </a:r>
-            <a:r>
-              <a:rPr lang="en-US" altLang="zh-CN" dirty="0"/>
-              <a:t>unity</a:t>
-            </a:r>
-            <a:endParaRPr lang="zh-CN" altLang="zh-CN" dirty="0"/>
-          </a:p>
-          <a:p>
-            <a:pPr marL="342900" indent="-342900">
-              <a:lnSpc>
-                <a:spcPct val="150000"/>
-              </a:lnSpc>
-              <a:buFont typeface="+mj-lt"/>
-              <a:buAutoNum type="arabicPeriod"/>
-            </a:pPr>
-            <a:r>
-              <a:rPr lang="en-US" altLang="zh-CN" b="1" dirty="0"/>
-              <a:t> </a:t>
-            </a:r>
-            <a:r>
-              <a:rPr lang="zh-CN" altLang="zh-CN" b="1" dirty="0"/>
-              <a:t>日志</a:t>
-            </a:r>
-          </a:p>
-          <a:p>
-            <a:pPr marL="342900" indent="-342900">
-              <a:lnSpc>
-                <a:spcPct val="150000"/>
-              </a:lnSpc>
-              <a:buFont typeface="+mj-lt"/>
-              <a:buAutoNum type="arabicPeriod"/>
-            </a:pPr>
-            <a:r>
-              <a:rPr lang="en-US" altLang="zh-CN" b="1" dirty="0"/>
-              <a:t> </a:t>
-            </a:r>
-            <a:r>
-              <a:rPr lang="zh-CN" altLang="zh-CN" b="1" dirty="0"/>
-              <a:t>统计 </a:t>
-            </a:r>
-            <a:endParaRPr lang="en-US" altLang="zh-CN" b="1" dirty="0"/>
-          </a:p>
-          <a:p>
-            <a:pPr marL="342900" indent="-342900">
-              <a:lnSpc>
-                <a:spcPct val="150000"/>
-              </a:lnSpc>
-              <a:buFont typeface="+mj-lt"/>
-              <a:buAutoNum type="arabicPeriod"/>
-            </a:pPr>
-            <a:r>
-              <a:rPr lang="zh-CN" altLang="en-US" b="1" dirty="0"/>
-              <a:t>通用错误处理</a:t>
-            </a:r>
-            <a:endParaRPr lang="zh-CN" altLang="zh-CN" b="1" dirty="0"/>
-          </a:p>
-        </p:txBody>
-      </p:sp>
-      <p:sp>
-        <p:nvSpPr>
-          <p:cNvPr id="5" name="Title 1">
-            <a:extLst>
-              <a:ext uri="{FF2B5EF4-FFF2-40B4-BE49-F238E27FC236}">
-                <a16:creationId xmlns:a16="http://schemas.microsoft.com/office/drawing/2014/main" id="{6B688A40-FF68-A14E-8A35-2CBB894FBA95}"/>
-              </a:ext>
-            </a:extLst>
-          </p:cNvPr>
-          <p:cNvSpPr txBox="1">
-            <a:spLocks/>
-          </p:cNvSpPr>
-          <p:nvPr/>
-        </p:nvSpPr>
-        <p:spPr>
-          <a:xfrm>
-            <a:off x="857880" y="200199"/>
-            <a:ext cx="3930144" cy="379477"/>
-          </a:xfrm>
-          <a:prstGeom prst="rect">
-            <a:avLst/>
-          </a:prstGeom>
-        </p:spPr>
-        <p:txBody>
-          <a:bodyPr lIns="0" rIns="0" anchor="ctr">
-            <a:noAutofit/>
-          </a:bodyPr>
-          <a:lstStyle>
-            <a:lvl1pPr algn="ctr" defTabSz="914400" rtl="0" eaLnBrk="1" latinLnBrk="0" hangingPunct="1">
-              <a:spcBef>
-                <a:spcPct val="0"/>
-              </a:spcBef>
-              <a:buNone/>
-              <a:defRPr sz="3000" b="0" kern="1200">
-                <a:solidFill>
-                  <a:schemeClr val="accent1"/>
-                </a:solidFill>
-                <a:latin typeface="U.S. 101" pitchFamily="2" charset="0"/>
-                <a:ea typeface="Roboto" pitchFamily="2" charset="0"/>
-                <a:cs typeface="Open Sans Light" panose="020B0306030504020204" pitchFamily="34" charset="0"/>
-              </a:defRPr>
-            </a:lvl1pPr>
-          </a:lstStyle>
-          <a:p>
-            <a:pPr algn="l"/>
-            <a:r>
-              <a:rPr lang="en-US" altLang="zh-CN" sz="1800" b="1" dirty="0" err="1">
-                <a:solidFill>
-                  <a:schemeClr val="tx1">
-                    <a:lumMod val="75000"/>
-                    <a:lumOff val="25000"/>
-                  </a:schemeClr>
-                </a:solidFill>
-                <a:latin typeface="微软雅黑" panose="020B0503020204020204" pitchFamily="34" charset="-122"/>
-                <a:ea typeface="微软雅黑" panose="020B0503020204020204" pitchFamily="34" charset="-122"/>
-              </a:rPr>
-              <a:t>Zeze</a:t>
-            </a:r>
-            <a:r>
-              <a:rPr lang="zh-CN" altLang="en-US" sz="1800" b="1" dirty="0">
-                <a:solidFill>
-                  <a:schemeClr val="tx1">
-                    <a:lumMod val="75000"/>
-                    <a:lumOff val="25000"/>
-                  </a:schemeClr>
-                </a:solidFill>
-                <a:latin typeface="微软雅黑" panose="020B0503020204020204" pitchFamily="34" charset="-122"/>
-                <a:ea typeface="微软雅黑" panose="020B0503020204020204" pitchFamily="34" charset="-122"/>
-              </a:rPr>
-              <a:t> </a:t>
-            </a:r>
-            <a:r>
-              <a:rPr lang="en-US" altLang="zh-CN" sz="1800" b="1" dirty="0">
-                <a:solidFill>
-                  <a:schemeClr val="tx1">
-                    <a:lumMod val="75000"/>
-                    <a:lumOff val="25000"/>
-                  </a:schemeClr>
-                </a:solidFill>
-                <a:latin typeface="微软雅黑" panose="020B0503020204020204" pitchFamily="34" charset="-122"/>
-                <a:ea typeface="微软雅黑" panose="020B0503020204020204" pitchFamily="34" charset="-122"/>
-              </a:rPr>
-              <a:t>–</a:t>
-            </a:r>
-            <a:r>
-              <a:rPr lang="zh-CN" altLang="en-US" sz="1800" b="1" dirty="0">
-                <a:solidFill>
-                  <a:schemeClr val="tx1">
-                    <a:lumMod val="75000"/>
-                    <a:lumOff val="25000"/>
-                  </a:schemeClr>
-                </a:solidFill>
-                <a:latin typeface="微软雅黑" panose="020B0503020204020204" pitchFamily="34" charset="-122"/>
-                <a:ea typeface="微软雅黑" panose="020B0503020204020204" pitchFamily="34" charset="-122"/>
-              </a:rPr>
               <a:t> 框架</a:t>
             </a:r>
             <a:endParaRPr lang="en-GB" altLang="zh-CN" sz="1800" b="1" dirty="0">
@@ -15746,7 +15607,7 @@
 </p:sld>
 </file>
 
-<file path=ppt/slides/slide18.xml><?xml version="1.0" encoding="utf-8"?>
+<file path=ppt/slides/slide17.xml><?xml version="1.0" encoding="utf-8"?>
 <p:sld xmlns:a="http://schemas.openxmlformats.org/drawingml/2006/main" xmlns:r="http://schemas.openxmlformats.org/officeDocument/2006/relationships" xmlns:p="http://schemas.openxmlformats.org/presentationml/2006/main">
   <p:cSld>
     <p:spTree>
@@ -19256,67 +19117,6 @@
       </p:grpSp>
       <p:sp>
         <p:nvSpPr>
-          <p:cNvPr id="2" name="矩形 1">
-            <a:extLst>
-              <a:ext uri="{FF2B5EF4-FFF2-40B4-BE49-F238E27FC236}">
-                <a16:creationId xmlns:a16="http://schemas.microsoft.com/office/drawing/2014/main" id="{BEB6D107-4CF7-43BF-B638-9A27E2143B41}"/>
-              </a:ext>
-            </a:extLst>
-          </p:cNvPr>
-          <p:cNvSpPr/>
-          <p:nvPr/>
-        </p:nvSpPr>
-        <p:spPr>
-          <a:xfrm>
-            <a:off x="0" y="3776085"/>
-            <a:ext cx="9065418" cy="648072"/>
-          </a:xfrm>
-          <a:prstGeom prst="rect">
-            <a:avLst/>
-          </a:prstGeom>
-        </p:spPr>
-        <p:style>
-          <a:lnRef idx="2">
-            <a:schemeClr val="accent2">
-              <a:shade val="50000"/>
-            </a:schemeClr>
-          </a:lnRef>
-          <a:fillRef idx="1">
-            <a:schemeClr val="accent2"/>
-          </a:fillRef>
-          <a:effectRef idx="0">
-            <a:schemeClr val="accent2"/>
-          </a:effectRef>
-          <a:fontRef idx="minor">
-            <a:schemeClr val="lt1"/>
-          </a:fontRef>
-        </p:style>
-        <p:txBody>
-          <a:bodyPr rtlCol="0" anchor="ctr"/>
-          <a:lstStyle/>
-          <a:p>
-            <a:pPr algn="ctr"/>
-            <a:r>
-              <a:rPr lang="zh-CN" altLang="en-US" dirty="0">
-                <a:ln w="0"/>
-                <a:solidFill>
-                  <a:schemeClr val="tx1"/>
-                </a:solidFill>
-                <a:effectLst>
-                  <a:outerShdw blurRad="38100" dist="19050" dir="2700000" algn="tl" rotWithShape="0">
-                    <a:schemeClr val="dk1">
-                      <a:alpha val="40000"/>
-                    </a:schemeClr>
-                  </a:outerShdw>
-                </a:effectLst>
-              </a:rPr>
-              <a:t>完美元宇宙招聘：</a:t>
-            </a:r>
-          </a:p>
-        </p:txBody>
-      </p:sp>
-      <p:sp>
-        <p:nvSpPr>
           <p:cNvPr id="22" name="矩形 21">
             <a:extLst>
               <a:ext uri="{FF2B5EF4-FFF2-40B4-BE49-F238E27FC236}">
@@ -19422,22 +19222,6 @@
               <a:t>ByteBuffer</a:t>
             </a:r>
             <a:r>
-              <a:rPr lang="zh-CN" altLang="en-US">
-                <a:ln w="0"/>
-                <a:solidFill>
-                  <a:schemeClr val="tx1"/>
-                </a:solidFill>
-                <a:effectLst>
-                  <a:outerShdw blurRad="38100" dist="19050" dir="2700000" algn="tl" rotWithShape="0">
-                    <a:schemeClr val="dk1">
-                      <a:alpha val="40000"/>
-                    </a:schemeClr>
-                  </a:outerShdw>
-                </a:effectLst>
-              </a:rPr>
-              <a:t>代码来自</a:t>
-            </a:r>
-            <a:r>
               <a:rPr lang="zh-CN" altLang="en-US" dirty="0">
                 <a:ln w="0"/>
                 <a:solidFill>
@@ -19451,7 +19235,7 @@
                   </a:outerShdw>
                 </a:effectLst>
               </a:rPr>
-              <a:t>完美前员工（现途游）黄强同学。</a:t>
+              <a:t>代码来自完美前员工（现途游）黄强同学。</a:t>
             </a:r>
             <a:endParaRPr lang="en-US" altLang="zh-CN" dirty="0">
               <a:ln w="0"/>
@@ -25215,246 +24999,6 @@
           </a:p>
         </p:txBody>
       </p:sp>
-      <p:cxnSp>
-        <p:nvCxnSpPr>
-          <p:cNvPr id="41" name="直接箭头连接符 7">
-            <a:extLst>
-              <a:ext uri="{FF2B5EF4-FFF2-40B4-BE49-F238E27FC236}">
-                <a16:creationId xmlns:a16="http://schemas.microsoft.com/office/drawing/2014/main" id="{F404AA4F-92A5-6540-B12B-955048FC08DB}"/>
-              </a:ext>
-            </a:extLst>
-          </p:cNvPr>
-          <p:cNvCxnSpPr/>
-          <p:nvPr/>
-        </p:nvCxnSpPr>
-        <p:spPr>
-          <a:xfrm>
-            <a:off x="1909123" y="8219455"/>
-            <a:ext cx="200025" cy="204470"/>
-          </a:xfrm>
-          <a:prstGeom prst="straightConnector1">
-            <a:avLst/>
-          </a:prstGeom>
-          <a:ln>
-            <a:headEnd type="triangle"/>
-            <a:tailEnd type="triangle"/>
-          </a:ln>
-        </p:spPr>
-        <p:style>
-          <a:lnRef idx="1">
-            <a:schemeClr val="accent1"/>
-          </a:lnRef>
-          <a:fillRef idx="0">
-            <a:schemeClr val="accent1"/>
-          </a:fillRef>
-          <a:effectRef idx="0">
-            <a:schemeClr val="accent1"/>
-          </a:effectRef>
-          <a:fontRef idx="minor">
-            <a:schemeClr val="tx1"/>
-          </a:fontRef>
-        </p:style>
-      </p:cxnSp>
-      <p:cxnSp>
-        <p:nvCxnSpPr>
-          <p:cNvPr id="42" name="直接箭头连接符 8">
-            <a:extLst>
-              <a:ext uri="{FF2B5EF4-FFF2-40B4-BE49-F238E27FC236}">
-                <a16:creationId xmlns:a16="http://schemas.microsoft.com/office/drawing/2014/main" id="{347F09EE-5DEC-2D41-87D6-3FE8430FF875}"/>
-              </a:ext>
-            </a:extLst>
-          </p:cNvPr>
-          <p:cNvCxnSpPr/>
-          <p:nvPr/>
-        </p:nvCxnSpPr>
-        <p:spPr>
-          <a:xfrm flipH="1">
-            <a:off x="3423598" y="8228345"/>
-            <a:ext cx="114300" cy="195580"/>
-          </a:xfrm>
-          <a:prstGeom prst="straightConnector1">
-            <a:avLst/>
-          </a:prstGeom>
-          <a:ln>
-            <a:headEnd type="triangle"/>
-            <a:tailEnd type="triangle"/>
-          </a:ln>
-        </p:spPr>
-        <p:style>
-          <a:lnRef idx="1">
-            <a:schemeClr val="accent1"/>
-          </a:lnRef>
-          <a:fillRef idx="0">
-            <a:schemeClr val="accent1"/>
-          </a:fillRef>
-          <a:effectRef idx="0">
-            <a:schemeClr val="accent1"/>
-          </a:effectRef>
-          <a:fontRef idx="minor">
-            <a:schemeClr val="tx1"/>
-          </a:fontRef>
-        </p:style>
-      </p:cxnSp>
-      <p:cxnSp>
-        <p:nvCxnSpPr>
-          <p:cNvPr id="43" name="直接箭头连接符 9">
-            <a:extLst>
-              <a:ext uri="{FF2B5EF4-FFF2-40B4-BE49-F238E27FC236}">
-                <a16:creationId xmlns:a16="http://schemas.microsoft.com/office/drawing/2014/main" id="{1AD8F4D6-CB6F-4C46-BC6A-DDDFF2614404}"/>
-              </a:ext>
-            </a:extLst>
-          </p:cNvPr>
-          <p:cNvCxnSpPr/>
-          <p:nvPr/>
-        </p:nvCxnSpPr>
-        <p:spPr>
-          <a:xfrm>
-            <a:off x="1961193" y="8228980"/>
-            <a:ext cx="1438275" cy="166370"/>
-          </a:xfrm>
-          <a:prstGeom prst="straightConnector1">
-            <a:avLst/>
-          </a:prstGeom>
-          <a:ln>
-            <a:headEnd type="triangle"/>
-            <a:tailEnd type="triangle"/>
-          </a:ln>
-        </p:spPr>
-        <p:style>
-          <a:lnRef idx="1">
-            <a:schemeClr val="accent1"/>
-          </a:lnRef>
-          <a:fillRef idx="0">
-            <a:schemeClr val="accent1"/>
-          </a:fillRef>
-          <a:effectRef idx="0">
-            <a:schemeClr val="accent1"/>
-          </a:effectRef>
-          <a:fontRef idx="minor">
-            <a:schemeClr val="tx1"/>
-          </a:fontRef>
-        </p:style>
-      </p:cxnSp>
-      <p:cxnSp>
-        <p:nvCxnSpPr>
-          <p:cNvPr id="44" name="直接箭头连接符 10">
-            <a:extLst>
-              <a:ext uri="{FF2B5EF4-FFF2-40B4-BE49-F238E27FC236}">
-                <a16:creationId xmlns:a16="http://schemas.microsoft.com/office/drawing/2014/main" id="{DE4C91DB-6E7A-C140-9BD9-AD87CACFC676}"/>
-              </a:ext>
-            </a:extLst>
-          </p:cNvPr>
-          <p:cNvCxnSpPr/>
-          <p:nvPr/>
-        </p:nvCxnSpPr>
-        <p:spPr>
-          <a:xfrm flipH="1">
-            <a:off x="2109148" y="8228980"/>
-            <a:ext cx="1371600" cy="147320"/>
-          </a:xfrm>
-          <a:prstGeom prst="straightConnector1">
-            <a:avLst/>
-          </a:prstGeom>
-          <a:ln>
-            <a:headEnd type="triangle"/>
-            <a:tailEnd type="triangle"/>
-          </a:ln>
-        </p:spPr>
-        <p:style>
-          <a:lnRef idx="1">
-            <a:schemeClr val="accent1"/>
-          </a:lnRef>
-          <a:fillRef idx="0">
-            <a:schemeClr val="accent1"/>
-          </a:fillRef>
-          <a:effectRef idx="0">
-            <a:schemeClr val="accent1"/>
-          </a:effectRef>
-          <a:fontRef idx="minor">
-            <a:schemeClr val="tx1"/>
-          </a:fontRef>
-        </p:style>
-      </p:cxnSp>
-      <p:cxnSp>
-        <p:nvCxnSpPr>
-          <p:cNvPr id="45" name="直接箭头连接符 11">
-            <a:extLst>
-              <a:ext uri="{FF2B5EF4-FFF2-40B4-BE49-F238E27FC236}">
-                <a16:creationId xmlns:a16="http://schemas.microsoft.com/office/drawing/2014/main" id="{7209467F-4D42-CF45-BE47-1F317E732FD3}"/>
-              </a:ext>
-            </a:extLst>
-          </p:cNvPr>
-          <p:cNvCxnSpPr/>
-          <p:nvPr/>
-        </p:nvCxnSpPr>
-        <p:spPr>
-          <a:xfrm>
-            <a:off x="2185348" y="8686180"/>
-            <a:ext cx="661670" cy="194945"/>
-          </a:xfrm>
-          <a:prstGeom prst="straightConnector1">
-            <a:avLst/>
-          </a:prstGeom>
-          <a:ln>
-            <a:headEnd type="triangle"/>
-            <a:tailEnd type="triangle"/>
-          </a:ln>
-        </p:spPr>
-        <p:style>
-          <a:lnRef idx="1">
-            <a:schemeClr val="accent1"/>
-          </a:lnRef>
-          <a:fillRef idx="0">
-            <a:schemeClr val="accent1"/>
-          </a:fillRef>
-          <a:effectRef idx="0">
-            <a:schemeClr val="accent1"/>
-          </a:effectRef>
-          <a:fontRef idx="minor">
-            <a:schemeClr val="tx1"/>
-          </a:fontRef>
-        </p:style>
-      </p:cxnSp>
-      <p:cxnSp>
-        <p:nvCxnSpPr>
-          <p:cNvPr id="46" name="直接箭头连接符 12">
-            <a:extLst>
-              <a:ext uri="{FF2B5EF4-FFF2-40B4-BE49-F238E27FC236}">
-                <a16:creationId xmlns:a16="http://schemas.microsoft.com/office/drawing/2014/main" id="{4A2723C0-CF8F-184D-AD00-4713615DF39B}"/>
-              </a:ext>
-            </a:extLst>
-          </p:cNvPr>
-          <p:cNvCxnSpPr/>
-          <p:nvPr/>
-        </p:nvCxnSpPr>
-        <p:spPr>
-          <a:xfrm flipH="1">
-            <a:off x="2899723" y="8662050"/>
-            <a:ext cx="566420" cy="213995"/>
-          </a:xfrm>
-          <a:prstGeom prst="straightConnector1">
-            <a:avLst/>
-          </a:prstGeom>
-          <a:ln>
-            <a:headEnd type="triangle"/>
-            <a:tailEnd type="triangle"/>
-          </a:ln>
-        </p:spPr>
-        <p:style>
-          <a:lnRef idx="1">
-            <a:schemeClr val="accent1"/>
-          </a:lnRef>
-          <a:fillRef idx="0">
-            <a:schemeClr val="accent1"/>
-          </a:fillRef>
-          <a:effectRef idx="0">
-            <a:schemeClr val="accent1"/>
-          </a:effectRef>
-          <a:fontRef idx="minor">
-            <a:schemeClr val="tx1"/>
-          </a:fontRef>
-        </p:style>
-      </p:cxnSp>
       <p:sp>
         <p:nvSpPr>
           <p:cNvPr id="49" name="Rectangle 58">
@@ -25736,472 +25280,6 @@
 </file>
 
 <file path=ppt/slides/slide6.xml><?xml version="1.0" encoding="utf-8"?>
-<p:sld xmlns:a="http://schemas.openxmlformats.org/drawingml/2006/main" xmlns:r="http://schemas.openxmlformats.org/officeDocument/2006/relationships" xmlns:p="http://schemas.openxmlformats.org/presentationml/2006/main">
-  <p:cSld>
-    <p:spTree>
-      <p:nvGrpSpPr>
-        <p:cNvPr id="1" name=""/>
-        <p:cNvGrpSpPr/>
-        <p:nvPr/>
-      </p:nvGrpSpPr>
-      <p:grpSpPr>
-        <a:xfrm>
-          <a:off x="0" y="0"/>
-          <a:ext cx="0" cy="0"/>
-          <a:chOff x="0" y="0"/>
-          <a:chExt cx="0" cy="0"/>
-        </a:xfrm>
-      </p:grpSpPr>
-      <p:sp>
-        <p:nvSpPr>
-          <p:cNvPr id="3" name="Title 1"/>
-          <p:cNvSpPr txBox="1">
-            <a:spLocks/>
-          </p:cNvSpPr>
-          <p:nvPr/>
-        </p:nvSpPr>
-        <p:spPr>
-          <a:xfrm>
-            <a:off x="857880" y="200199"/>
-            <a:ext cx="2129944" cy="379477"/>
-          </a:xfrm>
-          <a:prstGeom prst="rect">
-            <a:avLst/>
-          </a:prstGeom>
-        </p:spPr>
-        <p:txBody>
-          <a:bodyPr lIns="0" rIns="0" anchor="ctr">
-            <a:noAutofit/>
-          </a:bodyPr>
-          <a:lstStyle>
-            <a:lvl1pPr algn="ctr" defTabSz="914400" rtl="0" eaLnBrk="1" latinLnBrk="0" hangingPunct="1">
-              <a:spcBef>
-                <a:spcPct val="0"/>
-              </a:spcBef>
-              <a:buNone/>
-              <a:defRPr sz="3000" b="0" kern="1200">
-                <a:solidFill>
-                  <a:schemeClr val="accent1"/>
-                </a:solidFill>
-                <a:latin typeface="U.S. 101" pitchFamily="2" charset="0"/>
-                <a:ea typeface="Roboto" pitchFamily="2" charset="0"/>
-                <a:cs typeface="Open Sans Light" panose="020B0306030504020204" pitchFamily="34" charset="0"/>
-              </a:defRPr>
-            </a:lvl1pPr>
-          </a:lstStyle>
-          <a:p>
-            <a:pPr algn="l"/>
-            <a:r>
-              <a:rPr lang="en-US" altLang="zh-CN" sz="1800" b="1" dirty="0">
-                <a:solidFill>
-                  <a:schemeClr val="tx1">
-                    <a:lumMod val="75000"/>
-                    <a:lumOff val="25000"/>
-                  </a:schemeClr>
-                </a:solidFill>
-                <a:latin typeface="微软雅黑" panose="020B0503020204020204" pitchFamily="34" charset="-122"/>
-                <a:ea typeface="微软雅黑" panose="020B0503020204020204" pitchFamily="34" charset="-122"/>
-              </a:rPr>
-              <a:t>What</a:t>
-            </a:r>
-            <a:r>
-              <a:rPr lang="zh-CN" altLang="en-US" sz="1800" b="1" dirty="0">
-                <a:solidFill>
-                  <a:schemeClr val="tx1">
-                    <a:lumMod val="75000"/>
-                    <a:lumOff val="25000"/>
-                  </a:schemeClr>
-                </a:solidFill>
-                <a:latin typeface="微软雅黑" panose="020B0503020204020204" pitchFamily="34" charset="-122"/>
-                <a:ea typeface="微软雅黑" panose="020B0503020204020204" pitchFamily="34" charset="-122"/>
-              </a:rPr>
-              <a:t> </a:t>
-            </a:r>
-            <a:r>
-              <a:rPr lang="en-US" altLang="zh-CN" sz="1800" b="1" dirty="0">
-                <a:solidFill>
-                  <a:schemeClr val="tx1">
-                    <a:lumMod val="75000"/>
-                    <a:lumOff val="25000"/>
-                  </a:schemeClr>
-                </a:solidFill>
-                <a:latin typeface="微软雅黑" panose="020B0503020204020204" pitchFamily="34" charset="-122"/>
-                <a:ea typeface="微软雅黑" panose="020B0503020204020204" pitchFamily="34" charset="-122"/>
-              </a:rPr>
-              <a:t>is</a:t>
-            </a:r>
-            <a:r>
-              <a:rPr lang="zh-CN" altLang="en-US" sz="1800" b="1" dirty="0">
-                <a:solidFill>
-                  <a:schemeClr val="tx1">
-                    <a:lumMod val="75000"/>
-                    <a:lumOff val="25000"/>
-                  </a:schemeClr>
-                </a:solidFill>
-                <a:latin typeface="微软雅黑" panose="020B0503020204020204" pitchFamily="34" charset="-122"/>
-                <a:ea typeface="微软雅黑" panose="020B0503020204020204" pitchFamily="34" charset="-122"/>
-              </a:rPr>
-              <a:t> </a:t>
-            </a:r>
-            <a:r>
-              <a:rPr lang="en-US" altLang="zh-CN" sz="1800" b="1" dirty="0" err="1">
-                <a:solidFill>
-                  <a:schemeClr val="tx1">
-                    <a:lumMod val="75000"/>
-                    <a:lumOff val="25000"/>
-                  </a:schemeClr>
-                </a:solidFill>
-                <a:latin typeface="微软雅黑" panose="020B0503020204020204" pitchFamily="34" charset="-122"/>
-                <a:ea typeface="微软雅黑" panose="020B0503020204020204" pitchFamily="34" charset="-122"/>
-              </a:rPr>
-              <a:t>Zeze</a:t>
-            </a:r>
-            <a:endParaRPr lang="en-GB" altLang="zh-CN" sz="1800" b="1" dirty="0">
-              <a:solidFill>
-                <a:schemeClr val="tx1">
-                  <a:lumMod val="75000"/>
-                  <a:lumOff val="25000"/>
-                </a:schemeClr>
-              </a:solidFill>
-              <a:latin typeface="微软雅黑" panose="020B0503020204020204" pitchFamily="34" charset="-122"/>
-              <a:ea typeface="微软雅黑" panose="020B0503020204020204" pitchFamily="34" charset="-122"/>
-            </a:endParaRPr>
-          </a:p>
-        </p:txBody>
-      </p:sp>
-      <p:pic>
-        <p:nvPicPr>
-          <p:cNvPr id="4" name="图片 3">
-            <a:extLst>
-              <a:ext uri="{FF2B5EF4-FFF2-40B4-BE49-F238E27FC236}">
-                <a16:creationId xmlns:a16="http://schemas.microsoft.com/office/drawing/2014/main" id="{9FF6207D-1174-C84F-9256-282963F4FDEF}"/>
-              </a:ext>
-            </a:extLst>
-          </p:cNvPr>
-          <p:cNvPicPr>
-            <a:picLocks noChangeAspect="1"/>
-          </p:cNvPicPr>
-          <p:nvPr/>
-        </p:nvPicPr>
-        <p:blipFill>
-          <a:blip r:embed="rId3"/>
-          <a:stretch>
-            <a:fillRect/>
-          </a:stretch>
-        </p:blipFill>
-        <p:spPr>
-          <a:xfrm>
-            <a:off x="755576" y="1241059"/>
-            <a:ext cx="5188010" cy="3702242"/>
-          </a:xfrm>
-          <a:prstGeom prst="rect">
-            <a:avLst/>
-          </a:prstGeom>
-        </p:spPr>
-      </p:pic>
-      <p:sp>
-        <p:nvSpPr>
-          <p:cNvPr id="5" name="文本框 4">
-            <a:extLst>
-              <a:ext uri="{FF2B5EF4-FFF2-40B4-BE49-F238E27FC236}">
-                <a16:creationId xmlns:a16="http://schemas.microsoft.com/office/drawing/2014/main" id="{85C41076-B19B-1445-A4CD-88446637BF86}"/>
-              </a:ext>
-            </a:extLst>
-          </p:cNvPr>
-          <p:cNvSpPr txBox="1"/>
-          <p:nvPr/>
-        </p:nvSpPr>
-        <p:spPr>
-          <a:xfrm>
-            <a:off x="6300192" y="2715766"/>
-            <a:ext cx="1875835" cy="276999"/>
-          </a:xfrm>
-          <a:prstGeom prst="rect">
-            <a:avLst/>
-          </a:prstGeom>
-          <a:noFill/>
-        </p:spPr>
-        <p:txBody>
-          <a:bodyPr wrap="none" rtlCol="0">
-            <a:spAutoFit/>
-          </a:bodyPr>
-          <a:lstStyle/>
-          <a:p>
-            <a:r>
-              <a:rPr kumimoji="1" lang="zh-CN" altLang="en-US" sz="1200" dirty="0">
-                <a:solidFill>
-                  <a:schemeClr val="tx1">
-                    <a:lumMod val="75000"/>
-                    <a:lumOff val="25000"/>
-                  </a:schemeClr>
-                </a:solidFill>
-                <a:latin typeface="微软雅黑" panose="020B0503020204020204" pitchFamily="34" charset="-122"/>
-                <a:ea typeface="微软雅黑" panose="020B0503020204020204" pitchFamily="34" charset="-122"/>
-              </a:rPr>
-              <a:t>仅供参考，换为自己的图</a:t>
-            </a:r>
-          </a:p>
-        </p:txBody>
-      </p:sp>
-      <p:sp>
-        <p:nvSpPr>
-          <p:cNvPr id="6" name="文本框 5">
-            <a:extLst>
-              <a:ext uri="{FF2B5EF4-FFF2-40B4-BE49-F238E27FC236}">
-                <a16:creationId xmlns:a16="http://schemas.microsoft.com/office/drawing/2014/main" id="{E3661C79-B6C7-B148-95D7-11DF4712FF61}"/>
-              </a:ext>
-            </a:extLst>
-          </p:cNvPr>
-          <p:cNvSpPr txBox="1"/>
-          <p:nvPr/>
-        </p:nvSpPr>
-        <p:spPr>
-          <a:xfrm>
-            <a:off x="755576" y="735682"/>
-            <a:ext cx="6840760" cy="400110"/>
-          </a:xfrm>
-          <a:prstGeom prst="rect">
-            <a:avLst/>
-          </a:prstGeom>
-          <a:noFill/>
-        </p:spPr>
-        <p:txBody>
-          <a:bodyPr wrap="square">
-            <a:spAutoFit/>
-          </a:bodyPr>
-          <a:lstStyle/>
-          <a:p>
-            <a:pPr algn="l"/>
-            <a:r>
-              <a:rPr lang="en-US" altLang="zh-CN" sz="2000" b="1" dirty="0" err="1"/>
-              <a:t>Zeze</a:t>
-            </a:r>
-            <a:r>
-              <a:rPr lang="zh-CN" altLang="en-US" sz="2000" b="1" dirty="0"/>
-              <a:t>是一个</a:t>
-            </a:r>
-            <a:r>
-              <a:rPr lang="zh-CN" altLang="zh-CN" sz="2000" b="1" dirty="0"/>
-              <a:t>基于缓存同步的</a:t>
-            </a:r>
-            <a:r>
-              <a:rPr lang="zh-CN" altLang="en-US" sz="2000" b="1" dirty="0"/>
-              <a:t>高性能的</a:t>
-            </a:r>
-            <a:r>
-              <a:rPr lang="zh-CN" altLang="zh-CN" sz="2000" b="1" dirty="0"/>
-              <a:t>分布式事务服务器框架 </a:t>
-            </a:r>
-            <a:endParaRPr lang="zh-CN" altLang="en-US" sz="2000" b="1" dirty="0">
-              <a:latin typeface="微软雅黑" panose="020B0503020204020204" pitchFamily="34" charset="-122"/>
-              <a:ea typeface="微软雅黑" panose="020B0503020204020204" pitchFamily="34" charset="-122"/>
-            </a:endParaRPr>
-          </a:p>
-        </p:txBody>
-      </p:sp>
-    </p:spTree>
-    <p:extLst>
-      <p:ext uri="{BB962C8B-B14F-4D97-AF65-F5344CB8AC3E}">
-        <p14:creationId xmlns:p14="http://schemas.microsoft.com/office/powerpoint/2010/main" val="3905327819"/>
-      </p:ext>
-    </p:extLst>
-  </p:cSld>
-  <p:clrMapOvr>
-    <a:masterClrMapping/>
-  </p:clrMapOvr>
-  <mc:AlternateContent xmlns:mc="http://schemas.openxmlformats.org/markup-compatibility/2006" xmlns:p14="http://schemas.microsoft.com/office/powerpoint/2010/main">
-    <mc:Choice Requires="p14">
-      <p:transition p14:dur="0" advTm="0"/>
-    </mc:Choice>
-    <mc:Fallback xmlns="">
-      <p:transition advTm="0"/>
-    </mc:Fallback>
-  </mc:AlternateContent>
-</p:sld>
-</file>
-
-<file path=ppt/slides/slide7.xml><?xml version="1.0" encoding="utf-8"?>
-<p:sld xmlns:a="http://schemas.openxmlformats.org/drawingml/2006/main" xmlns:r="http://schemas.openxmlformats.org/officeDocument/2006/relationships" xmlns:p="http://schemas.openxmlformats.org/presentationml/2006/main">
-  <p:cSld>
-    <p:spTree>
-      <p:nvGrpSpPr>
-        <p:cNvPr id="1" name=""/>
-        <p:cNvGrpSpPr/>
-        <p:nvPr/>
-      </p:nvGrpSpPr>
-      <p:grpSpPr>
-        <a:xfrm>
-          <a:off x="0" y="0"/>
-          <a:ext cx="0" cy="0"/>
-          <a:chOff x="0" y="0"/>
-          <a:chExt cx="0" cy="0"/>
-        </a:xfrm>
-      </p:grpSpPr>
-      <p:sp>
-        <p:nvSpPr>
-          <p:cNvPr id="3" name="文本框 2">
-            <a:extLst>
-              <a:ext uri="{FF2B5EF4-FFF2-40B4-BE49-F238E27FC236}">
-                <a16:creationId xmlns:a16="http://schemas.microsoft.com/office/drawing/2014/main" id="{6A7C243D-B902-4BDB-8B9D-B984FB2FCF04}"/>
-              </a:ext>
-            </a:extLst>
-          </p:cNvPr>
-          <p:cNvSpPr txBox="1"/>
-          <p:nvPr/>
-        </p:nvSpPr>
-        <p:spPr>
-          <a:xfrm>
-            <a:off x="751197" y="195486"/>
-            <a:ext cx="4572000" cy="465640"/>
-          </a:xfrm>
-          <a:prstGeom prst="rect">
-            <a:avLst/>
-          </a:prstGeom>
-          <a:noFill/>
-        </p:spPr>
-        <p:txBody>
-          <a:bodyPr wrap="square">
-            <a:spAutoFit/>
-          </a:bodyPr>
-          <a:lstStyle/>
-          <a:p>
-            <a:pPr marR="0" lvl="0" algn="l" defTabSz="914400" rtl="0" eaLnBrk="0" fontAlgn="base" latinLnBrk="0" hangingPunct="0">
-              <a:lnSpc>
-                <a:spcPct val="150000"/>
-              </a:lnSpc>
-              <a:spcBef>
-                <a:spcPct val="0"/>
-              </a:spcBef>
-              <a:spcAft>
-                <a:spcPct val="0"/>
-              </a:spcAft>
-              <a:buClrTx/>
-              <a:buSzTx/>
-              <a:tabLst/>
-            </a:pPr>
-            <a:r>
-              <a:rPr kumimoji="0" lang="en-US" altLang="zh-CN" sz="1800" b="1" i="0" u="none" strike="noStrike" cap="none" normalizeH="0" baseline="0" dirty="0" err="1">
-                <a:ln>
-                  <a:noFill/>
-                </a:ln>
-                <a:solidFill>
-                  <a:schemeClr val="tx1"/>
-                </a:solidFill>
-                <a:effectLst/>
-                <a:latin typeface="DengXian" panose="02010600030101010101" pitchFamily="2" charset="-122"/>
-                <a:ea typeface="DengXian" panose="02010600030101010101" pitchFamily="2" charset="-122"/>
-              </a:rPr>
-              <a:t>Zezex</a:t>
-            </a:r>
-            <a:r>
-              <a:rPr kumimoji="0" lang="en-US" altLang="zh-CN" sz="1800" b="1" i="0" u="none" strike="noStrike" cap="none" normalizeH="0" baseline="0" dirty="0">
-                <a:ln>
-                  <a:noFill/>
-                </a:ln>
-                <a:solidFill>
-                  <a:schemeClr val="tx1"/>
-                </a:solidFill>
-                <a:effectLst/>
-                <a:latin typeface="DengXian" panose="02010600030101010101" pitchFamily="2" charset="-122"/>
-                <a:ea typeface="DengXian" panose="02010600030101010101" pitchFamily="2" charset="-122"/>
-              </a:rPr>
-              <a:t>-</a:t>
-            </a:r>
-            <a:r>
-              <a:rPr kumimoji="0" lang="zh-CN" altLang="zh-CN" sz="1800" b="1" i="0" u="none" strike="noStrike" cap="none" normalizeH="0" baseline="0" dirty="0">
-                <a:ln>
-                  <a:noFill/>
-                </a:ln>
-                <a:solidFill>
-                  <a:schemeClr val="tx1"/>
-                </a:solidFill>
-                <a:effectLst/>
-                <a:latin typeface="DengXian" panose="02010600030101010101" pitchFamily="2" charset="-122"/>
-                <a:ea typeface="DengXian" panose="02010600030101010101" pitchFamily="2" charset="-122"/>
-              </a:rPr>
-              <a:t>多服务器</a:t>
-            </a:r>
-            <a:r>
-              <a:rPr kumimoji="0" lang="zh-CN" altLang="en-US" sz="1800" b="1" i="0" u="none" strike="noStrike" cap="none" normalizeH="0" baseline="0" dirty="0">
-                <a:ln>
-                  <a:noFill/>
-                </a:ln>
-                <a:solidFill>
-                  <a:schemeClr val="tx1"/>
-                </a:solidFill>
-                <a:effectLst/>
-                <a:latin typeface="DengXian" panose="02010600030101010101" pitchFamily="2" charset="-122"/>
-                <a:ea typeface="DengXian" panose="02010600030101010101" pitchFamily="2" charset="-122"/>
-              </a:rPr>
-              <a:t>结构例子</a:t>
-            </a:r>
-            <a:endParaRPr kumimoji="0" lang="zh-CN" altLang="zh-CN" sz="1800" b="1" i="0" u="none" strike="noStrike" cap="none" normalizeH="0" baseline="0" dirty="0">
-              <a:ln>
-                <a:noFill/>
-              </a:ln>
-              <a:solidFill>
-                <a:schemeClr val="tx1"/>
-              </a:solidFill>
-              <a:effectLst/>
-              <a:latin typeface="DengXian" panose="02010600030101010101" pitchFamily="2" charset="-122"/>
-              <a:ea typeface="DengXian" panose="02010600030101010101" pitchFamily="2" charset="-122"/>
-            </a:endParaRPr>
-          </a:p>
-        </p:txBody>
-      </p:sp>
-      <p:pic>
-        <p:nvPicPr>
-          <p:cNvPr id="7" name="图片 6">
-            <a:extLst>
-              <a:ext uri="{FF2B5EF4-FFF2-40B4-BE49-F238E27FC236}">
-                <a16:creationId xmlns:a16="http://schemas.microsoft.com/office/drawing/2014/main" id="{FAF9DD3D-0322-431E-81E7-6B76E485D9FF}"/>
-              </a:ext>
-            </a:extLst>
-          </p:cNvPr>
-          <p:cNvPicPr>
-            <a:picLocks noChangeAspect="1"/>
-          </p:cNvPicPr>
-          <p:nvPr/>
-        </p:nvPicPr>
-        <p:blipFill>
-          <a:blip r:embed="rId2">
-            <a:extLst>
-              <a:ext uri="{28A0092B-C50C-407E-A947-70E740481C1C}">
-                <a14:useLocalDpi xmlns:a14="http://schemas.microsoft.com/office/drawing/2010/main" val="0"/>
-              </a:ext>
-            </a:extLst>
-          </a:blip>
-          <a:stretch>
-            <a:fillRect/>
-          </a:stretch>
-        </p:blipFill>
-        <p:spPr>
-          <a:xfrm>
-            <a:off x="755576" y="661126"/>
-            <a:ext cx="7632848" cy="4482374"/>
-          </a:xfrm>
-          <a:prstGeom prst="rect">
-            <a:avLst/>
-          </a:prstGeom>
-        </p:spPr>
-      </p:pic>
-    </p:spTree>
-    <p:extLst>
-      <p:ext uri="{BB962C8B-B14F-4D97-AF65-F5344CB8AC3E}">
-        <p14:creationId xmlns:p14="http://schemas.microsoft.com/office/powerpoint/2010/main" val="2064355862"/>
-      </p:ext>
-    </p:extLst>
-  </p:cSld>
-  <p:clrMapOvr>
-    <a:masterClrMapping/>
-  </p:clrMapOvr>
-  <p:transition spd="slow" advTm="0">
-    <p:cover/>
-  </p:transition>
-</p:sld>
-</file>
-
-<file path=ppt/slides/slide8.xml><?xml version="1.0" encoding="utf-8"?>
 <p:sld xmlns:a="http://schemas.openxmlformats.org/drawingml/2006/main" xmlns:r="http://schemas.openxmlformats.org/officeDocument/2006/relationships" xmlns:p="http://schemas.openxmlformats.org/presentationml/2006/main">
   <p:cSld>
     <p:spTree>
@@ -26947,7 +26025,310 @@
 </p:sld>
 </file>
 
-<file path=ppt/slides/slide9.xml><?xml version="1.0" encoding="utf-8"?>
+<file path=ppt/slides/slide7.xml><?xml version="1.0" encoding="utf-8"?>
+<p:sld xmlns:a="http://schemas.openxmlformats.org/drawingml/2006/main" xmlns:r="http://schemas.openxmlformats.org/officeDocument/2006/relationships" xmlns:p="http://schemas.openxmlformats.org/presentationml/2006/main">
+  <p:cSld>
+    <p:spTree>
+      <p:nvGrpSpPr>
+        <p:cNvPr id="1" name=""/>
+        <p:cNvGrpSpPr/>
+        <p:nvPr/>
+      </p:nvGrpSpPr>
+      <p:grpSpPr>
+        <a:xfrm>
+          <a:off x="0" y="0"/>
+          <a:ext cx="0" cy="0"/>
+          <a:chOff x="0" y="0"/>
+          <a:chExt cx="0" cy="0"/>
+        </a:xfrm>
+      </p:grpSpPr>
+      <p:sp>
+        <p:nvSpPr>
+          <p:cNvPr id="3" name="Title 1"/>
+          <p:cNvSpPr txBox="1">
+            <a:spLocks/>
+          </p:cNvSpPr>
+          <p:nvPr/>
+        </p:nvSpPr>
+        <p:spPr>
+          <a:xfrm>
+            <a:off x="857880" y="200199"/>
+            <a:ext cx="2129944" cy="379477"/>
+          </a:xfrm>
+          <a:prstGeom prst="rect">
+            <a:avLst/>
+          </a:prstGeom>
+        </p:spPr>
+        <p:txBody>
+          <a:bodyPr lIns="0" rIns="0" anchor="ctr">
+            <a:noAutofit/>
+          </a:bodyPr>
+          <a:lstStyle>
+            <a:lvl1pPr algn="ctr" defTabSz="914400" rtl="0" eaLnBrk="1" latinLnBrk="0" hangingPunct="1">
+              <a:spcBef>
+                <a:spcPct val="0"/>
+              </a:spcBef>
+              <a:buNone/>
+              <a:defRPr sz="3000" b="0" kern="1200">
+                <a:solidFill>
+                  <a:schemeClr val="accent1"/>
+                </a:solidFill>
+                <a:latin typeface="U.S. 101" pitchFamily="2" charset="0"/>
+                <a:ea typeface="Roboto" pitchFamily="2" charset="0"/>
+                <a:cs typeface="Open Sans Light" panose="020B0306030504020204" pitchFamily="34" charset="0"/>
+              </a:defRPr>
+            </a:lvl1pPr>
+          </a:lstStyle>
+          <a:p>
+            <a:pPr algn="l"/>
+            <a:r>
+              <a:rPr lang="en-US" altLang="zh-CN" sz="1800" b="1" dirty="0">
+                <a:solidFill>
+                  <a:schemeClr val="tx1">
+                    <a:lumMod val="75000"/>
+                    <a:lumOff val="25000"/>
+                  </a:schemeClr>
+                </a:solidFill>
+                <a:latin typeface="微软雅黑" panose="020B0503020204020204" pitchFamily="34" charset="-122"/>
+                <a:ea typeface="微软雅黑" panose="020B0503020204020204" pitchFamily="34" charset="-122"/>
+              </a:rPr>
+              <a:t>What</a:t>
+            </a:r>
+            <a:r>
+              <a:rPr lang="zh-CN" altLang="en-US" sz="1800" b="1" dirty="0">
+                <a:solidFill>
+                  <a:schemeClr val="tx1">
+                    <a:lumMod val="75000"/>
+                    <a:lumOff val="25000"/>
+                  </a:schemeClr>
+                </a:solidFill>
+                <a:latin typeface="微软雅黑" panose="020B0503020204020204" pitchFamily="34" charset="-122"/>
+                <a:ea typeface="微软雅黑" panose="020B0503020204020204" pitchFamily="34" charset="-122"/>
+              </a:rPr>
+              <a:t> </a:t>
+            </a:r>
+            <a:r>
+              <a:rPr lang="en-US" altLang="zh-CN" sz="1800" b="1" dirty="0">
+                <a:solidFill>
+                  <a:schemeClr val="tx1">
+                    <a:lumMod val="75000"/>
+                    <a:lumOff val="25000"/>
+                  </a:schemeClr>
+                </a:solidFill>
+                <a:latin typeface="微软雅黑" panose="020B0503020204020204" pitchFamily="34" charset="-122"/>
+                <a:ea typeface="微软雅黑" panose="020B0503020204020204" pitchFamily="34" charset="-122"/>
+              </a:rPr>
+              <a:t>is</a:t>
+            </a:r>
+            <a:r>
+              <a:rPr lang="zh-CN" altLang="en-US" sz="1800" b="1" dirty="0">
+                <a:solidFill>
+                  <a:schemeClr val="tx1">
+                    <a:lumMod val="75000"/>
+                    <a:lumOff val="25000"/>
+                  </a:schemeClr>
+                </a:solidFill>
+                <a:latin typeface="微软雅黑" panose="020B0503020204020204" pitchFamily="34" charset="-122"/>
+                <a:ea typeface="微软雅黑" panose="020B0503020204020204" pitchFamily="34" charset="-122"/>
+              </a:rPr>
+              <a:t> </a:t>
+            </a:r>
+            <a:r>
+              <a:rPr lang="en-US" altLang="zh-CN" sz="1800" b="1" dirty="0" err="1">
+                <a:solidFill>
+                  <a:schemeClr val="tx1">
+                    <a:lumMod val="75000"/>
+                    <a:lumOff val="25000"/>
+                  </a:schemeClr>
+                </a:solidFill>
+                <a:latin typeface="微软雅黑" panose="020B0503020204020204" pitchFamily="34" charset="-122"/>
+                <a:ea typeface="微软雅黑" panose="020B0503020204020204" pitchFamily="34" charset="-122"/>
+              </a:rPr>
+              <a:t>Zeze</a:t>
+            </a:r>
+            <a:endParaRPr lang="en-GB" altLang="zh-CN" sz="1800" b="1" dirty="0">
+              <a:solidFill>
+                <a:schemeClr val="tx1">
+                  <a:lumMod val="75000"/>
+                  <a:lumOff val="25000"/>
+                </a:schemeClr>
+              </a:solidFill>
+              <a:latin typeface="微软雅黑" panose="020B0503020204020204" pitchFamily="34" charset="-122"/>
+              <a:ea typeface="微软雅黑" panose="020B0503020204020204" pitchFamily="34" charset="-122"/>
+            </a:endParaRPr>
+          </a:p>
+        </p:txBody>
+      </p:sp>
+      <p:sp>
+        <p:nvSpPr>
+          <p:cNvPr id="7" name="文本框 6">
+            <a:extLst>
+              <a:ext uri="{FF2B5EF4-FFF2-40B4-BE49-F238E27FC236}">
+                <a16:creationId xmlns:a16="http://schemas.microsoft.com/office/drawing/2014/main" id="{4772ECF5-31F2-4B2A-BA23-A8A199B9CE3D}"/>
+              </a:ext>
+            </a:extLst>
+          </p:cNvPr>
+          <p:cNvSpPr txBox="1"/>
+          <p:nvPr/>
+        </p:nvSpPr>
+        <p:spPr>
+          <a:xfrm>
+            <a:off x="827584" y="627534"/>
+            <a:ext cx="4572000" cy="465640"/>
+          </a:xfrm>
+          <a:prstGeom prst="rect">
+            <a:avLst/>
+          </a:prstGeom>
+          <a:noFill/>
+        </p:spPr>
+        <p:txBody>
+          <a:bodyPr wrap="square">
+            <a:spAutoFit/>
+          </a:bodyPr>
+          <a:lstStyle/>
+          <a:p>
+            <a:pPr marR="0" lvl="0" algn="l" defTabSz="914400" rtl="0" eaLnBrk="0" fontAlgn="base" latinLnBrk="0" hangingPunct="0">
+              <a:lnSpc>
+                <a:spcPct val="150000"/>
+              </a:lnSpc>
+              <a:spcBef>
+                <a:spcPct val="0"/>
+              </a:spcBef>
+              <a:spcAft>
+                <a:spcPct val="0"/>
+              </a:spcAft>
+              <a:buClrTx/>
+              <a:buSzTx/>
+              <a:tabLst/>
+            </a:pPr>
+            <a:r>
+              <a:rPr kumimoji="0" lang="en-US" altLang="zh-CN" sz="1800" b="1" i="0" u="none" strike="noStrike" cap="none" normalizeH="0" baseline="0" dirty="0" err="1">
+                <a:ln>
+                  <a:noFill/>
+                </a:ln>
+                <a:solidFill>
+                  <a:schemeClr val="tx1"/>
+                </a:solidFill>
+                <a:effectLst/>
+                <a:latin typeface="DengXian" panose="02010600030101010101" pitchFamily="2" charset="-122"/>
+                <a:ea typeface="DengXian" panose="02010600030101010101" pitchFamily="2" charset="-122"/>
+              </a:rPr>
+              <a:t>Zezex</a:t>
+            </a:r>
+            <a:r>
+              <a:rPr kumimoji="0" lang="en-US" altLang="zh-CN" sz="1800" b="1" i="0" u="none" strike="noStrike" cap="none" normalizeH="0" baseline="0" dirty="0">
+                <a:ln>
+                  <a:noFill/>
+                </a:ln>
+                <a:solidFill>
+                  <a:schemeClr val="tx1"/>
+                </a:solidFill>
+                <a:effectLst/>
+                <a:latin typeface="DengXian" panose="02010600030101010101" pitchFamily="2" charset="-122"/>
+                <a:ea typeface="DengXian" panose="02010600030101010101" pitchFamily="2" charset="-122"/>
+              </a:rPr>
+              <a:t>-</a:t>
+            </a:r>
+            <a:r>
+              <a:rPr kumimoji="0" lang="zh-CN" altLang="zh-CN" sz="1800" b="1" i="0" u="none" strike="noStrike" cap="none" normalizeH="0" baseline="0" dirty="0">
+                <a:ln>
+                  <a:noFill/>
+                </a:ln>
+                <a:solidFill>
+                  <a:schemeClr val="tx1"/>
+                </a:solidFill>
+                <a:effectLst/>
+                <a:latin typeface="DengXian" panose="02010600030101010101" pitchFamily="2" charset="-122"/>
+                <a:ea typeface="DengXian" panose="02010600030101010101" pitchFamily="2" charset="-122"/>
+              </a:rPr>
+              <a:t>多服务器</a:t>
+            </a:r>
+            <a:r>
+              <a:rPr kumimoji="0" lang="zh-CN" altLang="en-US" sz="1800" b="1" i="0" u="none" strike="noStrike" cap="none" normalizeH="0" baseline="0" dirty="0">
+                <a:ln>
+                  <a:noFill/>
+                </a:ln>
+                <a:solidFill>
+                  <a:schemeClr val="tx1"/>
+                </a:solidFill>
+                <a:effectLst/>
+                <a:latin typeface="DengXian" panose="02010600030101010101" pitchFamily="2" charset="-122"/>
+                <a:ea typeface="DengXian" panose="02010600030101010101" pitchFamily="2" charset="-122"/>
+              </a:rPr>
+              <a:t>结构例子</a:t>
+            </a:r>
+            <a:endParaRPr kumimoji="0" lang="zh-CN" altLang="zh-CN" sz="1800" b="1" i="0" u="none" strike="noStrike" cap="none" normalizeH="0" baseline="0" dirty="0">
+              <a:ln>
+                <a:noFill/>
+              </a:ln>
+              <a:solidFill>
+                <a:schemeClr val="tx1"/>
+              </a:solidFill>
+              <a:effectLst/>
+              <a:latin typeface="DengXian" panose="02010600030101010101" pitchFamily="2" charset="-122"/>
+              <a:ea typeface="DengXian" panose="02010600030101010101" pitchFamily="2" charset="-122"/>
+            </a:endParaRPr>
+          </a:p>
+        </p:txBody>
+      </p:sp>
+      <p:pic>
+        <p:nvPicPr>
+          <p:cNvPr id="8" name="图片 7">
+            <a:extLst>
+              <a:ext uri="{FF2B5EF4-FFF2-40B4-BE49-F238E27FC236}">
+                <a16:creationId xmlns:a16="http://schemas.microsoft.com/office/drawing/2014/main" id="{627A3D47-0F3F-43F9-BA48-59D7E702426A}"/>
+              </a:ext>
+            </a:extLst>
+          </p:cNvPr>
+          <p:cNvPicPr>
+            <a:picLocks noChangeAspect="1"/>
+          </p:cNvPicPr>
+          <p:nvPr/>
+        </p:nvPicPr>
+        <p:blipFill>
+          <a:blip r:embed="rId3">
+            <a:extLst>
+              <a:ext uri="{28A0092B-C50C-407E-A947-70E740481C1C}">
+                <a14:useLocalDpi xmlns:a14="http://schemas.microsoft.com/office/drawing/2010/main" val="0"/>
+              </a:ext>
+            </a:extLst>
+          </a:blip>
+          <a:stretch>
+            <a:fillRect/>
+          </a:stretch>
+        </p:blipFill>
+        <p:spPr>
+          <a:xfrm>
+            <a:off x="755576" y="1203598"/>
+            <a:ext cx="7632848" cy="3939902"/>
+          </a:xfrm>
+          <a:prstGeom prst="rect">
+            <a:avLst/>
+          </a:prstGeom>
+        </p:spPr>
+      </p:pic>
+    </p:spTree>
+    <p:extLst>
+      <p:ext uri="{BB962C8B-B14F-4D97-AF65-F5344CB8AC3E}">
+        <p14:creationId xmlns:p14="http://schemas.microsoft.com/office/powerpoint/2010/main" val="3905327819"/>
+      </p:ext>
+    </p:extLst>
+  </p:cSld>
+  <p:clrMapOvr>
+    <a:masterClrMapping/>
+  </p:clrMapOvr>
+  <mc:AlternateContent xmlns:mc="http://schemas.openxmlformats.org/markup-compatibility/2006" xmlns:p14="http://schemas.microsoft.com/office/powerpoint/2010/main">
+    <mc:Choice Requires="p14">
+      <p:transition p14:dur="0" advTm="0"/>
+    </mc:Choice>
+    <mc:Fallback xmlns="">
+      <p:transition advTm="0"/>
+    </mc:Fallback>
+  </mc:AlternateContent>
+</p:sld>
+</file>
+
+<file path=ppt/slides/slide8.xml><?xml version="1.0" encoding="utf-8"?>
 <p:sld xmlns:a="http://schemas.openxmlformats.org/drawingml/2006/main" xmlns:r="http://schemas.openxmlformats.org/officeDocument/2006/relationships" xmlns:p="http://schemas.openxmlformats.org/presentationml/2006/main">
   <p:cSld>
     <p:spTree>
@@ -27400,6 +26781,144 @@
       <p:transition advTm="0"/>
     </mc:Fallback>
   </mc:AlternateContent>
+</p:sld>
+</file>
+
+<file path=ppt/slides/slide9.xml><?xml version="1.0" encoding="utf-8"?>
+<p:sld xmlns:a="http://schemas.openxmlformats.org/drawingml/2006/main" xmlns:r="http://schemas.openxmlformats.org/officeDocument/2006/relationships" xmlns:p="http://schemas.openxmlformats.org/presentationml/2006/main">
+  <p:cSld>
+    <p:spTree>
+      <p:nvGrpSpPr>
+        <p:cNvPr id="1" name=""/>
+        <p:cNvGrpSpPr/>
+        <p:nvPr/>
+      </p:nvGrpSpPr>
+      <p:grpSpPr>
+        <a:xfrm>
+          <a:off x="0" y="0"/>
+          <a:ext cx="0" cy="0"/>
+          <a:chOff x="0" y="0"/>
+          <a:chExt cx="0" cy="0"/>
+        </a:xfrm>
+      </p:grpSpPr>
+      <p:sp>
+        <p:nvSpPr>
+          <p:cNvPr id="2" name="文本框 1">
+            <a:extLst>
+              <a:ext uri="{FF2B5EF4-FFF2-40B4-BE49-F238E27FC236}">
+                <a16:creationId xmlns:a16="http://schemas.microsoft.com/office/drawing/2014/main" id="{4901A419-B838-4349-A4BD-5B7A2C741C02}"/>
+              </a:ext>
+            </a:extLst>
+          </p:cNvPr>
+          <p:cNvSpPr txBox="1"/>
+          <p:nvPr/>
+        </p:nvSpPr>
+        <p:spPr>
+          <a:xfrm>
+            <a:off x="683568" y="843558"/>
+            <a:ext cx="5040560" cy="1569660"/>
+          </a:xfrm>
+          <a:prstGeom prst="rect">
+            <a:avLst/>
+          </a:prstGeom>
+          <a:noFill/>
+        </p:spPr>
+        <p:txBody>
+          <a:bodyPr wrap="square" rtlCol="0">
+            <a:spAutoFit/>
+          </a:bodyPr>
+          <a:lstStyle/>
+          <a:p>
+            <a:pPr>
+              <a:lnSpc>
+                <a:spcPct val="200000"/>
+              </a:lnSpc>
+            </a:pPr>
+            <a:r>
+              <a:rPr lang="en-US" altLang="zh-CN" b="1" kern="2200" dirty="0">
+                <a:latin typeface="DengXian" panose="02010600030101010101" pitchFamily="2" charset="-122"/>
+                <a:ea typeface="DengXian" panose="02010600030101010101" pitchFamily="2" charset="-122"/>
+                <a:hlinkClick r:id="rId2"/>
+              </a:rPr>
+              <a:t>https://gitee.com/e2wugui/zeze</a:t>
+            </a:r>
+            <a:endParaRPr lang="en-US" altLang="zh-CN" b="1" kern="2200" dirty="0">
+              <a:latin typeface="DengXian" panose="02010600030101010101" pitchFamily="2" charset="-122"/>
+              <a:ea typeface="DengXian" panose="02010600030101010101" pitchFamily="2" charset="-122"/>
+            </a:endParaRPr>
+          </a:p>
+          <a:p>
+            <a:pPr>
+              <a:lnSpc>
+                <a:spcPct val="200000"/>
+              </a:lnSpc>
+            </a:pPr>
+            <a:r>
+              <a:rPr lang="en-US" altLang="zh-CN" b="1" kern="2200" dirty="0">
+                <a:latin typeface="DengXian" panose="02010600030101010101" pitchFamily="2" charset="-122"/>
+                <a:ea typeface="DengXian" panose="02010600030101010101" pitchFamily="2" charset="-122"/>
+              </a:rPr>
+              <a:t>https://</a:t>
+            </a:r>
+            <a:r>
+              <a:rPr lang="en-US" altLang="zh-CN" b="1" kern="2200" dirty="0" err="1">
+                <a:latin typeface="DengXian" panose="02010600030101010101" pitchFamily="2" charset="-122"/>
+                <a:ea typeface="DengXian" panose="02010600030101010101" pitchFamily="2" charset="-122"/>
+              </a:rPr>
+              <a:t>github.com</a:t>
+            </a:r>
+            <a:r>
+              <a:rPr lang="en-US" altLang="zh-CN" b="1" kern="2200" dirty="0">
+                <a:latin typeface="DengXian" panose="02010600030101010101" pitchFamily="2" charset="-122"/>
+                <a:ea typeface="DengXian" panose="02010600030101010101" pitchFamily="2" charset="-122"/>
+              </a:rPr>
+              <a:t>/e2wugui/</a:t>
+            </a:r>
+            <a:r>
+              <a:rPr lang="en-US" altLang="zh-CN" b="1" kern="2200" dirty="0" err="1">
+                <a:latin typeface="DengXian" panose="02010600030101010101" pitchFamily="2" charset="-122"/>
+                <a:ea typeface="DengXian" panose="02010600030101010101" pitchFamily="2" charset="-122"/>
+              </a:rPr>
+              <a:t>zeze</a:t>
+            </a:r>
+            <a:endParaRPr lang="zh-CN" altLang="zh-CN" b="1" kern="2200" dirty="0">
+              <a:latin typeface="DengXian" panose="02010600030101010101" pitchFamily="2" charset="-122"/>
+              <a:ea typeface="DengXian" panose="02010600030101010101" pitchFamily="2" charset="-122"/>
+            </a:endParaRPr>
+          </a:p>
+          <a:p>
+            <a:endParaRPr lang="en-US" altLang="zh-CN" sz="1200" kern="2200" dirty="0">
+              <a:latin typeface="DengXian" panose="02010600030101010101" pitchFamily="2" charset="-122"/>
+              <a:ea typeface="DengXian" panose="02010600030101010101" pitchFamily="2" charset="-122"/>
+            </a:endParaRPr>
+          </a:p>
+          <a:p>
+            <a:endParaRPr kumimoji="1" lang="zh-CN" altLang="en-US" sz="1200" dirty="0">
+              <a:solidFill>
+                <a:schemeClr val="tx1">
+                  <a:lumMod val="75000"/>
+                  <a:lumOff val="25000"/>
+                </a:schemeClr>
+              </a:solidFill>
+              <a:latin typeface="微软雅黑" panose="020B0503020204020204" pitchFamily="34" charset="-122"/>
+              <a:ea typeface="微软雅黑" panose="020B0503020204020204" pitchFamily="34" charset="-122"/>
+            </a:endParaRPr>
+          </a:p>
+        </p:txBody>
+      </p:sp>
+    </p:spTree>
+    <p:extLst>
+      <p:ext uri="{BB962C8B-B14F-4D97-AF65-F5344CB8AC3E}">
+        <p14:creationId xmlns:p14="http://schemas.microsoft.com/office/powerpoint/2010/main" val="2918582748"/>
+      </p:ext>
+    </p:extLst>
+  </p:cSld>
+  <p:clrMapOvr>
+    <a:masterClrMapping/>
+  </p:clrMapOvr>
+  <p:transition spd="slow" advTm="0">
+    <p:cover/>
+  </p:transition>
 </p:sld>
 </file>
 

--- a/doc/基于缓存同步的分布式事务服务器框架.pptx
+++ b/doc/基于缓存同步的分布式事务服务器框架.pptx
@@ -3483,7 +3483,7 @@
           <a:p>
             <a:fld id="{2353A075-29DF-4CAE-8BA7-CDA0ED456C88}" type="datetimeFigureOut">
               <a:rPr lang="zh-CN" altLang="en-US" smtClean="0"/>
-              <a:t>2022/1/5</a:t>
+              <a:t>2022/1/6</a:t>
             </a:fld>
             <a:endParaRPr lang="zh-CN" altLang="en-US"/>
           </a:p>
@@ -3648,7 +3648,7 @@
           <a:p>
             <a:fld id="{6A2B73EA-EE91-4E33-A9C1-8BF5DD7139A2}" type="datetimeFigureOut">
               <a:rPr lang="zh-CN" altLang="en-US" smtClean="0"/>
-              <a:t>2022/1/5</a:t>
+              <a:t>2022/1/6</a:t>
             </a:fld>
             <a:endParaRPr lang="zh-CN" altLang="en-US"/>
           </a:p>
@@ -5438,7 +5438,7 @@
           <a:p>
             <a:fld id="{530820CF-B880-4189-942D-D702A7CBA730}" type="datetimeFigureOut">
               <a:rPr lang="zh-CN" altLang="en-US" smtClean="0"/>
-              <a:t>2022/1/5</a:t>
+              <a:t>2022/1/6</a:t>
             </a:fld>
             <a:endParaRPr lang="zh-CN" altLang="en-US"/>
           </a:p>
@@ -5711,7 +5711,7 @@
           <a:p>
             <a:fld id="{530820CF-B880-4189-942D-D702A7CBA730}" type="datetimeFigureOut">
               <a:rPr lang="zh-CN" altLang="en-US" smtClean="0"/>
-              <a:t>2022/1/5</a:t>
+              <a:t>2022/1/6</a:t>
             </a:fld>
             <a:endParaRPr lang="zh-CN" altLang="en-US"/>
           </a:p>
@@ -5961,7 +5961,7 @@
           <a:p>
             <a:fld id="{530820CF-B880-4189-942D-D702A7CBA730}" type="datetimeFigureOut">
               <a:rPr lang="zh-CN" altLang="en-US" smtClean="0"/>
-              <a:t>2022/1/5</a:t>
+              <a:t>2022/1/6</a:t>
             </a:fld>
             <a:endParaRPr lang="zh-CN" altLang="en-US"/>
           </a:p>
@@ -6127,7 +6127,7 @@
           <a:p>
             <a:fld id="{530820CF-B880-4189-942D-D702A7CBA730}" type="datetimeFigureOut">
               <a:rPr lang="zh-CN" altLang="en-US" smtClean="0"/>
-              <a:t>2022/1/5</a:t>
+              <a:t>2022/1/6</a:t>
             </a:fld>
             <a:endParaRPr lang="zh-CN" altLang="en-US"/>
           </a:p>
@@ -6303,7 +6303,7 @@
           <a:p>
             <a:fld id="{530820CF-B880-4189-942D-D702A7CBA730}" type="datetimeFigureOut">
               <a:rPr lang="zh-CN" altLang="en-US" smtClean="0"/>
-              <a:t>2022/1/5</a:t>
+              <a:t>2022/1/6</a:t>
             </a:fld>
             <a:endParaRPr lang="zh-CN" altLang="en-US"/>
           </a:p>
@@ -7196,7 +7196,7 @@
           <a:p>
             <a:fld id="{530820CF-B880-4189-942D-D702A7CBA730}" type="datetimeFigureOut">
               <a:rPr lang="zh-CN" altLang="en-US" smtClean="0"/>
-              <a:t>2022/1/5</a:t>
+              <a:t>2022/1/6</a:t>
             </a:fld>
             <a:endParaRPr lang="zh-CN" altLang="en-US"/>
           </a:p>
@@ -7479,7 +7479,7 @@
           <a:p>
             <a:fld id="{530820CF-B880-4189-942D-D702A7CBA730}" type="datetimeFigureOut">
               <a:rPr lang="zh-CN" altLang="en-US" smtClean="0"/>
-              <a:t>2022/1/5</a:t>
+              <a:t>2022/1/6</a:t>
             </a:fld>
             <a:endParaRPr lang="zh-CN" altLang="en-US"/>
           </a:p>
@@ -7896,7 +7896,7 @@
           <a:p>
             <a:fld id="{530820CF-B880-4189-942D-D702A7CBA730}" type="datetimeFigureOut">
               <a:rPr lang="zh-CN" altLang="en-US" smtClean="0"/>
-              <a:t>2022/1/5</a:t>
+              <a:t>2022/1/6</a:t>
             </a:fld>
             <a:endParaRPr lang="zh-CN" altLang="en-US"/>
           </a:p>
@@ -8011,7 +8011,7 @@
           <a:p>
             <a:fld id="{530820CF-B880-4189-942D-D702A7CBA730}" type="datetimeFigureOut">
               <a:rPr lang="zh-CN" altLang="en-US" smtClean="0"/>
-              <a:t>2022/1/5</a:t>
+              <a:t>2022/1/6</a:t>
             </a:fld>
             <a:endParaRPr lang="zh-CN" altLang="en-US"/>
           </a:p>
@@ -8104,7 +8104,7 @@
           <a:p>
             <a:fld id="{530820CF-B880-4189-942D-D702A7CBA730}" type="datetimeFigureOut">
               <a:rPr lang="zh-CN" altLang="en-US" smtClean="0"/>
-              <a:t>2022/1/5</a:t>
+              <a:t>2022/1/6</a:t>
             </a:fld>
             <a:endParaRPr lang="zh-CN" altLang="en-US"/>
           </a:p>
@@ -8327,7 +8327,7 @@
           <a:p>
             <a:fld id="{530820CF-B880-4189-942D-D702A7CBA730}" type="datetimeFigureOut">
               <a:rPr lang="zh-CN" altLang="en-US" smtClean="0"/>
-              <a:t>2022/1/5</a:t>
+              <a:t>2022/1/6</a:t>
             </a:fld>
             <a:endParaRPr lang="zh-CN" altLang="en-US"/>
           </a:p>
@@ -12916,6 +12916,14 @@
               <a:buAutoNum type="arabicPeriod"/>
             </a:pPr>
             <a:r>
+              <a:rPr lang="zh-CN" altLang="en-US" dirty="0"/>
+              <a:t>使用</a:t>
+            </a:r>
+            <a:r>
+              <a:rPr lang="en-US" altLang="zh-CN" dirty="0" err="1"/>
+              <a:t>zeze</a:t>
+            </a:r>
+            <a:r>
               <a:rPr lang="zh-CN" altLang="zh-CN" dirty="0"/>
               <a:t>需要掌握多线程知识码？</a:t>
             </a:r>
@@ -14442,7 +14450,7 @@
         <p:spPr>
           <a:xfrm>
             <a:off x="99621" y="729914"/>
-            <a:ext cx="4688403" cy="2415213"/>
+            <a:ext cx="4688403" cy="2138214"/>
           </a:xfrm>
           <a:prstGeom prst="rect">
             <a:avLst/>
@@ -14550,22 +14558,7 @@
             </a:r>
             <a:r>
               <a:rPr lang="zh-CN" altLang="zh-CN" sz="1200" dirty="0"/>
-              <a:t>没有变化。</a:t>
-            </a:r>
-          </a:p>
-          <a:p>
-            <a:pPr>
-              <a:lnSpc>
-                <a:spcPct val="150000"/>
-              </a:lnSpc>
-            </a:pPr>
-            <a:r>
-              <a:rPr lang="en-US" altLang="zh-CN" sz="1200" dirty="0"/>
-              <a:t>   </a:t>
-            </a:r>
-            <a:r>
-              <a:rPr lang="zh-CN" altLang="zh-CN" sz="1200" dirty="0"/>
-              <a:t>事务成功，相当于独占所有访问的记录。这个并发策略是严格，但显然是正确的 。</a:t>
+              <a:t>没有变化。事务成功，相当于独占所有访问的记录。这个并发策略是严格，但显然是正确的 。</a:t>
             </a:r>
             <a:endParaRPr lang="zh-CN" altLang="zh-CN" sz="1600" dirty="0"/>
           </a:p>
@@ -15409,7 +15402,7 @@
             </a:r>
             <a:r>
               <a:rPr lang="en-US" altLang="zh-CN" dirty="0" err="1"/>
-              <a:t>puerts+tx</a:t>
+              <a:t>puerts+ts</a:t>
             </a:r>
             <a:r>
               <a:rPr lang="en-US" altLang="zh-CN" dirty="0"/>
@@ -15456,7 +15449,7 @@
             </a:r>
             <a:r>
               <a:rPr lang="zh-CN" altLang="zh-CN" b="1" dirty="0"/>
-              <a:t>统计 </a:t>
+              <a:t>统计</a:t>
             </a:r>
             <a:endParaRPr lang="en-US" altLang="zh-CN" b="1" dirty="0"/>
           </a:p>
@@ -25720,7 +25713,7 @@
         <p:spPr>
           <a:xfrm>
             <a:off x="3828236" y="2192300"/>
-            <a:ext cx="1512168" cy="769441"/>
+            <a:ext cx="1440160" cy="769441"/>
           </a:xfrm>
           <a:prstGeom prst="rect">
             <a:avLst/>
@@ -25998,7 +25991,7 @@
             </a:pPr>
             <a:r>
               <a:rPr lang="zh-CN" altLang="en-US" sz="1050" b="1" dirty="0"/>
-              <a:t>下页有示例</a:t>
+              <a:t>后面有示例</a:t>
             </a:r>
             <a:endParaRPr lang="zh-CN" altLang="zh-CN" sz="1050" b="1" dirty="0"/>
           </a:p>

--- a/doc/基于缓存同步的分布式事务服务器框架.pptx
+++ b/doc/基于缓存同步的分布式事务服务器框架.pptx
@@ -17,8 +17,8 @@
     <p:sldId id="432" r:id="rId5"/>
     <p:sldId id="444" r:id="rId6"/>
     <p:sldId id="434" r:id="rId7"/>
-    <p:sldId id="433" r:id="rId8"/>
-    <p:sldId id="435" r:id="rId9"/>
+    <p:sldId id="435" r:id="rId8"/>
+    <p:sldId id="433" r:id="rId9"/>
     <p:sldId id="445" r:id="rId10"/>
     <p:sldId id="436" r:id="rId11"/>
     <p:sldId id="437" r:id="rId12"/>
@@ -5081,7 +5081,7 @@
     </p:spTree>
     <p:extLst>
       <p:ext uri="{BB962C8B-B14F-4D97-AF65-F5344CB8AC3E}">
-        <p14:creationId xmlns:p14="http://schemas.microsoft.com/office/powerpoint/2010/main" val="1174962673"/>
+        <p14:creationId xmlns:p14="http://schemas.microsoft.com/office/powerpoint/2010/main" val="47269599"/>
       </p:ext>
     </p:extLst>
   </p:cSld>
@@ -5165,7 +5165,7 @@
     </p:spTree>
     <p:extLst>
       <p:ext uri="{BB962C8B-B14F-4D97-AF65-F5344CB8AC3E}">
-        <p14:creationId xmlns:p14="http://schemas.microsoft.com/office/powerpoint/2010/main" val="47269599"/>
+        <p14:creationId xmlns:p14="http://schemas.microsoft.com/office/powerpoint/2010/main" val="1174962673"/>
       </p:ext>
     </p:extLst>
   </p:cSld>
@@ -12867,7 +12867,7 @@
         <p:spPr>
           <a:xfrm>
             <a:off x="395536" y="771550"/>
-            <a:ext cx="7488832" cy="1706878"/>
+            <a:ext cx="7488832" cy="3784369"/>
           </a:xfrm>
           <a:prstGeom prst="rect">
             <a:avLst/>
@@ -12952,7 +12952,87 @@
             </a:r>
             <a:r>
               <a:rPr lang="zh-CN" altLang="zh-CN" dirty="0"/>
-              <a:t>管理的数据是线程安全的，不需要任何多线程背景。 </a:t>
+              <a:t>管理的数据是线程安全的，不需要任何多线程背景。</a:t>
+            </a:r>
+            <a:endParaRPr lang="en-US" altLang="zh-CN" dirty="0"/>
+          </a:p>
+          <a:p>
+            <a:pPr>
+              <a:lnSpc>
+                <a:spcPct val="150000"/>
+              </a:lnSpc>
+            </a:pPr>
+            <a:r>
+              <a:rPr lang="en-US" altLang="zh-CN"/>
+              <a:t>      </a:t>
+            </a:r>
+            <a:r>
+              <a:rPr lang="zh-CN" altLang="en-US"/>
+              <a:t>这种</a:t>
+            </a:r>
+            <a:r>
+              <a:rPr lang="zh-CN" altLang="en-US" dirty="0"/>
+              <a:t>使用形式我叫它</a:t>
+            </a:r>
+            <a:r>
+              <a:rPr lang="en-US" altLang="zh-CN" dirty="0"/>
+              <a:t>0</a:t>
+            </a:r>
+            <a:r>
+              <a:rPr lang="zh-CN" altLang="en-US" dirty="0"/>
+              <a:t>类。这类是</a:t>
+            </a:r>
+            <a:r>
+              <a:rPr lang="en-US" altLang="zh-CN" dirty="0" err="1"/>
+              <a:t>zeze</a:t>
+            </a:r>
+            <a:r>
+              <a:rPr lang="zh-CN" altLang="en-US" dirty="0"/>
+              <a:t>主要解决的，预期能解决相当一部分逻辑开发。</a:t>
+            </a:r>
+            <a:r>
+              <a:rPr lang="en-US" altLang="zh-CN" dirty="0"/>
+              <a:t>1</a:t>
+            </a:r>
+            <a:r>
+              <a:rPr lang="zh-CN" altLang="en-US" dirty="0"/>
+              <a:t>类就是在程序内定义本进程私有的数据，采用某种多线程模式来访问。由于这是进程内私有数据，</a:t>
+            </a:r>
+            <a:r>
+              <a:rPr lang="en-US" altLang="zh-CN" dirty="0" err="1"/>
+              <a:t>zeze</a:t>
+            </a:r>
+            <a:r>
+              <a:rPr lang="zh-CN" altLang="en-US" dirty="0"/>
+              <a:t>管理不到，在多</a:t>
+            </a:r>
+            <a:r>
+              <a:rPr lang="en-US" altLang="zh-CN" dirty="0"/>
+              <a:t>Gs</a:t>
+            </a:r>
+            <a:r>
+              <a:rPr lang="zh-CN" altLang="en-US" dirty="0"/>
+              <a:t>实例的模式下需要自己解决同步问题（如果有）。</a:t>
+            </a:r>
+            <a:r>
+              <a:rPr lang="en-US" altLang="zh-CN" dirty="0"/>
+              <a:t>2</a:t>
+            </a:r>
+            <a:r>
+              <a:rPr lang="zh-CN" altLang="en-US" dirty="0"/>
+              <a:t>类就是有私有数据并且这个数据和</a:t>
+            </a:r>
+            <a:r>
+              <a:rPr lang="en-US" altLang="zh-CN" dirty="0" err="1"/>
+              <a:t>zeze</a:t>
+            </a:r>
+            <a:r>
+              <a:rPr lang="zh-CN" altLang="en-US" dirty="0"/>
+              <a:t>数据有紧密联系。比较麻烦，需要具体问题具体分析。</a:t>
+            </a:r>
+            <a:r>
+              <a:rPr lang="zh-CN" altLang="zh-CN" dirty="0"/>
+              <a:t> </a:t>
             </a:r>
           </a:p>
         </p:txBody>
@@ -26075,309 +26155,6 @@
           <a:p>
             <a:pPr algn="l"/>
             <a:r>
-              <a:rPr lang="en-US" altLang="zh-CN" sz="1800" b="1" dirty="0">
-                <a:solidFill>
-                  <a:schemeClr val="tx1">
-                    <a:lumMod val="75000"/>
-                    <a:lumOff val="25000"/>
-                  </a:schemeClr>
-                </a:solidFill>
-                <a:latin typeface="微软雅黑" panose="020B0503020204020204" pitchFamily="34" charset="-122"/>
-                <a:ea typeface="微软雅黑" panose="020B0503020204020204" pitchFamily="34" charset="-122"/>
-              </a:rPr>
-              <a:t>What</a:t>
-            </a:r>
-            <a:r>
-              <a:rPr lang="zh-CN" altLang="en-US" sz="1800" b="1" dirty="0">
-                <a:solidFill>
-                  <a:schemeClr val="tx1">
-                    <a:lumMod val="75000"/>
-                    <a:lumOff val="25000"/>
-                  </a:schemeClr>
-                </a:solidFill>
-                <a:latin typeface="微软雅黑" panose="020B0503020204020204" pitchFamily="34" charset="-122"/>
-                <a:ea typeface="微软雅黑" panose="020B0503020204020204" pitchFamily="34" charset="-122"/>
-              </a:rPr>
-              <a:t> </a:t>
-            </a:r>
-            <a:r>
-              <a:rPr lang="en-US" altLang="zh-CN" sz="1800" b="1" dirty="0">
-                <a:solidFill>
-                  <a:schemeClr val="tx1">
-                    <a:lumMod val="75000"/>
-                    <a:lumOff val="25000"/>
-                  </a:schemeClr>
-                </a:solidFill>
-                <a:latin typeface="微软雅黑" panose="020B0503020204020204" pitchFamily="34" charset="-122"/>
-                <a:ea typeface="微软雅黑" panose="020B0503020204020204" pitchFamily="34" charset="-122"/>
-              </a:rPr>
-              <a:t>is</a:t>
-            </a:r>
-            <a:r>
-              <a:rPr lang="zh-CN" altLang="en-US" sz="1800" b="1" dirty="0">
-                <a:solidFill>
-                  <a:schemeClr val="tx1">
-                    <a:lumMod val="75000"/>
-                    <a:lumOff val="25000"/>
-                  </a:schemeClr>
-                </a:solidFill>
-                <a:latin typeface="微软雅黑" panose="020B0503020204020204" pitchFamily="34" charset="-122"/>
-                <a:ea typeface="微软雅黑" panose="020B0503020204020204" pitchFamily="34" charset="-122"/>
-              </a:rPr>
-              <a:t> </a:t>
-            </a:r>
-            <a:r>
-              <a:rPr lang="en-US" altLang="zh-CN" sz="1800" b="1" dirty="0" err="1">
-                <a:solidFill>
-                  <a:schemeClr val="tx1">
-                    <a:lumMod val="75000"/>
-                    <a:lumOff val="25000"/>
-                  </a:schemeClr>
-                </a:solidFill>
-                <a:latin typeface="微软雅黑" panose="020B0503020204020204" pitchFamily="34" charset="-122"/>
-                <a:ea typeface="微软雅黑" panose="020B0503020204020204" pitchFamily="34" charset="-122"/>
-              </a:rPr>
-              <a:t>Zeze</a:t>
-            </a:r>
-            <a:endParaRPr lang="en-GB" altLang="zh-CN" sz="1800" b="1" dirty="0">
-              <a:solidFill>
-                <a:schemeClr val="tx1">
-                  <a:lumMod val="75000"/>
-                  <a:lumOff val="25000"/>
-                </a:schemeClr>
-              </a:solidFill>
-              <a:latin typeface="微软雅黑" panose="020B0503020204020204" pitchFamily="34" charset="-122"/>
-              <a:ea typeface="微软雅黑" panose="020B0503020204020204" pitchFamily="34" charset="-122"/>
-            </a:endParaRPr>
-          </a:p>
-        </p:txBody>
-      </p:sp>
-      <p:sp>
-        <p:nvSpPr>
-          <p:cNvPr id="7" name="文本框 6">
-            <a:extLst>
-              <a:ext uri="{FF2B5EF4-FFF2-40B4-BE49-F238E27FC236}">
-                <a16:creationId xmlns:a16="http://schemas.microsoft.com/office/drawing/2014/main" id="{4772ECF5-31F2-4B2A-BA23-A8A199B9CE3D}"/>
-              </a:ext>
-            </a:extLst>
-          </p:cNvPr>
-          <p:cNvSpPr txBox="1"/>
-          <p:nvPr/>
-        </p:nvSpPr>
-        <p:spPr>
-          <a:xfrm>
-            <a:off x="827584" y="627534"/>
-            <a:ext cx="4572000" cy="465640"/>
-          </a:xfrm>
-          <a:prstGeom prst="rect">
-            <a:avLst/>
-          </a:prstGeom>
-          <a:noFill/>
-        </p:spPr>
-        <p:txBody>
-          <a:bodyPr wrap="square">
-            <a:spAutoFit/>
-          </a:bodyPr>
-          <a:lstStyle/>
-          <a:p>
-            <a:pPr marR="0" lvl="0" algn="l" defTabSz="914400" rtl="0" eaLnBrk="0" fontAlgn="base" latinLnBrk="0" hangingPunct="0">
-              <a:lnSpc>
-                <a:spcPct val="150000"/>
-              </a:lnSpc>
-              <a:spcBef>
-                <a:spcPct val="0"/>
-              </a:spcBef>
-              <a:spcAft>
-                <a:spcPct val="0"/>
-              </a:spcAft>
-              <a:buClrTx/>
-              <a:buSzTx/>
-              <a:tabLst/>
-            </a:pPr>
-            <a:r>
-              <a:rPr kumimoji="0" lang="en-US" altLang="zh-CN" sz="1800" b="1" i="0" u="none" strike="noStrike" cap="none" normalizeH="0" baseline="0" dirty="0" err="1">
-                <a:ln>
-                  <a:noFill/>
-                </a:ln>
-                <a:solidFill>
-                  <a:schemeClr val="tx1"/>
-                </a:solidFill>
-                <a:effectLst/>
-                <a:latin typeface="DengXian" panose="02010600030101010101" pitchFamily="2" charset="-122"/>
-                <a:ea typeface="DengXian" panose="02010600030101010101" pitchFamily="2" charset="-122"/>
-              </a:rPr>
-              <a:t>Zezex</a:t>
-            </a:r>
-            <a:r>
-              <a:rPr kumimoji="0" lang="en-US" altLang="zh-CN" sz="1800" b="1" i="0" u="none" strike="noStrike" cap="none" normalizeH="0" baseline="0" dirty="0">
-                <a:ln>
-                  <a:noFill/>
-                </a:ln>
-                <a:solidFill>
-                  <a:schemeClr val="tx1"/>
-                </a:solidFill>
-                <a:effectLst/>
-                <a:latin typeface="DengXian" panose="02010600030101010101" pitchFamily="2" charset="-122"/>
-                <a:ea typeface="DengXian" panose="02010600030101010101" pitchFamily="2" charset="-122"/>
-              </a:rPr>
-              <a:t>-</a:t>
-            </a:r>
-            <a:r>
-              <a:rPr kumimoji="0" lang="zh-CN" altLang="zh-CN" sz="1800" b="1" i="0" u="none" strike="noStrike" cap="none" normalizeH="0" baseline="0" dirty="0">
-                <a:ln>
-                  <a:noFill/>
-                </a:ln>
-                <a:solidFill>
-                  <a:schemeClr val="tx1"/>
-                </a:solidFill>
-                <a:effectLst/>
-                <a:latin typeface="DengXian" panose="02010600030101010101" pitchFamily="2" charset="-122"/>
-                <a:ea typeface="DengXian" panose="02010600030101010101" pitchFamily="2" charset="-122"/>
-              </a:rPr>
-              <a:t>多服务器</a:t>
-            </a:r>
-            <a:r>
-              <a:rPr kumimoji="0" lang="zh-CN" altLang="en-US" sz="1800" b="1" i="0" u="none" strike="noStrike" cap="none" normalizeH="0" baseline="0" dirty="0">
-                <a:ln>
-                  <a:noFill/>
-                </a:ln>
-                <a:solidFill>
-                  <a:schemeClr val="tx1"/>
-                </a:solidFill>
-                <a:effectLst/>
-                <a:latin typeface="DengXian" panose="02010600030101010101" pitchFamily="2" charset="-122"/>
-                <a:ea typeface="DengXian" panose="02010600030101010101" pitchFamily="2" charset="-122"/>
-              </a:rPr>
-              <a:t>结构例子</a:t>
-            </a:r>
-            <a:endParaRPr kumimoji="0" lang="zh-CN" altLang="zh-CN" sz="1800" b="1" i="0" u="none" strike="noStrike" cap="none" normalizeH="0" baseline="0" dirty="0">
-              <a:ln>
-                <a:noFill/>
-              </a:ln>
-              <a:solidFill>
-                <a:schemeClr val="tx1"/>
-              </a:solidFill>
-              <a:effectLst/>
-              <a:latin typeface="DengXian" panose="02010600030101010101" pitchFamily="2" charset="-122"/>
-              <a:ea typeface="DengXian" panose="02010600030101010101" pitchFamily="2" charset="-122"/>
-            </a:endParaRPr>
-          </a:p>
-        </p:txBody>
-      </p:sp>
-      <p:pic>
-        <p:nvPicPr>
-          <p:cNvPr id="8" name="图片 7">
-            <a:extLst>
-              <a:ext uri="{FF2B5EF4-FFF2-40B4-BE49-F238E27FC236}">
-                <a16:creationId xmlns:a16="http://schemas.microsoft.com/office/drawing/2014/main" id="{627A3D47-0F3F-43F9-BA48-59D7E702426A}"/>
-              </a:ext>
-            </a:extLst>
-          </p:cNvPr>
-          <p:cNvPicPr>
-            <a:picLocks noChangeAspect="1"/>
-          </p:cNvPicPr>
-          <p:nvPr/>
-        </p:nvPicPr>
-        <p:blipFill>
-          <a:blip r:embed="rId3">
-            <a:extLst>
-              <a:ext uri="{28A0092B-C50C-407E-A947-70E740481C1C}">
-                <a14:useLocalDpi xmlns:a14="http://schemas.microsoft.com/office/drawing/2010/main" val="0"/>
-              </a:ext>
-            </a:extLst>
-          </a:blip>
-          <a:stretch>
-            <a:fillRect/>
-          </a:stretch>
-        </p:blipFill>
-        <p:spPr>
-          <a:xfrm>
-            <a:off x="755576" y="1203598"/>
-            <a:ext cx="7632848" cy="3939902"/>
-          </a:xfrm>
-          <a:prstGeom prst="rect">
-            <a:avLst/>
-          </a:prstGeom>
-        </p:spPr>
-      </p:pic>
-    </p:spTree>
-    <p:extLst>
-      <p:ext uri="{BB962C8B-B14F-4D97-AF65-F5344CB8AC3E}">
-        <p14:creationId xmlns:p14="http://schemas.microsoft.com/office/powerpoint/2010/main" val="3905327819"/>
-      </p:ext>
-    </p:extLst>
-  </p:cSld>
-  <p:clrMapOvr>
-    <a:masterClrMapping/>
-  </p:clrMapOvr>
-  <mc:AlternateContent xmlns:mc="http://schemas.openxmlformats.org/markup-compatibility/2006" xmlns:p14="http://schemas.microsoft.com/office/powerpoint/2010/main">
-    <mc:Choice Requires="p14">
-      <p:transition p14:dur="0" advTm="0"/>
-    </mc:Choice>
-    <mc:Fallback xmlns="">
-      <p:transition advTm="0"/>
-    </mc:Fallback>
-  </mc:AlternateContent>
-</p:sld>
-</file>
-
-<file path=ppt/slides/slide8.xml><?xml version="1.0" encoding="utf-8"?>
-<p:sld xmlns:a="http://schemas.openxmlformats.org/drawingml/2006/main" xmlns:r="http://schemas.openxmlformats.org/officeDocument/2006/relationships" xmlns:p="http://schemas.openxmlformats.org/presentationml/2006/main">
-  <p:cSld>
-    <p:spTree>
-      <p:nvGrpSpPr>
-        <p:cNvPr id="1" name=""/>
-        <p:cNvGrpSpPr/>
-        <p:nvPr/>
-      </p:nvGrpSpPr>
-      <p:grpSpPr>
-        <a:xfrm>
-          <a:off x="0" y="0"/>
-          <a:ext cx="0" cy="0"/>
-          <a:chOff x="0" y="0"/>
-          <a:chExt cx="0" cy="0"/>
-        </a:xfrm>
-      </p:grpSpPr>
-      <p:sp>
-        <p:nvSpPr>
-          <p:cNvPr id="3" name="Title 1"/>
-          <p:cNvSpPr txBox="1">
-            <a:spLocks/>
-          </p:cNvSpPr>
-          <p:nvPr/>
-        </p:nvSpPr>
-        <p:spPr>
-          <a:xfrm>
-            <a:off x="857880" y="200199"/>
-            <a:ext cx="2129944" cy="379477"/>
-          </a:xfrm>
-          <a:prstGeom prst="rect">
-            <a:avLst/>
-          </a:prstGeom>
-        </p:spPr>
-        <p:txBody>
-          <a:bodyPr lIns="0" rIns="0" anchor="ctr">
-            <a:noAutofit/>
-          </a:bodyPr>
-          <a:lstStyle>
-            <a:lvl1pPr algn="ctr" defTabSz="914400" rtl="0" eaLnBrk="1" latinLnBrk="0" hangingPunct="1">
-              <a:spcBef>
-                <a:spcPct val="0"/>
-              </a:spcBef>
-              <a:buNone/>
-              <a:defRPr sz="3000" b="0" kern="1200">
-                <a:solidFill>
-                  <a:schemeClr val="accent1"/>
-                </a:solidFill>
-                <a:latin typeface="U.S. 101" pitchFamily="2" charset="0"/>
-                <a:ea typeface="Roboto" pitchFamily="2" charset="0"/>
-                <a:cs typeface="Open Sans Light" panose="020B0306030504020204" pitchFamily="34" charset="0"/>
-              </a:defRPr>
-            </a:lvl1pPr>
-          </a:lstStyle>
-          <a:p>
-            <a:pPr algn="l"/>
-            <a:r>
               <a:rPr lang="en-US" altLang="zh-CN" sz="1800" b="1" dirty="0" err="1">
                 <a:solidFill>
                   <a:schemeClr val="tx1">
@@ -26760,6 +26537,309 @@
     <p:extLst>
       <p:ext uri="{BB962C8B-B14F-4D97-AF65-F5344CB8AC3E}">
         <p14:creationId xmlns:p14="http://schemas.microsoft.com/office/powerpoint/2010/main" val="1292516222"/>
+      </p:ext>
+    </p:extLst>
+  </p:cSld>
+  <p:clrMapOvr>
+    <a:masterClrMapping/>
+  </p:clrMapOvr>
+  <mc:AlternateContent xmlns:mc="http://schemas.openxmlformats.org/markup-compatibility/2006" xmlns:p14="http://schemas.microsoft.com/office/powerpoint/2010/main">
+    <mc:Choice Requires="p14">
+      <p:transition p14:dur="0" advTm="0"/>
+    </mc:Choice>
+    <mc:Fallback xmlns="">
+      <p:transition advTm="0"/>
+    </mc:Fallback>
+  </mc:AlternateContent>
+</p:sld>
+</file>
+
+<file path=ppt/slides/slide8.xml><?xml version="1.0" encoding="utf-8"?>
+<p:sld xmlns:a="http://schemas.openxmlformats.org/drawingml/2006/main" xmlns:r="http://schemas.openxmlformats.org/officeDocument/2006/relationships" xmlns:p="http://schemas.openxmlformats.org/presentationml/2006/main">
+  <p:cSld>
+    <p:spTree>
+      <p:nvGrpSpPr>
+        <p:cNvPr id="1" name=""/>
+        <p:cNvGrpSpPr/>
+        <p:nvPr/>
+      </p:nvGrpSpPr>
+      <p:grpSpPr>
+        <a:xfrm>
+          <a:off x="0" y="0"/>
+          <a:ext cx="0" cy="0"/>
+          <a:chOff x="0" y="0"/>
+          <a:chExt cx="0" cy="0"/>
+        </a:xfrm>
+      </p:grpSpPr>
+      <p:sp>
+        <p:nvSpPr>
+          <p:cNvPr id="3" name="Title 1"/>
+          <p:cNvSpPr txBox="1">
+            <a:spLocks/>
+          </p:cNvSpPr>
+          <p:nvPr/>
+        </p:nvSpPr>
+        <p:spPr>
+          <a:xfrm>
+            <a:off x="857880" y="200199"/>
+            <a:ext cx="2129944" cy="379477"/>
+          </a:xfrm>
+          <a:prstGeom prst="rect">
+            <a:avLst/>
+          </a:prstGeom>
+        </p:spPr>
+        <p:txBody>
+          <a:bodyPr lIns="0" rIns="0" anchor="ctr">
+            <a:noAutofit/>
+          </a:bodyPr>
+          <a:lstStyle>
+            <a:lvl1pPr algn="ctr" defTabSz="914400" rtl="0" eaLnBrk="1" latinLnBrk="0" hangingPunct="1">
+              <a:spcBef>
+                <a:spcPct val="0"/>
+              </a:spcBef>
+              <a:buNone/>
+              <a:defRPr sz="3000" b="0" kern="1200">
+                <a:solidFill>
+                  <a:schemeClr val="accent1"/>
+                </a:solidFill>
+                <a:latin typeface="U.S. 101" pitchFamily="2" charset="0"/>
+                <a:ea typeface="Roboto" pitchFamily="2" charset="0"/>
+                <a:cs typeface="Open Sans Light" panose="020B0306030504020204" pitchFamily="34" charset="0"/>
+              </a:defRPr>
+            </a:lvl1pPr>
+          </a:lstStyle>
+          <a:p>
+            <a:pPr algn="l"/>
+            <a:r>
+              <a:rPr lang="en-US" altLang="zh-CN" sz="1800" b="1" dirty="0">
+                <a:solidFill>
+                  <a:schemeClr val="tx1">
+                    <a:lumMod val="75000"/>
+                    <a:lumOff val="25000"/>
+                  </a:schemeClr>
+                </a:solidFill>
+                <a:latin typeface="微软雅黑" panose="020B0503020204020204" pitchFamily="34" charset="-122"/>
+                <a:ea typeface="微软雅黑" panose="020B0503020204020204" pitchFamily="34" charset="-122"/>
+              </a:rPr>
+              <a:t>What</a:t>
+            </a:r>
+            <a:r>
+              <a:rPr lang="zh-CN" altLang="en-US" sz="1800" b="1" dirty="0">
+                <a:solidFill>
+                  <a:schemeClr val="tx1">
+                    <a:lumMod val="75000"/>
+                    <a:lumOff val="25000"/>
+                  </a:schemeClr>
+                </a:solidFill>
+                <a:latin typeface="微软雅黑" panose="020B0503020204020204" pitchFamily="34" charset="-122"/>
+                <a:ea typeface="微软雅黑" panose="020B0503020204020204" pitchFamily="34" charset="-122"/>
+              </a:rPr>
+              <a:t> </a:t>
+            </a:r>
+            <a:r>
+              <a:rPr lang="en-US" altLang="zh-CN" sz="1800" b="1" dirty="0">
+                <a:solidFill>
+                  <a:schemeClr val="tx1">
+                    <a:lumMod val="75000"/>
+                    <a:lumOff val="25000"/>
+                  </a:schemeClr>
+                </a:solidFill>
+                <a:latin typeface="微软雅黑" panose="020B0503020204020204" pitchFamily="34" charset="-122"/>
+                <a:ea typeface="微软雅黑" panose="020B0503020204020204" pitchFamily="34" charset="-122"/>
+              </a:rPr>
+              <a:t>is</a:t>
+            </a:r>
+            <a:r>
+              <a:rPr lang="zh-CN" altLang="en-US" sz="1800" b="1" dirty="0">
+                <a:solidFill>
+                  <a:schemeClr val="tx1">
+                    <a:lumMod val="75000"/>
+                    <a:lumOff val="25000"/>
+                  </a:schemeClr>
+                </a:solidFill>
+                <a:latin typeface="微软雅黑" panose="020B0503020204020204" pitchFamily="34" charset="-122"/>
+                <a:ea typeface="微软雅黑" panose="020B0503020204020204" pitchFamily="34" charset="-122"/>
+              </a:rPr>
+              <a:t> </a:t>
+            </a:r>
+            <a:r>
+              <a:rPr lang="en-US" altLang="zh-CN" sz="1800" b="1" dirty="0" err="1">
+                <a:solidFill>
+                  <a:schemeClr val="tx1">
+                    <a:lumMod val="75000"/>
+                    <a:lumOff val="25000"/>
+                  </a:schemeClr>
+                </a:solidFill>
+                <a:latin typeface="微软雅黑" panose="020B0503020204020204" pitchFamily="34" charset="-122"/>
+                <a:ea typeface="微软雅黑" panose="020B0503020204020204" pitchFamily="34" charset="-122"/>
+              </a:rPr>
+              <a:t>Zeze</a:t>
+            </a:r>
+            <a:endParaRPr lang="en-GB" altLang="zh-CN" sz="1800" b="1" dirty="0">
+              <a:solidFill>
+                <a:schemeClr val="tx1">
+                  <a:lumMod val="75000"/>
+                  <a:lumOff val="25000"/>
+                </a:schemeClr>
+              </a:solidFill>
+              <a:latin typeface="微软雅黑" panose="020B0503020204020204" pitchFamily="34" charset="-122"/>
+              <a:ea typeface="微软雅黑" panose="020B0503020204020204" pitchFamily="34" charset="-122"/>
+            </a:endParaRPr>
+          </a:p>
+        </p:txBody>
+      </p:sp>
+      <p:sp>
+        <p:nvSpPr>
+          <p:cNvPr id="7" name="文本框 6">
+            <a:extLst>
+              <a:ext uri="{FF2B5EF4-FFF2-40B4-BE49-F238E27FC236}">
+                <a16:creationId xmlns:a16="http://schemas.microsoft.com/office/drawing/2014/main" id="{4772ECF5-31F2-4B2A-BA23-A8A199B9CE3D}"/>
+              </a:ext>
+            </a:extLst>
+          </p:cNvPr>
+          <p:cNvSpPr txBox="1"/>
+          <p:nvPr/>
+        </p:nvSpPr>
+        <p:spPr>
+          <a:xfrm>
+            <a:off x="827584" y="627534"/>
+            <a:ext cx="4572000" cy="465640"/>
+          </a:xfrm>
+          <a:prstGeom prst="rect">
+            <a:avLst/>
+          </a:prstGeom>
+          <a:noFill/>
+        </p:spPr>
+        <p:txBody>
+          <a:bodyPr wrap="square">
+            <a:spAutoFit/>
+          </a:bodyPr>
+          <a:lstStyle/>
+          <a:p>
+            <a:pPr marR="0" lvl="0" algn="l" defTabSz="914400" rtl="0" eaLnBrk="0" fontAlgn="base" latinLnBrk="0" hangingPunct="0">
+              <a:lnSpc>
+                <a:spcPct val="150000"/>
+              </a:lnSpc>
+              <a:spcBef>
+                <a:spcPct val="0"/>
+              </a:spcBef>
+              <a:spcAft>
+                <a:spcPct val="0"/>
+              </a:spcAft>
+              <a:buClrTx/>
+              <a:buSzTx/>
+              <a:tabLst/>
+            </a:pPr>
+            <a:r>
+              <a:rPr kumimoji="0" lang="en-US" altLang="zh-CN" sz="1800" b="1" i="0" u="none" strike="noStrike" cap="none" normalizeH="0" baseline="0" dirty="0" err="1">
+                <a:ln>
+                  <a:noFill/>
+                </a:ln>
+                <a:solidFill>
+                  <a:schemeClr val="tx1"/>
+                </a:solidFill>
+                <a:effectLst/>
+                <a:latin typeface="DengXian" panose="02010600030101010101" pitchFamily="2" charset="-122"/>
+                <a:ea typeface="DengXian" panose="02010600030101010101" pitchFamily="2" charset="-122"/>
+              </a:rPr>
+              <a:t>Zezex</a:t>
+            </a:r>
+            <a:r>
+              <a:rPr kumimoji="0" lang="en-US" altLang="zh-CN" sz="1800" b="1" i="0" u="none" strike="noStrike" cap="none" normalizeH="0" baseline="0" dirty="0">
+                <a:ln>
+                  <a:noFill/>
+                </a:ln>
+                <a:solidFill>
+                  <a:schemeClr val="tx1"/>
+                </a:solidFill>
+                <a:effectLst/>
+                <a:latin typeface="DengXian" panose="02010600030101010101" pitchFamily="2" charset="-122"/>
+                <a:ea typeface="DengXian" panose="02010600030101010101" pitchFamily="2" charset="-122"/>
+              </a:rPr>
+              <a:t>-</a:t>
+            </a:r>
+            <a:r>
+              <a:rPr kumimoji="0" lang="zh-CN" altLang="zh-CN" sz="1800" b="1" i="0" u="none" strike="noStrike" cap="none" normalizeH="0" baseline="0" dirty="0">
+                <a:ln>
+                  <a:noFill/>
+                </a:ln>
+                <a:solidFill>
+                  <a:schemeClr val="tx1"/>
+                </a:solidFill>
+                <a:effectLst/>
+                <a:latin typeface="DengXian" panose="02010600030101010101" pitchFamily="2" charset="-122"/>
+                <a:ea typeface="DengXian" panose="02010600030101010101" pitchFamily="2" charset="-122"/>
+              </a:rPr>
+              <a:t>多服务器</a:t>
+            </a:r>
+            <a:r>
+              <a:rPr kumimoji="0" lang="zh-CN" altLang="en-US" sz="1800" b="1" i="0" u="none" strike="noStrike" cap="none" normalizeH="0" baseline="0" dirty="0">
+                <a:ln>
+                  <a:noFill/>
+                </a:ln>
+                <a:solidFill>
+                  <a:schemeClr val="tx1"/>
+                </a:solidFill>
+                <a:effectLst/>
+                <a:latin typeface="DengXian" panose="02010600030101010101" pitchFamily="2" charset="-122"/>
+                <a:ea typeface="DengXian" panose="02010600030101010101" pitchFamily="2" charset="-122"/>
+              </a:rPr>
+              <a:t>结构例子</a:t>
+            </a:r>
+            <a:endParaRPr kumimoji="0" lang="zh-CN" altLang="zh-CN" sz="1800" b="1" i="0" u="none" strike="noStrike" cap="none" normalizeH="0" baseline="0" dirty="0">
+              <a:ln>
+                <a:noFill/>
+              </a:ln>
+              <a:solidFill>
+                <a:schemeClr val="tx1"/>
+              </a:solidFill>
+              <a:effectLst/>
+              <a:latin typeface="DengXian" panose="02010600030101010101" pitchFamily="2" charset="-122"/>
+              <a:ea typeface="DengXian" panose="02010600030101010101" pitchFamily="2" charset="-122"/>
+            </a:endParaRPr>
+          </a:p>
+        </p:txBody>
+      </p:sp>
+      <p:pic>
+        <p:nvPicPr>
+          <p:cNvPr id="8" name="图片 7">
+            <a:extLst>
+              <a:ext uri="{FF2B5EF4-FFF2-40B4-BE49-F238E27FC236}">
+                <a16:creationId xmlns:a16="http://schemas.microsoft.com/office/drawing/2014/main" id="{627A3D47-0F3F-43F9-BA48-59D7E702426A}"/>
+              </a:ext>
+            </a:extLst>
+          </p:cNvPr>
+          <p:cNvPicPr>
+            <a:picLocks noChangeAspect="1"/>
+          </p:cNvPicPr>
+          <p:nvPr/>
+        </p:nvPicPr>
+        <p:blipFill>
+          <a:blip r:embed="rId3">
+            <a:extLst>
+              <a:ext uri="{28A0092B-C50C-407E-A947-70E740481C1C}">
+                <a14:useLocalDpi xmlns:a14="http://schemas.microsoft.com/office/drawing/2010/main" val="0"/>
+              </a:ext>
+            </a:extLst>
+          </a:blip>
+          <a:stretch>
+            <a:fillRect/>
+          </a:stretch>
+        </p:blipFill>
+        <p:spPr>
+          <a:xfrm>
+            <a:off x="755576" y="1203598"/>
+            <a:ext cx="7632848" cy="3939902"/>
+          </a:xfrm>
+          <a:prstGeom prst="rect">
+            <a:avLst/>
+          </a:prstGeom>
+        </p:spPr>
+      </p:pic>
+    </p:spTree>
+    <p:extLst>
+      <p:ext uri="{BB962C8B-B14F-4D97-AF65-F5344CB8AC3E}">
+        <p14:creationId xmlns:p14="http://schemas.microsoft.com/office/powerpoint/2010/main" val="3905327819"/>
       </p:ext>
     </p:extLst>
   </p:cSld>
